--- a/slides/Dapr.pptx
+++ b/slides/Dapr.pptx
@@ -237,7 +237,7 @@
           <a:p>
             <a:fld id="{939FF663-7E36-284F-93AD-25D19950C905}" type="datetimeFigureOut">
               <a:rPr lang="es-ES_tradnl" smtClean="0"/>
-              <a:t>08/02/2020</a:t>
+              <a:t>26/02/2020</a:t>
             </a:fld>
             <a:endParaRPr lang="es-ES_tradnl"/>
           </a:p>
@@ -2019,7 +2019,7 @@
           <p:cNvPr id="2" name="Título 1">
             <a:extLst>
               <a:ext uri="{FF2B5EF4-FFF2-40B4-BE49-F238E27FC236}">
-                <a16:creationId xmlns:a16="http://schemas.microsoft.com/office/drawing/2014/main" id="{4F37D321-B91B-446D-8A02-47059AC179C0}"/>
+                <a16:creationId xmlns:a16="http://schemas.microsoft.com/office/drawing/2014/main" xmlns="" id="{4F37D321-B91B-446D-8A02-47059AC179C0}"/>
               </a:ext>
             </a:extLst>
           </p:cNvPr>
@@ -2056,7 +2056,7 @@
           <p:cNvPr id="3" name="Subtítulo 2">
             <a:extLst>
               <a:ext uri="{FF2B5EF4-FFF2-40B4-BE49-F238E27FC236}">
-                <a16:creationId xmlns:a16="http://schemas.microsoft.com/office/drawing/2014/main" id="{B3456E1E-B400-436E-A9B3-28F9B20DB040}"/>
+                <a16:creationId xmlns:a16="http://schemas.microsoft.com/office/drawing/2014/main" xmlns="" id="{B3456E1E-B400-436E-A9B3-28F9B20DB040}"/>
               </a:ext>
             </a:extLst>
           </p:cNvPr>
@@ -2126,7 +2126,7 @@
           <p:cNvPr id="4" name="Marcador de fecha 3">
             <a:extLst>
               <a:ext uri="{FF2B5EF4-FFF2-40B4-BE49-F238E27FC236}">
-                <a16:creationId xmlns:a16="http://schemas.microsoft.com/office/drawing/2014/main" id="{C74279E3-BC56-4B8E-96DB-2983AD3F011F}"/>
+                <a16:creationId xmlns:a16="http://schemas.microsoft.com/office/drawing/2014/main" xmlns="" id="{C74279E3-BC56-4B8E-96DB-2983AD3F011F}"/>
               </a:ext>
             </a:extLst>
           </p:cNvPr>
@@ -2144,7 +2144,7 @@
           <a:p>
             <a:fld id="{884406F1-D55D-4EF3-B6E5-F254E6012FCC}" type="datetimeFigureOut">
               <a:rPr lang="es-ES" smtClean="0"/>
-              <a:t>08/02/2020</a:t>
+              <a:t>26/02/2020</a:t>
             </a:fld>
             <a:endParaRPr lang="es-ES"/>
           </a:p>
@@ -2155,7 +2155,7 @@
           <p:cNvPr id="5" name="Marcador de pie de página 4">
             <a:extLst>
               <a:ext uri="{FF2B5EF4-FFF2-40B4-BE49-F238E27FC236}">
-                <a16:creationId xmlns:a16="http://schemas.microsoft.com/office/drawing/2014/main" id="{A6742364-6240-47B5-AA4D-5B06D992B0F2}"/>
+                <a16:creationId xmlns:a16="http://schemas.microsoft.com/office/drawing/2014/main" xmlns="" id="{A6742364-6240-47B5-AA4D-5B06D992B0F2}"/>
               </a:ext>
             </a:extLst>
           </p:cNvPr>
@@ -2180,7 +2180,7 @@
           <p:cNvPr id="6" name="Marcador de número de diapositiva 5">
             <a:extLst>
               <a:ext uri="{FF2B5EF4-FFF2-40B4-BE49-F238E27FC236}">
-                <a16:creationId xmlns:a16="http://schemas.microsoft.com/office/drawing/2014/main" id="{6949FA35-C6A6-4888-A5E8-15FF854DCA9C}"/>
+                <a16:creationId xmlns:a16="http://schemas.microsoft.com/office/drawing/2014/main" xmlns="" id="{6949FA35-C6A6-4888-A5E8-15FF854DCA9C}"/>
               </a:ext>
             </a:extLst>
           </p:cNvPr>
@@ -2244,7 +2244,7 @@
           <p:cNvPr id="6" name="Rectángulo 5">
             <a:extLst>
               <a:ext uri="{FF2B5EF4-FFF2-40B4-BE49-F238E27FC236}">
-                <a16:creationId xmlns:a16="http://schemas.microsoft.com/office/drawing/2014/main" id="{C7C8E554-3FDF-459F-A8F4-EDF854F8A935}"/>
+                <a16:creationId xmlns:a16="http://schemas.microsoft.com/office/drawing/2014/main" xmlns="" id="{C7C8E554-3FDF-459F-A8F4-EDF854F8A935}"/>
               </a:ext>
             </a:extLst>
           </p:cNvPr>
@@ -2293,7 +2293,7 @@
           <p:cNvPr id="7" name="Rectángulo 6">
             <a:extLst>
               <a:ext uri="{FF2B5EF4-FFF2-40B4-BE49-F238E27FC236}">
-                <a16:creationId xmlns:a16="http://schemas.microsoft.com/office/drawing/2014/main" id="{CFBFC3C6-7718-480B-BA55-A81A1259F61C}"/>
+                <a16:creationId xmlns:a16="http://schemas.microsoft.com/office/drawing/2014/main" xmlns="" id="{CFBFC3C6-7718-480B-BA55-A81A1259F61C}"/>
               </a:ext>
             </a:extLst>
           </p:cNvPr>
@@ -2342,7 +2342,7 @@
           <p:cNvPr id="14" name="Marcador de fecha 13">
             <a:extLst>
               <a:ext uri="{FF2B5EF4-FFF2-40B4-BE49-F238E27FC236}">
-                <a16:creationId xmlns:a16="http://schemas.microsoft.com/office/drawing/2014/main" id="{83FD43D3-BE7F-4EDF-9B3B-DF0C79ECFEA3}"/>
+                <a16:creationId xmlns:a16="http://schemas.microsoft.com/office/drawing/2014/main" xmlns="" id="{83FD43D3-BE7F-4EDF-9B3B-DF0C79ECFEA3}"/>
               </a:ext>
             </a:extLst>
           </p:cNvPr>
@@ -2374,7 +2374,7 @@
             <a:fld id="{DC76426A-DF8C-4B33-AC87-8CA5E8B7F10A}" type="datetimeFigureOut">
               <a:rPr lang="es-ES" smtClean="0"/>
               <a:pPr/>
-              <a:t>08/02/2020</a:t>
+              <a:t>26/02/2020</a:t>
             </a:fld>
             <a:endParaRPr lang="es-ES" dirty="0"/>
           </a:p>
@@ -2385,7 +2385,7 @@
           <p:cNvPr id="15" name="Marcador de pie de página 14">
             <a:extLst>
               <a:ext uri="{FF2B5EF4-FFF2-40B4-BE49-F238E27FC236}">
-                <a16:creationId xmlns:a16="http://schemas.microsoft.com/office/drawing/2014/main" id="{9499C88A-4D53-4D56-9323-867D9F2ED503}"/>
+                <a16:creationId xmlns:a16="http://schemas.microsoft.com/office/drawing/2014/main" xmlns="" id="{9499C88A-4D53-4D56-9323-867D9F2ED503}"/>
               </a:ext>
             </a:extLst>
           </p:cNvPr>
@@ -2423,7 +2423,7 @@
           <p:cNvPr id="16" name="Marcador de número de diapositiva 15">
             <a:extLst>
               <a:ext uri="{FF2B5EF4-FFF2-40B4-BE49-F238E27FC236}">
-                <a16:creationId xmlns:a16="http://schemas.microsoft.com/office/drawing/2014/main" id="{0922C18C-0DCC-45B3-B7A9-B85F96E0F7F7}"/>
+                <a16:creationId xmlns:a16="http://schemas.microsoft.com/office/drawing/2014/main" xmlns="" id="{0922C18C-0DCC-45B3-B7A9-B85F96E0F7F7}"/>
               </a:ext>
             </a:extLst>
           </p:cNvPr>
@@ -2463,7 +2463,7 @@
           <p:cNvPr id="8" name="Título 7">
             <a:extLst>
               <a:ext uri="{FF2B5EF4-FFF2-40B4-BE49-F238E27FC236}">
-                <a16:creationId xmlns:a16="http://schemas.microsoft.com/office/drawing/2014/main" id="{18272690-7287-416B-8A94-44BB66DE741D}"/>
+                <a16:creationId xmlns:a16="http://schemas.microsoft.com/office/drawing/2014/main" xmlns="" id="{18272690-7287-416B-8A94-44BB66DE741D}"/>
               </a:ext>
             </a:extLst>
           </p:cNvPr>
@@ -2507,7 +2507,7 @@
           <p:cNvPr id="2" name="CuadroTexto 1">
             <a:extLst>
               <a:ext uri="{FF2B5EF4-FFF2-40B4-BE49-F238E27FC236}">
-                <a16:creationId xmlns:a16="http://schemas.microsoft.com/office/drawing/2014/main" id="{9A161A1A-FF99-48CB-B1CC-88137F488B66}"/>
+                <a16:creationId xmlns:a16="http://schemas.microsoft.com/office/drawing/2014/main" xmlns="" id="{9A161A1A-FF99-48CB-B1CC-88137F488B66}"/>
               </a:ext>
             </a:extLst>
           </p:cNvPr>
@@ -2565,7 +2565,7 @@
           <p:cNvPr id="10" name="Marcador de texto 2">
             <a:extLst>
               <a:ext uri="{FF2B5EF4-FFF2-40B4-BE49-F238E27FC236}">
-                <a16:creationId xmlns:a16="http://schemas.microsoft.com/office/drawing/2014/main" id="{B72CA792-D146-9342-95DE-270094613E5E}"/>
+                <a16:creationId xmlns:a16="http://schemas.microsoft.com/office/drawing/2014/main" xmlns="" id="{B72CA792-D146-9342-95DE-270094613E5E}"/>
               </a:ext>
             </a:extLst>
           </p:cNvPr>
@@ -2632,7 +2632,7 @@
           <p:cNvPr id="13" name="Picture 10" descr="Image result for dapr logo png">
             <a:extLst>
               <a:ext uri="{FF2B5EF4-FFF2-40B4-BE49-F238E27FC236}">
-                <a16:creationId xmlns:a16="http://schemas.microsoft.com/office/drawing/2014/main" id="{AFD2EB51-395C-4BF9-8C5D-4927D03F2821}"/>
+                <a16:creationId xmlns:a16="http://schemas.microsoft.com/office/drawing/2014/main" xmlns="" id="{AFD2EB51-395C-4BF9-8C5D-4927D03F2821}"/>
               </a:ext>
             </a:extLst>
           </p:cNvPr>
@@ -2714,7 +2714,7 @@
           <p:cNvPr id="10" name="Rectángulo 5">
             <a:extLst>
               <a:ext uri="{FF2B5EF4-FFF2-40B4-BE49-F238E27FC236}">
-                <a16:creationId xmlns:a16="http://schemas.microsoft.com/office/drawing/2014/main" id="{3B99E672-389C-490A-AD7F-F299D2968BD6}"/>
+                <a16:creationId xmlns:a16="http://schemas.microsoft.com/office/drawing/2014/main" xmlns="" id="{3B99E672-389C-490A-AD7F-F299D2968BD6}"/>
               </a:ext>
             </a:extLst>
           </p:cNvPr>
@@ -2763,7 +2763,7 @@
           <p:cNvPr id="11" name="Marcador de fecha 13">
             <a:extLst>
               <a:ext uri="{FF2B5EF4-FFF2-40B4-BE49-F238E27FC236}">
-                <a16:creationId xmlns:a16="http://schemas.microsoft.com/office/drawing/2014/main" id="{66EAE134-EBC3-4A39-B8ED-2DAA01AB3DD4}"/>
+                <a16:creationId xmlns:a16="http://schemas.microsoft.com/office/drawing/2014/main" xmlns="" id="{66EAE134-EBC3-4A39-B8ED-2DAA01AB3DD4}"/>
               </a:ext>
             </a:extLst>
           </p:cNvPr>
@@ -2795,7 +2795,7 @@
             <a:fld id="{DC76426A-DF8C-4B33-AC87-8CA5E8B7F10A}" type="datetimeFigureOut">
               <a:rPr lang="es-ES" smtClean="0"/>
               <a:pPr/>
-              <a:t>08/02/2020</a:t>
+              <a:t>26/02/2020</a:t>
             </a:fld>
             <a:endParaRPr lang="es-ES" dirty="0"/>
           </a:p>
@@ -2806,7 +2806,7 @@
           <p:cNvPr id="13" name="Marcador de pie de página 14">
             <a:extLst>
               <a:ext uri="{FF2B5EF4-FFF2-40B4-BE49-F238E27FC236}">
-                <a16:creationId xmlns:a16="http://schemas.microsoft.com/office/drawing/2014/main" id="{8A02A8CB-2771-48C8-BF7E-18E940DD22EC}"/>
+                <a16:creationId xmlns:a16="http://schemas.microsoft.com/office/drawing/2014/main" xmlns="" id="{8A02A8CB-2771-48C8-BF7E-18E940DD22EC}"/>
               </a:ext>
             </a:extLst>
           </p:cNvPr>
@@ -2844,7 +2844,7 @@
           <p:cNvPr id="17" name="Marcador de número de diapositiva 15">
             <a:extLst>
               <a:ext uri="{FF2B5EF4-FFF2-40B4-BE49-F238E27FC236}">
-                <a16:creationId xmlns:a16="http://schemas.microsoft.com/office/drawing/2014/main" id="{693E613A-A741-4F70-B476-0C607F75CBDC}"/>
+                <a16:creationId xmlns:a16="http://schemas.microsoft.com/office/drawing/2014/main" xmlns="" id="{693E613A-A741-4F70-B476-0C607F75CBDC}"/>
               </a:ext>
             </a:extLst>
           </p:cNvPr>
@@ -2884,7 +2884,7 @@
           <p:cNvPr id="18" name="CuadroTexto 1">
             <a:extLst>
               <a:ext uri="{FF2B5EF4-FFF2-40B4-BE49-F238E27FC236}">
-                <a16:creationId xmlns:a16="http://schemas.microsoft.com/office/drawing/2014/main" id="{AC5B3251-3DC6-421F-8126-820FCFBEC1FD}"/>
+                <a16:creationId xmlns:a16="http://schemas.microsoft.com/office/drawing/2014/main" xmlns="" id="{AC5B3251-3DC6-421F-8126-820FCFBEC1FD}"/>
               </a:ext>
             </a:extLst>
           </p:cNvPr>
@@ -2942,7 +2942,7 @@
           <p:cNvPr id="19" name="Picture 10" descr="Image result for dapr logo png">
             <a:extLst>
               <a:ext uri="{FF2B5EF4-FFF2-40B4-BE49-F238E27FC236}">
-                <a16:creationId xmlns:a16="http://schemas.microsoft.com/office/drawing/2014/main" id="{5861016B-BB3F-4D32-8912-75C57450C805}"/>
+                <a16:creationId xmlns:a16="http://schemas.microsoft.com/office/drawing/2014/main" xmlns="" id="{5861016B-BB3F-4D32-8912-75C57450C805}"/>
               </a:ext>
             </a:extLst>
           </p:cNvPr>
@@ -2989,7 +2989,7 @@
           <p:cNvPr id="20" name="Rectángulo 6">
             <a:extLst>
               <a:ext uri="{FF2B5EF4-FFF2-40B4-BE49-F238E27FC236}">
-                <a16:creationId xmlns:a16="http://schemas.microsoft.com/office/drawing/2014/main" id="{D651A58E-5ED3-491E-900C-E622E5BEF893}"/>
+                <a16:creationId xmlns:a16="http://schemas.microsoft.com/office/drawing/2014/main" xmlns="" id="{D651A58E-5ED3-491E-900C-E622E5BEF893}"/>
               </a:ext>
             </a:extLst>
           </p:cNvPr>
@@ -3038,7 +3038,7 @@
           <p:cNvPr id="21" name="Título 7">
             <a:extLst>
               <a:ext uri="{FF2B5EF4-FFF2-40B4-BE49-F238E27FC236}">
-                <a16:creationId xmlns:a16="http://schemas.microsoft.com/office/drawing/2014/main" id="{75A6A9E8-E766-4A9C-A09A-67543BC5A4A6}"/>
+                <a16:creationId xmlns:a16="http://schemas.microsoft.com/office/drawing/2014/main" xmlns="" id="{75A6A9E8-E766-4A9C-A09A-67543BC5A4A6}"/>
               </a:ext>
             </a:extLst>
           </p:cNvPr>
@@ -3112,7 +3112,7 @@
           <p:cNvPr id="2" name="Date Placeholder 1">
             <a:extLst>
               <a:ext uri="{FF2B5EF4-FFF2-40B4-BE49-F238E27FC236}">
-                <a16:creationId xmlns:a16="http://schemas.microsoft.com/office/drawing/2014/main" id="{51F632A5-097D-4FBA-B05E-4E49E0D461C6}"/>
+                <a16:creationId xmlns:a16="http://schemas.microsoft.com/office/drawing/2014/main" xmlns="" id="{51F632A5-097D-4FBA-B05E-4E49E0D461C6}"/>
               </a:ext>
             </a:extLst>
           </p:cNvPr>
@@ -3130,7 +3130,7 @@
           <a:p>
             <a:fld id="{884406F1-D55D-4EF3-B6E5-F254E6012FCC}" type="datetimeFigureOut">
               <a:rPr lang="es-ES" smtClean="0"/>
-              <a:t>08/02/2020</a:t>
+              <a:t>26/02/2020</a:t>
             </a:fld>
             <a:endParaRPr lang="es-ES"/>
           </a:p>
@@ -3141,7 +3141,7 @@
           <p:cNvPr id="3" name="Footer Placeholder 2">
             <a:extLst>
               <a:ext uri="{FF2B5EF4-FFF2-40B4-BE49-F238E27FC236}">
-                <a16:creationId xmlns:a16="http://schemas.microsoft.com/office/drawing/2014/main" id="{645BCA8F-5144-454E-9C63-0ABAC0C4CFFF}"/>
+                <a16:creationId xmlns:a16="http://schemas.microsoft.com/office/drawing/2014/main" xmlns="" id="{645BCA8F-5144-454E-9C63-0ABAC0C4CFFF}"/>
               </a:ext>
             </a:extLst>
           </p:cNvPr>
@@ -3166,7 +3166,7 @@
           <p:cNvPr id="4" name="Slide Number Placeholder 3">
             <a:extLst>
               <a:ext uri="{FF2B5EF4-FFF2-40B4-BE49-F238E27FC236}">
-                <a16:creationId xmlns:a16="http://schemas.microsoft.com/office/drawing/2014/main" id="{C7803499-431B-4385-9F79-E5D3FAD5FDD3}"/>
+                <a16:creationId xmlns:a16="http://schemas.microsoft.com/office/drawing/2014/main" xmlns="" id="{C7803499-431B-4385-9F79-E5D3FAD5FDD3}"/>
               </a:ext>
             </a:extLst>
           </p:cNvPr>
@@ -3921,7 +3921,7 @@
           <p:cNvPr id="2" name="Marcador de título 1">
             <a:extLst>
               <a:ext uri="{FF2B5EF4-FFF2-40B4-BE49-F238E27FC236}">
-                <a16:creationId xmlns:a16="http://schemas.microsoft.com/office/drawing/2014/main" id="{DF81D293-0B87-4B41-BAF7-02CBC0D387F1}"/>
+                <a16:creationId xmlns:a16="http://schemas.microsoft.com/office/drawing/2014/main" xmlns="" id="{DF81D293-0B87-4B41-BAF7-02CBC0D387F1}"/>
               </a:ext>
             </a:extLst>
           </p:cNvPr>
@@ -3959,7 +3959,7 @@
           <p:cNvPr id="3" name="Marcador de texto 2">
             <a:extLst>
               <a:ext uri="{FF2B5EF4-FFF2-40B4-BE49-F238E27FC236}">
-                <a16:creationId xmlns:a16="http://schemas.microsoft.com/office/drawing/2014/main" id="{B1810698-DADF-4575-91EC-BC5C75C6FA54}"/>
+                <a16:creationId xmlns:a16="http://schemas.microsoft.com/office/drawing/2014/main" xmlns="" id="{B1810698-DADF-4575-91EC-BC5C75C6FA54}"/>
               </a:ext>
             </a:extLst>
           </p:cNvPr>
@@ -4026,7 +4026,7 @@
           <p:cNvPr id="4" name="Marcador de fecha 3">
             <a:extLst>
               <a:ext uri="{FF2B5EF4-FFF2-40B4-BE49-F238E27FC236}">
-                <a16:creationId xmlns:a16="http://schemas.microsoft.com/office/drawing/2014/main" id="{25F9F5DC-868D-4317-8620-701415C47B28}"/>
+                <a16:creationId xmlns:a16="http://schemas.microsoft.com/office/drawing/2014/main" xmlns="" id="{25F9F5DC-868D-4317-8620-701415C47B28}"/>
               </a:ext>
             </a:extLst>
           </p:cNvPr>
@@ -4062,7 +4062,7 @@
           <a:p>
             <a:fld id="{884406F1-D55D-4EF3-B6E5-F254E6012FCC}" type="datetimeFigureOut">
               <a:rPr lang="es-ES" smtClean="0"/>
-              <a:t>08/02/2020</a:t>
+              <a:t>26/02/2020</a:t>
             </a:fld>
             <a:endParaRPr lang="es-ES"/>
           </a:p>
@@ -4073,7 +4073,7 @@
           <p:cNvPr id="5" name="Marcador de pie de página 4">
             <a:extLst>
               <a:ext uri="{FF2B5EF4-FFF2-40B4-BE49-F238E27FC236}">
-                <a16:creationId xmlns:a16="http://schemas.microsoft.com/office/drawing/2014/main" id="{B865D76D-4F78-45EB-813B-B96349766B3A}"/>
+                <a16:creationId xmlns:a16="http://schemas.microsoft.com/office/drawing/2014/main" xmlns="" id="{B865D76D-4F78-45EB-813B-B96349766B3A}"/>
               </a:ext>
             </a:extLst>
           </p:cNvPr>
@@ -4116,7 +4116,7 @@
           <p:cNvPr id="6" name="Marcador de número de diapositiva 5">
             <a:extLst>
               <a:ext uri="{FF2B5EF4-FFF2-40B4-BE49-F238E27FC236}">
-                <a16:creationId xmlns:a16="http://schemas.microsoft.com/office/drawing/2014/main" id="{BC2F50A0-E56E-436D-930F-5C92E6EA7F82}"/>
+                <a16:creationId xmlns:a16="http://schemas.microsoft.com/office/drawing/2014/main" xmlns="" id="{BC2F50A0-E56E-436D-930F-5C92E6EA7F82}"/>
               </a:ext>
             </a:extLst>
           </p:cNvPr>
@@ -4503,7 +4503,7 @@
           <p:cNvPr id="5" name="CuadroTexto 4">
             <a:extLst>
               <a:ext uri="{FF2B5EF4-FFF2-40B4-BE49-F238E27FC236}">
-                <a16:creationId xmlns:a16="http://schemas.microsoft.com/office/drawing/2014/main" id="{249A9107-7CC1-417C-ACF6-D8FCDFA43E66}"/>
+                <a16:creationId xmlns:a16="http://schemas.microsoft.com/office/drawing/2014/main" xmlns="" id="{249A9107-7CC1-417C-ACF6-D8FCDFA43E66}"/>
               </a:ext>
             </a:extLst>
           </p:cNvPr>
@@ -4622,7 +4622,7 @@
           <p:cNvPr id="12" name="CuadroTexto 11">
             <a:extLst>
               <a:ext uri="{FF2B5EF4-FFF2-40B4-BE49-F238E27FC236}">
-                <a16:creationId xmlns:a16="http://schemas.microsoft.com/office/drawing/2014/main" id="{9711B393-719D-409E-8EB2-E7DF14C1357A}"/>
+                <a16:creationId xmlns:a16="http://schemas.microsoft.com/office/drawing/2014/main" xmlns="" id="{9711B393-719D-409E-8EB2-E7DF14C1357A}"/>
               </a:ext>
             </a:extLst>
           </p:cNvPr>
@@ -4680,7 +4680,7 @@
           <p:cNvPr id="7" name="CuadroTexto 6">
             <a:extLst>
               <a:ext uri="{FF2B5EF4-FFF2-40B4-BE49-F238E27FC236}">
-                <a16:creationId xmlns:a16="http://schemas.microsoft.com/office/drawing/2014/main" id="{BF3D0B16-54D2-4B04-B9E5-587A4B429FB0}"/>
+                <a16:creationId xmlns:a16="http://schemas.microsoft.com/office/drawing/2014/main" xmlns="" id="{BF3D0B16-54D2-4B04-B9E5-587A4B429FB0}"/>
               </a:ext>
             </a:extLst>
           </p:cNvPr>
@@ -4745,7 +4745,7 @@
           <p:cNvPr id="8" name="CuadroTexto 7">
             <a:extLst>
               <a:ext uri="{FF2B5EF4-FFF2-40B4-BE49-F238E27FC236}">
-                <a16:creationId xmlns:a16="http://schemas.microsoft.com/office/drawing/2014/main" id="{2F707A79-631D-4BCB-9292-933CCC3620A0}"/>
+                <a16:creationId xmlns:a16="http://schemas.microsoft.com/office/drawing/2014/main" xmlns="" id="{2F707A79-631D-4BCB-9292-933CCC3620A0}"/>
               </a:ext>
             </a:extLst>
           </p:cNvPr>
@@ -4906,7 +4906,7 @@
           <p:cNvPr id="11" name="CuadroTexto 10">
             <a:extLst>
               <a:ext uri="{FF2B5EF4-FFF2-40B4-BE49-F238E27FC236}">
-                <a16:creationId xmlns:a16="http://schemas.microsoft.com/office/drawing/2014/main" id="{E7F6AFB6-20C3-4BCF-B654-8D2757EE233F}"/>
+                <a16:creationId xmlns:a16="http://schemas.microsoft.com/office/drawing/2014/main" xmlns="" id="{E7F6AFB6-20C3-4BCF-B654-8D2757EE233F}"/>
               </a:ext>
             </a:extLst>
           </p:cNvPr>
@@ -4978,7 +4978,7 @@
           <p:cNvPr id="13" name="Picture 10" descr="Image result for dapr logo png">
             <a:extLst>
               <a:ext uri="{FF2B5EF4-FFF2-40B4-BE49-F238E27FC236}">
-                <a16:creationId xmlns:a16="http://schemas.microsoft.com/office/drawing/2014/main" id="{E57AC3E5-B10F-4671-A1DF-17F73A408C9D}"/>
+                <a16:creationId xmlns:a16="http://schemas.microsoft.com/office/drawing/2014/main" xmlns="" id="{E57AC3E5-B10F-4671-A1DF-17F73A408C9D}"/>
               </a:ext>
             </a:extLst>
           </p:cNvPr>
@@ -5045,6 +5045,13 @@
       </p:transition>
     </mc:Fallback>
   </mc:AlternateContent>
+  <p:timing>
+    <p:tnLst>
+      <p:par>
+        <p:cTn id="1" dur="indefinite" restart="never" nodeType="tmRoot"/>
+      </p:par>
+    </p:tnLst>
+  </p:timing>
 </p:sld>
 </file>
 
@@ -5070,7 +5077,7 @@
           <p:cNvPr id="2" name="Title 1">
             <a:extLst>
               <a:ext uri="{FF2B5EF4-FFF2-40B4-BE49-F238E27FC236}">
-                <a16:creationId xmlns:a16="http://schemas.microsoft.com/office/drawing/2014/main" id="{345E58CE-DAFA-49B1-8F27-32D423105422}"/>
+                <a16:creationId xmlns:a16="http://schemas.microsoft.com/office/drawing/2014/main" xmlns="" id="{345E58CE-DAFA-49B1-8F27-32D423105422}"/>
               </a:ext>
             </a:extLst>
           </p:cNvPr>
@@ -5102,7 +5109,7 @@
           <p:cNvPr id="3" name="Content Placeholder 2">
             <a:extLst>
               <a:ext uri="{FF2B5EF4-FFF2-40B4-BE49-F238E27FC236}">
-                <a16:creationId xmlns:a16="http://schemas.microsoft.com/office/drawing/2014/main" id="{95716270-532A-49F9-A19D-2A391FF340F0}"/>
+                <a16:creationId xmlns:a16="http://schemas.microsoft.com/office/drawing/2014/main" xmlns="" id="{95716270-532A-49F9-A19D-2A391FF340F0}"/>
               </a:ext>
             </a:extLst>
           </p:cNvPr>
@@ -5152,6 +5159,13 @@
   <p:clrMapOvr>
     <a:masterClrMapping/>
   </p:clrMapOvr>
+  <p:timing>
+    <p:tnLst>
+      <p:par>
+        <p:cTn id="1" dur="indefinite" restart="never" nodeType="tmRoot"/>
+      </p:par>
+    </p:tnLst>
+  </p:timing>
 </p:sld>
 </file>
 
@@ -5177,7 +5191,7 @@
           <p:cNvPr id="2" name="Title 1">
             <a:extLst>
               <a:ext uri="{FF2B5EF4-FFF2-40B4-BE49-F238E27FC236}">
-                <a16:creationId xmlns:a16="http://schemas.microsoft.com/office/drawing/2014/main" id="{345E58CE-DAFA-49B1-8F27-32D423105422}"/>
+                <a16:creationId xmlns:a16="http://schemas.microsoft.com/office/drawing/2014/main" xmlns="" id="{345E58CE-DAFA-49B1-8F27-32D423105422}"/>
               </a:ext>
             </a:extLst>
           </p:cNvPr>
@@ -5209,7 +5223,7 @@
           <p:cNvPr id="3" name="Content Placeholder 2">
             <a:extLst>
               <a:ext uri="{FF2B5EF4-FFF2-40B4-BE49-F238E27FC236}">
-                <a16:creationId xmlns:a16="http://schemas.microsoft.com/office/drawing/2014/main" id="{95716270-532A-49F9-A19D-2A391FF340F0}"/>
+                <a16:creationId xmlns:a16="http://schemas.microsoft.com/office/drawing/2014/main" xmlns="" id="{95716270-532A-49F9-A19D-2A391FF340F0}"/>
               </a:ext>
             </a:extLst>
           </p:cNvPr>
@@ -5318,6 +5332,13 @@
   <p:clrMapOvr>
     <a:masterClrMapping/>
   </p:clrMapOvr>
+  <p:timing>
+    <p:tnLst>
+      <p:par>
+        <p:cTn id="1" dur="indefinite" restart="never" nodeType="tmRoot"/>
+      </p:par>
+    </p:tnLst>
+  </p:timing>
 </p:sld>
 </file>
 
@@ -5343,7 +5364,7 @@
           <p:cNvPr id="2" name="Title 1">
             <a:extLst>
               <a:ext uri="{FF2B5EF4-FFF2-40B4-BE49-F238E27FC236}">
-                <a16:creationId xmlns:a16="http://schemas.microsoft.com/office/drawing/2014/main" id="{345E58CE-DAFA-49B1-8F27-32D423105422}"/>
+                <a16:creationId xmlns:a16="http://schemas.microsoft.com/office/drawing/2014/main" xmlns="" id="{345E58CE-DAFA-49B1-8F27-32D423105422}"/>
               </a:ext>
             </a:extLst>
           </p:cNvPr>
@@ -5375,7 +5396,7 @@
           <p:cNvPr id="3" name="Content Placeholder 2">
             <a:extLst>
               <a:ext uri="{FF2B5EF4-FFF2-40B4-BE49-F238E27FC236}">
-                <a16:creationId xmlns:a16="http://schemas.microsoft.com/office/drawing/2014/main" id="{95716270-532A-49F9-A19D-2A391FF340F0}"/>
+                <a16:creationId xmlns:a16="http://schemas.microsoft.com/office/drawing/2014/main" xmlns="" id="{95716270-532A-49F9-A19D-2A391FF340F0}"/>
               </a:ext>
             </a:extLst>
           </p:cNvPr>
@@ -5449,6 +5470,13 @@
   <p:clrMapOvr>
     <a:masterClrMapping/>
   </p:clrMapOvr>
+  <p:timing>
+    <p:tnLst>
+      <p:par>
+        <p:cTn id="1" dur="indefinite" restart="never" nodeType="tmRoot"/>
+      </p:par>
+    </p:tnLst>
+  </p:timing>
 </p:sld>
 </file>
 
@@ -5474,7 +5502,7 @@
           <p:cNvPr id="2" name="Title 1">
             <a:extLst>
               <a:ext uri="{FF2B5EF4-FFF2-40B4-BE49-F238E27FC236}">
-                <a16:creationId xmlns:a16="http://schemas.microsoft.com/office/drawing/2014/main" id="{345E58CE-DAFA-49B1-8F27-32D423105422}"/>
+                <a16:creationId xmlns:a16="http://schemas.microsoft.com/office/drawing/2014/main" xmlns="" id="{345E58CE-DAFA-49B1-8F27-32D423105422}"/>
               </a:ext>
             </a:extLst>
           </p:cNvPr>
@@ -5507,7 +5535,7 @@
           <p:cNvPr id="3" name="Content Placeholder 2">
             <a:extLst>
               <a:ext uri="{FF2B5EF4-FFF2-40B4-BE49-F238E27FC236}">
-                <a16:creationId xmlns:a16="http://schemas.microsoft.com/office/drawing/2014/main" id="{560BE56F-446E-4B89-BDC3-5F759F76E6C8}"/>
+                <a16:creationId xmlns:a16="http://schemas.microsoft.com/office/drawing/2014/main" xmlns="" id="{560BE56F-446E-4B89-BDC3-5F759F76E6C8}"/>
               </a:ext>
             </a:extLst>
           </p:cNvPr>
@@ -5678,6 +5706,13 @@
   <p:clrMapOvr>
     <a:masterClrMapping/>
   </p:clrMapOvr>
+  <p:timing>
+    <p:tnLst>
+      <p:par>
+        <p:cTn id="1" dur="indefinite" restart="never" nodeType="tmRoot"/>
+      </p:par>
+    </p:tnLst>
+  </p:timing>
 </p:sld>
 </file>
 
@@ -5724,7 +5759,7 @@
           <p:cNvPr id="5" name="CuadroTexto 4">
             <a:extLst>
               <a:ext uri="{FF2B5EF4-FFF2-40B4-BE49-F238E27FC236}">
-                <a16:creationId xmlns:a16="http://schemas.microsoft.com/office/drawing/2014/main" id="{249A9107-7CC1-417C-ACF6-D8FCDFA43E66}"/>
+                <a16:creationId xmlns:a16="http://schemas.microsoft.com/office/drawing/2014/main" xmlns="" id="{249A9107-7CC1-417C-ACF6-D8FCDFA43E66}"/>
               </a:ext>
             </a:extLst>
           </p:cNvPr>
@@ -5803,7 +5838,7 @@
           <p:cNvPr id="12" name="CuadroTexto 11">
             <a:extLst>
               <a:ext uri="{FF2B5EF4-FFF2-40B4-BE49-F238E27FC236}">
-                <a16:creationId xmlns:a16="http://schemas.microsoft.com/office/drawing/2014/main" id="{9711B393-719D-409E-8EB2-E7DF14C1357A}"/>
+                <a16:creationId xmlns:a16="http://schemas.microsoft.com/office/drawing/2014/main" xmlns="" id="{9711B393-719D-409E-8EB2-E7DF14C1357A}"/>
               </a:ext>
             </a:extLst>
           </p:cNvPr>
@@ -5882,7 +5917,7 @@
           <p:cNvPr id="10" name="Picture 10" descr="Image result for dapr logo png">
             <a:extLst>
               <a:ext uri="{FF2B5EF4-FFF2-40B4-BE49-F238E27FC236}">
-                <a16:creationId xmlns:a16="http://schemas.microsoft.com/office/drawing/2014/main" id="{093FB5A5-BBAE-419A-BBE2-B97DB3055F08}"/>
+                <a16:creationId xmlns:a16="http://schemas.microsoft.com/office/drawing/2014/main" xmlns="" id="{093FB5A5-BBAE-419A-BBE2-B97DB3055F08}"/>
               </a:ext>
             </a:extLst>
           </p:cNvPr>
@@ -5949,6 +5984,13 @@
       </p:transition>
     </mc:Fallback>
   </mc:AlternateContent>
+  <p:timing>
+    <p:tnLst>
+      <p:par>
+        <p:cTn id="1" dur="indefinite" restart="never" nodeType="tmRoot"/>
+      </p:par>
+    </p:tnLst>
+  </p:timing>
 </p:sld>
 </file>
 
@@ -5995,7 +6037,7 @@
           <p:cNvPr id="5" name="CuadroTexto 4">
             <a:extLst>
               <a:ext uri="{FF2B5EF4-FFF2-40B4-BE49-F238E27FC236}">
-                <a16:creationId xmlns:a16="http://schemas.microsoft.com/office/drawing/2014/main" id="{249A9107-7CC1-417C-ACF6-D8FCDFA43E66}"/>
+                <a16:creationId xmlns:a16="http://schemas.microsoft.com/office/drawing/2014/main" xmlns="" id="{249A9107-7CC1-417C-ACF6-D8FCDFA43E66}"/>
               </a:ext>
             </a:extLst>
           </p:cNvPr>
@@ -6077,7 +6119,7 @@
           <p:cNvPr id="12" name="CuadroTexto 11">
             <a:extLst>
               <a:ext uri="{FF2B5EF4-FFF2-40B4-BE49-F238E27FC236}">
-                <a16:creationId xmlns:a16="http://schemas.microsoft.com/office/drawing/2014/main" id="{9711B393-719D-409E-8EB2-E7DF14C1357A}"/>
+                <a16:creationId xmlns:a16="http://schemas.microsoft.com/office/drawing/2014/main" xmlns="" id="{9711B393-719D-409E-8EB2-E7DF14C1357A}"/>
               </a:ext>
             </a:extLst>
           </p:cNvPr>
@@ -6156,7 +6198,7 @@
           <p:cNvPr id="10" name="Picture 10" descr="Image result for dapr logo png">
             <a:extLst>
               <a:ext uri="{FF2B5EF4-FFF2-40B4-BE49-F238E27FC236}">
-                <a16:creationId xmlns:a16="http://schemas.microsoft.com/office/drawing/2014/main" id="{093FB5A5-BBAE-419A-BBE2-B97DB3055F08}"/>
+                <a16:creationId xmlns:a16="http://schemas.microsoft.com/office/drawing/2014/main" xmlns="" id="{093FB5A5-BBAE-419A-BBE2-B97DB3055F08}"/>
               </a:ext>
             </a:extLst>
           </p:cNvPr>
@@ -6223,6 +6265,13 @@
       </p:transition>
     </mc:Fallback>
   </mc:AlternateContent>
+  <p:timing>
+    <p:tnLst>
+      <p:par>
+        <p:cTn id="1" dur="indefinite" restart="never" nodeType="tmRoot"/>
+      </p:par>
+    </p:tnLst>
+  </p:timing>
 </p:sld>
 </file>
 
@@ -6248,7 +6297,7 @@
           <p:cNvPr id="2" name="Title 1">
             <a:extLst>
               <a:ext uri="{FF2B5EF4-FFF2-40B4-BE49-F238E27FC236}">
-                <a16:creationId xmlns:a16="http://schemas.microsoft.com/office/drawing/2014/main" id="{345E58CE-DAFA-49B1-8F27-32D423105422}"/>
+                <a16:creationId xmlns:a16="http://schemas.microsoft.com/office/drawing/2014/main" xmlns="" id="{345E58CE-DAFA-49B1-8F27-32D423105422}"/>
               </a:ext>
             </a:extLst>
           </p:cNvPr>
@@ -6276,7 +6325,7 @@
           <p:cNvPr id="3" name="Content Placeholder 2">
             <a:extLst>
               <a:ext uri="{FF2B5EF4-FFF2-40B4-BE49-F238E27FC236}">
-                <a16:creationId xmlns:a16="http://schemas.microsoft.com/office/drawing/2014/main" id="{DEA89AAF-E755-4671-B97F-AE69456E4EEA}"/>
+                <a16:creationId xmlns:a16="http://schemas.microsoft.com/office/drawing/2014/main" xmlns="" id="{DEA89AAF-E755-4671-B97F-AE69456E4EEA}"/>
               </a:ext>
             </a:extLst>
           </p:cNvPr>
@@ -6350,6 +6399,13 @@
   <p:clrMapOvr>
     <a:masterClrMapping/>
   </p:clrMapOvr>
+  <p:timing>
+    <p:tnLst>
+      <p:par>
+        <p:cTn id="1" dur="indefinite" restart="never" nodeType="tmRoot"/>
+      </p:par>
+    </p:tnLst>
+  </p:timing>
 </p:sld>
 </file>
 
@@ -6375,7 +6431,7 @@
           <p:cNvPr id="1026" name="Picture 2" descr="Image">
             <a:extLst>
               <a:ext uri="{FF2B5EF4-FFF2-40B4-BE49-F238E27FC236}">
-                <a16:creationId xmlns:a16="http://schemas.microsoft.com/office/drawing/2014/main" id="{602FCB8B-821E-4A33-8F7F-F3C2369359E0}"/>
+                <a16:creationId xmlns:a16="http://schemas.microsoft.com/office/drawing/2014/main" xmlns="" id="{602FCB8B-821E-4A33-8F7F-F3C2369359E0}"/>
               </a:ext>
             </a:extLst>
           </p:cNvPr>
@@ -6422,7 +6478,7 @@
           <p:cNvPr id="4" name="Rectangle 3">
             <a:extLst>
               <a:ext uri="{FF2B5EF4-FFF2-40B4-BE49-F238E27FC236}">
-                <a16:creationId xmlns:a16="http://schemas.microsoft.com/office/drawing/2014/main" id="{4AAF1BF6-754A-4E2F-98FB-0367AA4DEC14}"/>
+                <a16:creationId xmlns:a16="http://schemas.microsoft.com/office/drawing/2014/main" xmlns="" id="{4AAF1BF6-754A-4E2F-98FB-0367AA4DEC14}"/>
               </a:ext>
             </a:extLst>
           </p:cNvPr>
@@ -6474,7 +6530,7 @@
           <p:cNvPr id="5" name="Title 1">
             <a:extLst>
               <a:ext uri="{FF2B5EF4-FFF2-40B4-BE49-F238E27FC236}">
-                <a16:creationId xmlns:a16="http://schemas.microsoft.com/office/drawing/2014/main" id="{128F875E-BEC6-4067-9264-6C76BA3B0830}"/>
+                <a16:creationId xmlns:a16="http://schemas.microsoft.com/office/drawing/2014/main" xmlns="" id="{128F875E-BEC6-4067-9264-6C76BA3B0830}"/>
               </a:ext>
             </a:extLst>
           </p:cNvPr>
@@ -6507,7 +6563,7 @@
           <p:cNvPr id="6" name="Rectangle 5">
             <a:extLst>
               <a:ext uri="{FF2B5EF4-FFF2-40B4-BE49-F238E27FC236}">
-                <a16:creationId xmlns:a16="http://schemas.microsoft.com/office/drawing/2014/main" id="{DF80608F-AE75-46B6-A527-5942C3F696EB}"/>
+                <a16:creationId xmlns:a16="http://schemas.microsoft.com/office/drawing/2014/main" xmlns="" id="{DF80608F-AE75-46B6-A527-5942C3F696EB}"/>
               </a:ext>
             </a:extLst>
           </p:cNvPr>
@@ -6559,7 +6615,7 @@
           <p:cNvPr id="7" name="Rectangle 6">
             <a:extLst>
               <a:ext uri="{FF2B5EF4-FFF2-40B4-BE49-F238E27FC236}">
-                <a16:creationId xmlns:a16="http://schemas.microsoft.com/office/drawing/2014/main" id="{CA64978C-CCE7-4E7B-9DFA-FE06412E4CD8}"/>
+                <a16:creationId xmlns:a16="http://schemas.microsoft.com/office/drawing/2014/main" xmlns="" id="{CA64978C-CCE7-4E7B-9DFA-FE06412E4CD8}"/>
               </a:ext>
             </a:extLst>
           </p:cNvPr>
@@ -6611,7 +6667,7 @@
           <p:cNvPr id="8" name="Rectangle 7">
             <a:extLst>
               <a:ext uri="{FF2B5EF4-FFF2-40B4-BE49-F238E27FC236}">
-                <a16:creationId xmlns:a16="http://schemas.microsoft.com/office/drawing/2014/main" id="{A490FACC-EEC4-4247-B742-B5396711C78E}"/>
+                <a16:creationId xmlns:a16="http://schemas.microsoft.com/office/drawing/2014/main" xmlns="" id="{A490FACC-EEC4-4247-B742-B5396711C78E}"/>
               </a:ext>
             </a:extLst>
           </p:cNvPr>
@@ -6620,7 +6676,59 @@
         </p:nvSpPr>
         <p:spPr>
           <a:xfrm>
-            <a:off x="4594843" y="4604338"/>
+            <a:off x="3070843" y="4604338"/>
+            <a:ext cx="1423182" cy="1581324"/>
+          </a:xfrm>
+          <a:prstGeom prst="rect">
+            <a:avLst/>
+          </a:prstGeom>
+          <a:noFill/>
+          <a:ln w="57150">
+            <a:solidFill>
+              <a:srgbClr val="FF0000"/>
+            </a:solidFill>
+          </a:ln>
+        </p:spPr>
+        <p:style>
+          <a:lnRef idx="2">
+            <a:schemeClr val="accent1">
+              <a:shade val="50000"/>
+            </a:schemeClr>
+          </a:lnRef>
+          <a:fillRef idx="1">
+            <a:schemeClr val="accent1"/>
+          </a:fillRef>
+          <a:effectRef idx="0">
+            <a:schemeClr val="accent1"/>
+          </a:effectRef>
+          <a:fontRef idx="minor">
+            <a:schemeClr val="lt1"/>
+          </a:fontRef>
+        </p:style>
+        <p:txBody>
+          <a:bodyPr rtlCol="0" anchor="ctr"/>
+          <a:lstStyle/>
+          <a:p>
+            <a:pPr algn="ctr"/>
+            <a:endParaRPr lang="en-GB" dirty="0"/>
+          </a:p>
+        </p:txBody>
+      </p:sp>
+      <p:sp>
+        <p:nvSpPr>
+          <p:cNvPr id="9" name="Rectangle 8">
+            <a:extLst>
+              <a:ext uri="{FF2B5EF4-FFF2-40B4-BE49-F238E27FC236}">
+                <a16:creationId xmlns:a16="http://schemas.microsoft.com/office/drawing/2014/main" xmlns="" id="{A490FACC-EEC4-4247-B742-B5396711C78E}"/>
+              </a:ext>
+            </a:extLst>
+          </p:cNvPr>
+          <p:cNvSpPr/>
+          <p:nvPr/>
+        </p:nvSpPr>
+        <p:spPr>
+          <a:xfrm>
+            <a:off x="6112747" y="4610434"/>
             <a:ext cx="1423182" cy="1581324"/>
           </a:xfrm>
           <a:prstGeom prst="rect">
@@ -6859,6 +6967,51 @@
                       </p:childTnLst>
                     </p:cTn>
                   </p:par>
+                  <p:par>
+                    <p:cTn id="19" fill="hold">
+                      <p:stCondLst>
+                        <p:cond delay="indefinite"/>
+                      </p:stCondLst>
+                      <p:childTnLst>
+                        <p:par>
+                          <p:cTn id="20" fill="hold">
+                            <p:stCondLst>
+                              <p:cond delay="0"/>
+                            </p:stCondLst>
+                            <p:childTnLst>
+                              <p:par>
+                                <p:cTn id="21" presetID="1" presetClass="entr" presetSubtype="0" fill="hold" grpId="0" nodeType="clickEffect">
+                                  <p:stCondLst>
+                                    <p:cond delay="0"/>
+                                  </p:stCondLst>
+                                  <p:childTnLst>
+                                    <p:set>
+                                      <p:cBhvr>
+                                        <p:cTn id="22" dur="1" fill="hold">
+                                          <p:stCondLst>
+                                            <p:cond delay="0"/>
+                                          </p:stCondLst>
+                                        </p:cTn>
+                                        <p:tgtEl>
+                                          <p:spTgt spid="9"/>
+                                        </p:tgtEl>
+                                        <p:attrNameLst>
+                                          <p:attrName>style.visibility</p:attrName>
+                                        </p:attrNameLst>
+                                      </p:cBhvr>
+                                      <p:to>
+                                        <p:strVal val="visible"/>
+                                      </p:to>
+                                    </p:set>
+                                  </p:childTnLst>
+                                </p:cTn>
+                              </p:par>
+                            </p:childTnLst>
+                          </p:cTn>
+                        </p:par>
+                      </p:childTnLst>
+                    </p:cTn>
+                  </p:par>
                 </p:childTnLst>
               </p:cTn>
               <p:prevCondLst>
@@ -6885,6 +7038,7 @@
       <p:bldP spid="6" grpId="0" animBg="1"/>
       <p:bldP spid="7" grpId="0" animBg="1"/>
       <p:bldP spid="8" grpId="0" animBg="1"/>
+      <p:bldP spid="9" grpId="0" animBg="1"/>
     </p:bldLst>
   </p:timing>
 </p:sld>
@@ -6912,7 +7066,7 @@
           <p:cNvPr id="2" name="Title 1">
             <a:extLst>
               <a:ext uri="{FF2B5EF4-FFF2-40B4-BE49-F238E27FC236}">
-                <a16:creationId xmlns:a16="http://schemas.microsoft.com/office/drawing/2014/main" id="{EC141857-66C9-415F-B819-409BAF6639E0}"/>
+                <a16:creationId xmlns:a16="http://schemas.microsoft.com/office/drawing/2014/main" xmlns="" id="{EC141857-66C9-415F-B819-409BAF6639E0}"/>
               </a:ext>
             </a:extLst>
           </p:cNvPr>
@@ -6941,7 +7095,7 @@
           <p:cNvPr id="3" name="Content Placeholder 2">
             <a:extLst>
               <a:ext uri="{FF2B5EF4-FFF2-40B4-BE49-F238E27FC236}">
-                <a16:creationId xmlns:a16="http://schemas.microsoft.com/office/drawing/2014/main" id="{CFF694B7-EAA9-49CD-9345-D9C713EFF66A}"/>
+                <a16:creationId xmlns:a16="http://schemas.microsoft.com/office/drawing/2014/main" xmlns="" id="{CFF694B7-EAA9-49CD-9345-D9C713EFF66A}"/>
               </a:ext>
             </a:extLst>
           </p:cNvPr>
@@ -7001,6 +7155,13 @@
   <p:clrMapOvr>
     <a:masterClrMapping/>
   </p:clrMapOvr>
+  <p:timing>
+    <p:tnLst>
+      <p:par>
+        <p:cTn id="1" dur="indefinite" restart="never" nodeType="tmRoot"/>
+      </p:par>
+    </p:tnLst>
+  </p:timing>
 </p:sld>
 </file>
 
@@ -7026,7 +7187,7 @@
           <p:cNvPr id="2" name="Title 1">
             <a:extLst>
               <a:ext uri="{FF2B5EF4-FFF2-40B4-BE49-F238E27FC236}">
-                <a16:creationId xmlns:a16="http://schemas.microsoft.com/office/drawing/2014/main" id="{345E58CE-DAFA-49B1-8F27-32D423105422}"/>
+                <a16:creationId xmlns:a16="http://schemas.microsoft.com/office/drawing/2014/main" xmlns="" id="{345E58CE-DAFA-49B1-8F27-32D423105422}"/>
               </a:ext>
             </a:extLst>
           </p:cNvPr>
@@ -7055,7 +7216,7 @@
           <p:cNvPr id="8" name="Picture 2">
             <a:extLst>
               <a:ext uri="{FF2B5EF4-FFF2-40B4-BE49-F238E27FC236}">
-                <a16:creationId xmlns:a16="http://schemas.microsoft.com/office/drawing/2014/main" id="{BCE758E2-D99F-40D0-BF2A-C2DE318E4C44}"/>
+                <a16:creationId xmlns:a16="http://schemas.microsoft.com/office/drawing/2014/main" xmlns="" id="{BCE758E2-D99F-40D0-BF2A-C2DE318E4C44}"/>
               </a:ext>
             </a:extLst>
           </p:cNvPr>
@@ -7112,6 +7273,13 @@
   <p:clrMapOvr>
     <a:masterClrMapping/>
   </p:clrMapOvr>
+  <p:timing>
+    <p:tnLst>
+      <p:par>
+        <p:cTn id="1" dur="indefinite" restart="never" nodeType="tmRoot"/>
+      </p:par>
+    </p:tnLst>
+  </p:timing>
 </p:sld>
 </file>
 
@@ -7137,7 +7305,7 @@
           <p:cNvPr id="2" name="Title 1">
             <a:extLst>
               <a:ext uri="{FF2B5EF4-FFF2-40B4-BE49-F238E27FC236}">
-                <a16:creationId xmlns:a16="http://schemas.microsoft.com/office/drawing/2014/main" id="{345E58CE-DAFA-49B1-8F27-32D423105422}"/>
+                <a16:creationId xmlns:a16="http://schemas.microsoft.com/office/drawing/2014/main" xmlns="" id="{345E58CE-DAFA-49B1-8F27-32D423105422}"/>
               </a:ext>
             </a:extLst>
           </p:cNvPr>
@@ -7165,7 +7333,7 @@
           <p:cNvPr id="8" name="Picture 2" descr="Dapr overview">
             <a:extLst>
               <a:ext uri="{FF2B5EF4-FFF2-40B4-BE49-F238E27FC236}">
-                <a16:creationId xmlns:a16="http://schemas.microsoft.com/office/drawing/2014/main" id="{C588EC07-4ADE-4C15-845E-BCBE3A310436}"/>
+                <a16:creationId xmlns:a16="http://schemas.microsoft.com/office/drawing/2014/main" xmlns="" id="{C588EC07-4ADE-4C15-845E-BCBE3A310436}"/>
               </a:ext>
             </a:extLst>
           </p:cNvPr>
@@ -7220,6 +7388,13 @@
   <p:clrMapOvr>
     <a:masterClrMapping/>
   </p:clrMapOvr>
+  <p:timing>
+    <p:tnLst>
+      <p:par>
+        <p:cTn id="1" dur="indefinite" restart="never" nodeType="tmRoot"/>
+      </p:par>
+    </p:tnLst>
+  </p:timing>
 </p:sld>
 </file>
 
@@ -7245,7 +7420,7 @@
           <p:cNvPr id="2" name="Title 1">
             <a:extLst>
               <a:ext uri="{FF2B5EF4-FFF2-40B4-BE49-F238E27FC236}">
-                <a16:creationId xmlns:a16="http://schemas.microsoft.com/office/drawing/2014/main" id="{345E58CE-DAFA-49B1-8F27-32D423105422}"/>
+                <a16:creationId xmlns:a16="http://schemas.microsoft.com/office/drawing/2014/main" xmlns="" id="{345E58CE-DAFA-49B1-8F27-32D423105422}"/>
               </a:ext>
             </a:extLst>
           </p:cNvPr>
@@ -7273,7 +7448,7 @@
           <p:cNvPr id="3076" name="Picture 4">
             <a:extLst>
               <a:ext uri="{FF2B5EF4-FFF2-40B4-BE49-F238E27FC236}">
-                <a16:creationId xmlns:a16="http://schemas.microsoft.com/office/drawing/2014/main" id="{645D4F23-79B0-41FD-B815-B7B2E81012DC}"/>
+                <a16:creationId xmlns:a16="http://schemas.microsoft.com/office/drawing/2014/main" xmlns="" id="{645D4F23-79B0-41FD-B815-B7B2E81012DC}"/>
               </a:ext>
             </a:extLst>
           </p:cNvPr>
@@ -7328,6 +7503,13 @@
   <p:clrMapOvr>
     <a:masterClrMapping/>
   </p:clrMapOvr>
+  <p:timing>
+    <p:tnLst>
+      <p:par>
+        <p:cTn id="1" dur="indefinite" restart="never" nodeType="tmRoot"/>
+      </p:par>
+    </p:tnLst>
+  </p:timing>
 </p:sld>
 </file>
 
@@ -7353,7 +7535,7 @@
           <p:cNvPr id="2" name="Title 1">
             <a:extLst>
               <a:ext uri="{FF2B5EF4-FFF2-40B4-BE49-F238E27FC236}">
-                <a16:creationId xmlns:a16="http://schemas.microsoft.com/office/drawing/2014/main" id="{345E58CE-DAFA-49B1-8F27-32D423105422}"/>
+                <a16:creationId xmlns:a16="http://schemas.microsoft.com/office/drawing/2014/main" xmlns="" id="{345E58CE-DAFA-49B1-8F27-32D423105422}"/>
               </a:ext>
             </a:extLst>
           </p:cNvPr>
@@ -7385,7 +7567,7 @@
           <p:cNvPr id="5122" name="Picture 2" descr="Dapr overview">
             <a:extLst>
               <a:ext uri="{FF2B5EF4-FFF2-40B4-BE49-F238E27FC236}">
-                <a16:creationId xmlns:a16="http://schemas.microsoft.com/office/drawing/2014/main" id="{426F8996-E494-421F-BFED-D184FADA456B}"/>
+                <a16:creationId xmlns:a16="http://schemas.microsoft.com/office/drawing/2014/main" xmlns="" id="{426F8996-E494-421F-BFED-D184FADA456B}"/>
               </a:ext>
             </a:extLst>
           </p:cNvPr>
@@ -7440,6 +7622,13 @@
   <p:clrMapOvr>
     <a:masterClrMapping/>
   </p:clrMapOvr>
+  <p:timing>
+    <p:tnLst>
+      <p:par>
+        <p:cTn id="1" dur="indefinite" restart="never" nodeType="tmRoot"/>
+      </p:par>
+    </p:tnLst>
+  </p:timing>
 </p:sld>
 </file>
 
@@ -7465,7 +7654,7 @@
           <p:cNvPr id="2" name="Title 1">
             <a:extLst>
               <a:ext uri="{FF2B5EF4-FFF2-40B4-BE49-F238E27FC236}">
-                <a16:creationId xmlns:a16="http://schemas.microsoft.com/office/drawing/2014/main" id="{345E58CE-DAFA-49B1-8F27-32D423105422}"/>
+                <a16:creationId xmlns:a16="http://schemas.microsoft.com/office/drawing/2014/main" xmlns="" id="{345E58CE-DAFA-49B1-8F27-32D423105422}"/>
               </a:ext>
             </a:extLst>
           </p:cNvPr>
@@ -7497,7 +7686,7 @@
           <p:cNvPr id="4098" name="Picture 2" descr="Dapr overview">
             <a:extLst>
               <a:ext uri="{FF2B5EF4-FFF2-40B4-BE49-F238E27FC236}">
-                <a16:creationId xmlns:a16="http://schemas.microsoft.com/office/drawing/2014/main" id="{ED716BAF-70BA-41D4-9510-7FF776C76035}"/>
+                <a16:creationId xmlns:a16="http://schemas.microsoft.com/office/drawing/2014/main" xmlns="" id="{ED716BAF-70BA-41D4-9510-7FF776C76035}"/>
               </a:ext>
             </a:extLst>
           </p:cNvPr>
@@ -7552,6 +7741,13 @@
   <p:clrMapOvr>
     <a:masterClrMapping/>
   </p:clrMapOvr>
+  <p:timing>
+    <p:tnLst>
+      <p:par>
+        <p:cTn id="1" dur="indefinite" restart="never" nodeType="tmRoot"/>
+      </p:par>
+    </p:tnLst>
+  </p:timing>
 </p:sld>
 </file>
 

--- a/slides/Dapr.pptx
+++ b/slides/Dapr.pptx
@@ -5,29 +5,32 @@
     <p:sldMasterId id="2147483648" r:id="rId1"/>
   </p:sldMasterIdLst>
   <p:notesMasterIdLst>
-    <p:notesMasterId r:id="rId17"/>
+    <p:notesMasterId r:id="rId20"/>
   </p:notesMasterIdLst>
   <p:sldIdLst>
     <p:sldId id="256" r:id="rId2"/>
     <p:sldId id="258" r:id="rId3"/>
     <p:sldId id="1623" r:id="rId4"/>
-    <p:sldId id="293" r:id="rId5"/>
-    <p:sldId id="1611" r:id="rId6"/>
-    <p:sldId id="1612" r:id="rId7"/>
-    <p:sldId id="1633" r:id="rId8"/>
-    <p:sldId id="1634" r:id="rId9"/>
-    <p:sldId id="1635" r:id="rId10"/>
-    <p:sldId id="1637" r:id="rId11"/>
-    <p:sldId id="1638" r:id="rId12"/>
-    <p:sldId id="1639" r:id="rId13"/>
-    <p:sldId id="1636" r:id="rId14"/>
-    <p:sldId id="1642" r:id="rId15"/>
-    <p:sldId id="1641" r:id="rId16"/>
+    <p:sldId id="1644" r:id="rId5"/>
+    <p:sldId id="1645" r:id="rId6"/>
+    <p:sldId id="1643" r:id="rId7"/>
+    <p:sldId id="293" r:id="rId8"/>
+    <p:sldId id="1611" r:id="rId9"/>
+    <p:sldId id="1633" r:id="rId10"/>
+    <p:sldId id="1634" r:id="rId11"/>
+    <p:sldId id="1635" r:id="rId12"/>
+    <p:sldId id="1646" r:id="rId13"/>
+    <p:sldId id="1637" r:id="rId14"/>
+    <p:sldId id="1638" r:id="rId15"/>
+    <p:sldId id="1639" r:id="rId16"/>
+    <p:sldId id="1636" r:id="rId17"/>
+    <p:sldId id="1642" r:id="rId18"/>
+    <p:sldId id="1641" r:id="rId19"/>
   </p:sldIdLst>
   <p:sldSz cx="12192000" cy="6858000"/>
   <p:notesSz cx="6858000" cy="9144000"/>
   <p:custDataLst>
-    <p:tags r:id="rId18"/>
+    <p:tags r:id="rId21"/>
   </p:custDataLst>
   <p:defaultTextStyle>
     <a:defPPr>
@@ -132,12 +135,15 @@
             <p14:sldId id="256"/>
             <p14:sldId id="258"/>
             <p14:sldId id="1623"/>
+            <p14:sldId id="1644"/>
+            <p14:sldId id="1645"/>
+            <p14:sldId id="1643"/>
             <p14:sldId id="293"/>
             <p14:sldId id="1611"/>
-            <p14:sldId id="1612"/>
             <p14:sldId id="1633"/>
             <p14:sldId id="1634"/>
             <p14:sldId id="1635"/>
+            <p14:sldId id="1646"/>
             <p14:sldId id="1637"/>
             <p14:sldId id="1638"/>
             <p14:sldId id="1639"/>
@@ -237,7 +243,7 @@
           <a:p>
             <a:fld id="{939FF663-7E36-284F-93AD-25D19950C905}" type="datetimeFigureOut">
               <a:rPr lang="es-ES_tradnl" smtClean="0"/>
-              <a:t>26/02/2020</a:t>
+              <a:t>27/02/2020</a:t>
             </a:fld>
             <a:endParaRPr lang="es-ES_tradnl"/>
           </a:p>
@@ -637,7 +643,7 @@
               <a:rPr lang="en-GB" dirty="0">
                 <a:hlinkClick r:id="rId3"/>
               </a:rPr>
-              <a:t>https://github.com/dapr/docs/blob/master/concepts/README.md</a:t>
+              <a:t>https://github.com/dapr/docs/blob/master/overview.md#running-dapr-on-a-local-developer-machine-in-standalone-mode</a:t>
             </a:r>
             <a:endParaRPr lang="es-ES" baseline="0" dirty="0"/>
           </a:p>
@@ -669,7 +675,7 @@
     </p:spTree>
     <p:extLst>
       <p:ext uri="{BB962C8B-B14F-4D97-AF65-F5344CB8AC3E}">
-        <p14:creationId xmlns:p14="http://schemas.microsoft.com/office/powerpoint/2010/main" val="3806300065"/>
+        <p14:creationId xmlns:p14="http://schemas.microsoft.com/office/powerpoint/2010/main" val="772525237"/>
       </p:ext>
     </p:extLst>
   </p:cSld>
@@ -727,7 +733,7 @@
               <a:rPr lang="en-GB" dirty="0">
                 <a:hlinkClick r:id="rId3"/>
               </a:rPr>
-              <a:t>https://github.com/dapr/docs/blob/master/concepts/README.md</a:t>
+              <a:t>https://github.com/dapr/docs/blob/master/overview.md#running-dapr-on-a-local-developer-machine-in-standalone-mode</a:t>
             </a:r>
             <a:endParaRPr lang="es-ES" baseline="0" dirty="0"/>
           </a:p>
@@ -759,7 +765,7 @@
     </p:spTree>
     <p:extLst>
       <p:ext uri="{BB962C8B-B14F-4D97-AF65-F5344CB8AC3E}">
-        <p14:creationId xmlns:p14="http://schemas.microsoft.com/office/powerpoint/2010/main" val="3167811937"/>
+        <p14:creationId xmlns:p14="http://schemas.microsoft.com/office/powerpoint/2010/main" val="315044629"/>
       </p:ext>
     </p:extLst>
   </p:cSld>
@@ -849,7 +855,7 @@
     </p:spTree>
     <p:extLst>
       <p:ext uri="{BB962C8B-B14F-4D97-AF65-F5344CB8AC3E}">
-        <p14:creationId xmlns:p14="http://schemas.microsoft.com/office/powerpoint/2010/main" val="49950196"/>
+        <p14:creationId xmlns:p14="http://schemas.microsoft.com/office/powerpoint/2010/main" val="3451604413"/>
       </p:ext>
     </p:extLst>
   </p:cSld>
@@ -907,7 +913,7 @@
               <a:rPr lang="en-GB" dirty="0">
                 <a:hlinkClick r:id="rId3"/>
               </a:rPr>
-              <a:t>https://github.com/dapr/docs/blob/master/getting-started/environment-setup.md#prerequisites</a:t>
+              <a:t>https://github.com/dapr/docs/blob/master/concepts/README.md</a:t>
             </a:r>
             <a:endParaRPr lang="es-ES" baseline="0" dirty="0"/>
           </a:p>
@@ -931,6 +937,276 @@
             <a:fld id="{5201BD0E-354B-C440-9698-83F7F74945AC}" type="slidenum">
               <a:rPr lang="es-ES_tradnl" smtClean="0"/>
               <a:t>13</a:t>
+            </a:fld>
+            <a:endParaRPr lang="es-ES_tradnl"/>
+          </a:p>
+        </p:txBody>
+      </p:sp>
+    </p:spTree>
+    <p:extLst>
+      <p:ext uri="{BB962C8B-B14F-4D97-AF65-F5344CB8AC3E}">
+        <p14:creationId xmlns:p14="http://schemas.microsoft.com/office/powerpoint/2010/main" val="3806300065"/>
+      </p:ext>
+    </p:extLst>
+  </p:cSld>
+  <p:clrMapOvr>
+    <a:masterClrMapping/>
+  </p:clrMapOvr>
+</p:notes>
+</file>
+
+<file path=ppt/notesSlides/notesSlide14.xml><?xml version="1.0" encoding="utf-8"?>
+<p:notes xmlns:a="http://schemas.openxmlformats.org/drawingml/2006/main" xmlns:r="http://schemas.openxmlformats.org/officeDocument/2006/relationships" xmlns:p="http://schemas.openxmlformats.org/presentationml/2006/main">
+  <p:cSld>
+    <p:spTree>
+      <p:nvGrpSpPr>
+        <p:cNvPr id="1" name=""/>
+        <p:cNvGrpSpPr/>
+        <p:nvPr/>
+      </p:nvGrpSpPr>
+      <p:grpSpPr>
+        <a:xfrm>
+          <a:off x="0" y="0"/>
+          <a:ext cx="0" cy="0"/>
+          <a:chOff x="0" y="0"/>
+          <a:chExt cx="0" cy="0"/>
+        </a:xfrm>
+      </p:grpSpPr>
+      <p:sp>
+        <p:nvSpPr>
+          <p:cNvPr id="2" name="Slide Image Placeholder 1"/>
+          <p:cNvSpPr>
+            <a:spLocks noGrp="1" noRot="1" noChangeAspect="1"/>
+          </p:cNvSpPr>
+          <p:nvPr>
+            <p:ph type="sldImg"/>
+          </p:nvPr>
+        </p:nvSpPr>
+        <p:spPr/>
+      </p:sp>
+      <p:sp>
+        <p:nvSpPr>
+          <p:cNvPr id="3" name="Notes Placeholder 2"/>
+          <p:cNvSpPr>
+            <a:spLocks noGrp="1"/>
+          </p:cNvSpPr>
+          <p:nvPr>
+            <p:ph type="body" idx="1"/>
+          </p:nvPr>
+        </p:nvSpPr>
+        <p:spPr/>
+        <p:txBody>
+          <a:bodyPr/>
+          <a:lstStyle/>
+          <a:p>
+            <a:r>
+              <a:rPr lang="en-GB" dirty="0">
+                <a:hlinkClick r:id="rId3"/>
+              </a:rPr>
+              <a:t>https://github.com/dapr/docs/blob/master/concepts/README.md</a:t>
+            </a:r>
+            <a:endParaRPr lang="es-ES" baseline="0" dirty="0"/>
+          </a:p>
+        </p:txBody>
+      </p:sp>
+      <p:sp>
+        <p:nvSpPr>
+          <p:cNvPr id="4" name="Slide Number Placeholder 3"/>
+          <p:cNvSpPr>
+            <a:spLocks noGrp="1"/>
+          </p:cNvSpPr>
+          <p:nvPr>
+            <p:ph type="sldNum" sz="quarter" idx="10"/>
+          </p:nvPr>
+        </p:nvSpPr>
+        <p:spPr/>
+        <p:txBody>
+          <a:bodyPr/>
+          <a:lstStyle/>
+          <a:p>
+            <a:fld id="{5201BD0E-354B-C440-9698-83F7F74945AC}" type="slidenum">
+              <a:rPr lang="es-ES_tradnl" smtClean="0"/>
+              <a:t>14</a:t>
+            </a:fld>
+            <a:endParaRPr lang="es-ES_tradnl"/>
+          </a:p>
+        </p:txBody>
+      </p:sp>
+    </p:spTree>
+    <p:extLst>
+      <p:ext uri="{BB962C8B-B14F-4D97-AF65-F5344CB8AC3E}">
+        <p14:creationId xmlns:p14="http://schemas.microsoft.com/office/powerpoint/2010/main" val="3167811937"/>
+      </p:ext>
+    </p:extLst>
+  </p:cSld>
+  <p:clrMapOvr>
+    <a:masterClrMapping/>
+  </p:clrMapOvr>
+</p:notes>
+</file>
+
+<file path=ppt/notesSlides/notesSlide15.xml><?xml version="1.0" encoding="utf-8"?>
+<p:notes xmlns:a="http://schemas.openxmlformats.org/drawingml/2006/main" xmlns:r="http://schemas.openxmlformats.org/officeDocument/2006/relationships" xmlns:p="http://schemas.openxmlformats.org/presentationml/2006/main">
+  <p:cSld>
+    <p:spTree>
+      <p:nvGrpSpPr>
+        <p:cNvPr id="1" name=""/>
+        <p:cNvGrpSpPr/>
+        <p:nvPr/>
+      </p:nvGrpSpPr>
+      <p:grpSpPr>
+        <a:xfrm>
+          <a:off x="0" y="0"/>
+          <a:ext cx="0" cy="0"/>
+          <a:chOff x="0" y="0"/>
+          <a:chExt cx="0" cy="0"/>
+        </a:xfrm>
+      </p:grpSpPr>
+      <p:sp>
+        <p:nvSpPr>
+          <p:cNvPr id="2" name="Slide Image Placeholder 1"/>
+          <p:cNvSpPr>
+            <a:spLocks noGrp="1" noRot="1" noChangeAspect="1"/>
+          </p:cNvSpPr>
+          <p:nvPr>
+            <p:ph type="sldImg"/>
+          </p:nvPr>
+        </p:nvSpPr>
+        <p:spPr/>
+      </p:sp>
+      <p:sp>
+        <p:nvSpPr>
+          <p:cNvPr id="3" name="Notes Placeholder 2"/>
+          <p:cNvSpPr>
+            <a:spLocks noGrp="1"/>
+          </p:cNvSpPr>
+          <p:nvPr>
+            <p:ph type="body" idx="1"/>
+          </p:nvPr>
+        </p:nvSpPr>
+        <p:spPr/>
+        <p:txBody>
+          <a:bodyPr/>
+          <a:lstStyle/>
+          <a:p>
+            <a:r>
+              <a:rPr lang="en-GB" dirty="0">
+                <a:hlinkClick r:id="rId3"/>
+              </a:rPr>
+              <a:t>https://github.com/dapr/docs/blob/master/concepts/README.md</a:t>
+            </a:r>
+            <a:endParaRPr lang="es-ES" baseline="0" dirty="0"/>
+          </a:p>
+        </p:txBody>
+      </p:sp>
+      <p:sp>
+        <p:nvSpPr>
+          <p:cNvPr id="4" name="Slide Number Placeholder 3"/>
+          <p:cNvSpPr>
+            <a:spLocks noGrp="1"/>
+          </p:cNvSpPr>
+          <p:nvPr>
+            <p:ph type="sldNum" sz="quarter" idx="10"/>
+          </p:nvPr>
+        </p:nvSpPr>
+        <p:spPr/>
+        <p:txBody>
+          <a:bodyPr/>
+          <a:lstStyle/>
+          <a:p>
+            <a:fld id="{5201BD0E-354B-C440-9698-83F7F74945AC}" type="slidenum">
+              <a:rPr lang="es-ES_tradnl" smtClean="0"/>
+              <a:t>15</a:t>
+            </a:fld>
+            <a:endParaRPr lang="es-ES_tradnl"/>
+          </a:p>
+        </p:txBody>
+      </p:sp>
+    </p:spTree>
+    <p:extLst>
+      <p:ext uri="{BB962C8B-B14F-4D97-AF65-F5344CB8AC3E}">
+        <p14:creationId xmlns:p14="http://schemas.microsoft.com/office/powerpoint/2010/main" val="49950196"/>
+      </p:ext>
+    </p:extLst>
+  </p:cSld>
+  <p:clrMapOvr>
+    <a:masterClrMapping/>
+  </p:clrMapOvr>
+</p:notes>
+</file>
+
+<file path=ppt/notesSlides/notesSlide16.xml><?xml version="1.0" encoding="utf-8"?>
+<p:notes xmlns:a="http://schemas.openxmlformats.org/drawingml/2006/main" xmlns:r="http://schemas.openxmlformats.org/officeDocument/2006/relationships" xmlns:p="http://schemas.openxmlformats.org/presentationml/2006/main">
+  <p:cSld>
+    <p:spTree>
+      <p:nvGrpSpPr>
+        <p:cNvPr id="1" name=""/>
+        <p:cNvGrpSpPr/>
+        <p:nvPr/>
+      </p:nvGrpSpPr>
+      <p:grpSpPr>
+        <a:xfrm>
+          <a:off x="0" y="0"/>
+          <a:ext cx="0" cy="0"/>
+          <a:chOff x="0" y="0"/>
+          <a:chExt cx="0" cy="0"/>
+        </a:xfrm>
+      </p:grpSpPr>
+      <p:sp>
+        <p:nvSpPr>
+          <p:cNvPr id="2" name="Slide Image Placeholder 1"/>
+          <p:cNvSpPr>
+            <a:spLocks noGrp="1" noRot="1" noChangeAspect="1"/>
+          </p:cNvSpPr>
+          <p:nvPr>
+            <p:ph type="sldImg"/>
+          </p:nvPr>
+        </p:nvSpPr>
+        <p:spPr/>
+      </p:sp>
+      <p:sp>
+        <p:nvSpPr>
+          <p:cNvPr id="3" name="Notes Placeholder 2"/>
+          <p:cNvSpPr>
+            <a:spLocks noGrp="1"/>
+          </p:cNvSpPr>
+          <p:nvPr>
+            <p:ph type="body" idx="1"/>
+          </p:nvPr>
+        </p:nvSpPr>
+        <p:spPr/>
+        <p:txBody>
+          <a:bodyPr/>
+          <a:lstStyle/>
+          <a:p>
+            <a:r>
+              <a:rPr lang="en-GB" dirty="0">
+                <a:hlinkClick r:id="rId3"/>
+              </a:rPr>
+              <a:t>https://github.com/dapr/docs/blob/master/getting-started/environment-setup.md#prerequisites</a:t>
+            </a:r>
+            <a:endParaRPr lang="es-ES" baseline="0" dirty="0"/>
+          </a:p>
+        </p:txBody>
+      </p:sp>
+      <p:sp>
+        <p:nvSpPr>
+          <p:cNvPr id="4" name="Slide Number Placeholder 3"/>
+          <p:cNvSpPr>
+            <a:spLocks noGrp="1"/>
+          </p:cNvSpPr>
+          <p:nvPr>
+            <p:ph type="sldNum" sz="quarter" idx="10"/>
+          </p:nvPr>
+        </p:nvSpPr>
+        <p:spPr/>
+        <p:txBody>
+          <a:bodyPr/>
+          <a:lstStyle/>
+          <a:p>
+            <a:fld id="{5201BD0E-354B-C440-9698-83F7F74945AC}" type="slidenum">
+              <a:rPr lang="es-ES_tradnl" smtClean="0"/>
+              <a:t>16</a:t>
             </a:fld>
             <a:endParaRPr lang="es-ES_tradnl"/>
           </a:p>
@@ -949,7 +1225,7 @@
 </p:notes>
 </file>
 
-<file path=ppt/notesSlides/notesSlide14.xml><?xml version="1.0" encoding="utf-8"?>
+<file path=ppt/notesSlides/notesSlide17.xml><?xml version="1.0" encoding="utf-8"?>
 <p:notes xmlns:a="http://schemas.openxmlformats.org/drawingml/2006/main" xmlns:r="http://schemas.openxmlformats.org/officeDocument/2006/relationships" xmlns:p="http://schemas.openxmlformats.org/presentationml/2006/main">
   <p:cSld>
     <p:spTree>
@@ -1061,7 +1337,7 @@
                 <a:tabLst/>
                 <a:defRPr/>
               </a:pPr>
-              <a:t>14</a:t>
+              <a:t>17</a:t>
             </a:fld>
             <a:endParaRPr kumimoji="0" lang="es-ES_tradnl" sz="1200" b="0" i="0" u="none" strike="noStrike" kern="1200" cap="none" spc="0" normalizeH="0" baseline="0" noProof="0">
               <a:ln>
@@ -1093,7 +1369,7 @@
 </p:notes>
 </file>
 
-<file path=ppt/notesSlides/notesSlide15.xml><?xml version="1.0" encoding="utf-8"?>
+<file path=ppt/notesSlides/notesSlide18.xml><?xml version="1.0" encoding="utf-8"?>
 <p:notes xmlns:a="http://schemas.openxmlformats.org/drawingml/2006/main" xmlns:r="http://schemas.openxmlformats.org/officeDocument/2006/relationships" xmlns:p="http://schemas.openxmlformats.org/presentationml/2006/main">
   <p:cSld>
     <p:spTree>
@@ -1205,7 +1481,7 @@
                 <a:tabLst/>
                 <a:defRPr/>
               </a:pPr>
-              <a:t>15</a:t>
+              <a:t>18</a:t>
             </a:fld>
             <a:endParaRPr kumimoji="0" lang="es-ES_tradnl" sz="1200" b="0" i="0" u="none" strike="noStrike" kern="1200" cap="none" spc="0" normalizeH="0" baseline="0" noProof="0">
               <a:ln>
@@ -1408,18 +1684,18 @@
               <a:t>Y CREEDME MUCHOS DE MIS CLIENTES SE PREOCUPAN POR ESTO.</a:t>
             </a:r>
             <a:endParaRPr lang="en-GB" dirty="0">
-              <a:hlinkClick r:id=""/>
+              <a:hlinkClick r:id="" action="ppaction://noaction"/>
             </a:endParaRPr>
           </a:p>
           <a:p>
             <a:endParaRPr lang="en-GB" dirty="0">
-              <a:hlinkClick r:id=""/>
+              <a:hlinkClick r:id="" action="ppaction://noaction"/>
             </a:endParaRPr>
           </a:p>
           <a:p>
             <a:r>
               <a:rPr lang="en-GB" dirty="0">
-                <a:hlinkClick r:id=""/>
+                <a:hlinkClick r:id="" action="ppaction://noaction"/>
               </a:rPr>
               <a:t>https://openmicroservices.org/</a:t>
             </a:r>
@@ -1507,7 +1783,58 @@
           <a:bodyPr/>
           <a:lstStyle/>
           <a:p>
-            <a:endParaRPr lang="es-ES" dirty="0"/>
+            <a:r>
+              <a:rPr lang="en-GB" dirty="0"/>
+              <a:t>AHORA VAMOS</a:t>
+            </a:r>
+            <a:r>
+              <a:rPr lang="en-GB" baseline="0" dirty="0"/>
+              <a:t> A VER LO QUE SUCEDE EN EL MUNDILLO DE LOS PALABROS COMO MICROSERVICIOS Y CONTENEDORES. </a:t>
+            </a:r>
+          </a:p>
+          <a:p>
+            <a:endParaRPr lang="en-GB" baseline="0" dirty="0"/>
+          </a:p>
+          <a:p>
+            <a:r>
+              <a:rPr lang="en-GB" baseline="0" dirty="0"/>
+              <a:t>LAS SOLUCIONES BASADAS DIRECTAMENTE EN EL KEYVAULT SECRET MANAGER ACOPLAN DIRECTAMENTE NUESTAR APLICACION CON ESA SOLUCION Y CON AZURE</a:t>
+            </a:r>
+          </a:p>
+          <a:p>
+            <a:endParaRPr lang="en-GB" baseline="0" dirty="0"/>
+          </a:p>
+          <a:p>
+            <a:r>
+              <a:rPr lang="en-GB" baseline="0" dirty="0"/>
+              <a:t>LO QUE IMPLICA QUE NO CUMPLIMOS CON UNOS DE LOS FACTORES DE APOSTAR POR LA NEUTRALIDAD RESPECTO AL VENDOR. </a:t>
+            </a:r>
+          </a:p>
+          <a:p>
+            <a:endParaRPr lang="en-GB" baseline="0" dirty="0"/>
+          </a:p>
+          <a:p>
+            <a:r>
+              <a:rPr lang="en-GB" baseline="0" dirty="0"/>
+              <a:t>Y CREEDME MUCHOS DE MIS CLIENTES SE PREOCUPAN POR ESTO.</a:t>
+            </a:r>
+            <a:endParaRPr lang="en-GB" dirty="0">
+              <a:hlinkClick r:id="" action="ppaction://noaction"/>
+            </a:endParaRPr>
+          </a:p>
+          <a:p>
+            <a:endParaRPr lang="en-GB" dirty="0">
+              <a:hlinkClick r:id="" action="ppaction://noaction"/>
+            </a:endParaRPr>
+          </a:p>
+          <a:p>
+            <a:r>
+              <a:rPr lang="en-GB" dirty="0">
+                <a:hlinkClick r:id="" action="ppaction://noaction"/>
+              </a:rPr>
+              <a:t>https://openmicroservices.org/</a:t>
+            </a:r>
+            <a:endParaRPr lang="en-GB" dirty="0"/>
           </a:p>
         </p:txBody>
       </p:sp>
@@ -1518,7 +1845,7 @@
             <a:spLocks noGrp="1"/>
           </p:cNvSpPr>
           <p:nvPr>
-            <p:ph type="sldNum" sz="quarter" idx="10"/>
+            <p:ph type="sldNum" sz="quarter" idx="5"/>
           </p:nvPr>
         </p:nvSpPr>
         <p:spPr/>
@@ -1526,18 +1853,18 @@
           <a:bodyPr/>
           <a:lstStyle/>
           <a:p>
-            <a:fld id="{5201BD0E-354B-C440-9698-83F7F74945AC}" type="slidenum">
-              <a:rPr lang="es-ES_tradnl" smtClean="0"/>
+            <a:fld id="{1AB6DC15-436E-46C0-AF4D-477E904930C5}" type="slidenum">
+              <a:rPr lang="en-GB" smtClean="0"/>
               <a:t>4</a:t>
             </a:fld>
-            <a:endParaRPr lang="es-ES_tradnl"/>
+            <a:endParaRPr lang="en-GB"/>
           </a:p>
         </p:txBody>
       </p:sp>
     </p:spTree>
     <p:extLst>
       <p:ext uri="{BB962C8B-B14F-4D97-AF65-F5344CB8AC3E}">
-        <p14:creationId xmlns:p14="http://schemas.microsoft.com/office/powerpoint/2010/main" val="2538567942"/>
+        <p14:creationId xmlns:p14="http://schemas.microsoft.com/office/powerpoint/2010/main" val="2480619968"/>
       </p:ext>
     </p:extLst>
   </p:cSld>
@@ -1592,12 +1919,57 @@
           <a:lstStyle/>
           <a:p>
             <a:r>
+              <a:rPr lang="en-GB" dirty="0"/>
+              <a:t>AHORA VAMOS</a:t>
+            </a:r>
+            <a:r>
+              <a:rPr lang="en-GB" baseline="0" dirty="0"/>
+              <a:t> A VER LO QUE SUCEDE EN EL MUNDILLO DE LOS PALABROS COMO MICROSERVICIOS Y CONTENEDORES. </a:t>
+            </a:r>
+          </a:p>
+          <a:p>
+            <a:endParaRPr lang="en-GB" baseline="0" dirty="0"/>
+          </a:p>
+          <a:p>
+            <a:r>
+              <a:rPr lang="en-GB" baseline="0" dirty="0"/>
+              <a:t>LAS SOLUCIONES BASADAS DIRECTAMENTE EN EL KEYVAULT SECRET MANAGER ACOPLAN DIRECTAMENTE NUESTAR APLICACION CON ESA SOLUCION Y CON AZURE</a:t>
+            </a:r>
+          </a:p>
+          <a:p>
+            <a:endParaRPr lang="en-GB" baseline="0" dirty="0"/>
+          </a:p>
+          <a:p>
+            <a:r>
+              <a:rPr lang="en-GB" baseline="0" dirty="0"/>
+              <a:t>LO QUE IMPLICA QUE NO CUMPLIMOS CON UNOS DE LOS FACTORES DE APOSTAR POR LA NEUTRALIDAD RESPECTO AL VENDOR. </a:t>
+            </a:r>
+          </a:p>
+          <a:p>
+            <a:endParaRPr lang="en-GB" baseline="0" dirty="0"/>
+          </a:p>
+          <a:p>
+            <a:r>
+              <a:rPr lang="en-GB" baseline="0" dirty="0"/>
+              <a:t>Y CREEDME MUCHOS DE MIS CLIENTES SE PREOCUPAN POR ESTO.</a:t>
+            </a:r>
+            <a:endParaRPr lang="en-GB" dirty="0">
+              <a:hlinkClick r:id="" action="ppaction://noaction"/>
+            </a:endParaRPr>
+          </a:p>
+          <a:p>
+            <a:endParaRPr lang="en-GB" dirty="0">
+              <a:hlinkClick r:id="" action="ppaction://noaction"/>
+            </a:endParaRPr>
+          </a:p>
+          <a:p>
+            <a:r>
               <a:rPr lang="en-GB" dirty="0">
-                <a:hlinkClick r:id="rId3"/>
+                <a:hlinkClick r:id="" action="ppaction://noaction"/>
               </a:rPr>
-              <a:t>https://github.com/dapr/docs/blob/master/overview.md#running-dapr-on-a-local-developer-machine-in-standalone-mode</a:t>
-            </a:r>
-            <a:endParaRPr lang="es-ES" baseline="0" dirty="0"/>
+              <a:t>https://openmicroservices.org/</a:t>
+            </a:r>
+            <a:endParaRPr lang="en-GB" dirty="0"/>
           </a:p>
         </p:txBody>
       </p:sp>
@@ -1608,7 +1980,7 @@
             <a:spLocks noGrp="1"/>
           </p:cNvSpPr>
           <p:nvPr>
-            <p:ph type="sldNum" sz="quarter" idx="10"/>
+            <p:ph type="sldNum" sz="quarter" idx="5"/>
           </p:nvPr>
         </p:nvSpPr>
         <p:spPr/>
@@ -1616,18 +1988,18 @@
           <a:bodyPr/>
           <a:lstStyle/>
           <a:p>
-            <a:fld id="{5201BD0E-354B-C440-9698-83F7F74945AC}" type="slidenum">
-              <a:rPr lang="es-ES_tradnl" smtClean="0"/>
+            <a:fld id="{1AB6DC15-436E-46C0-AF4D-477E904930C5}" type="slidenum">
+              <a:rPr lang="en-GB" smtClean="0"/>
               <a:t>5</a:t>
             </a:fld>
-            <a:endParaRPr lang="es-ES_tradnl"/>
+            <a:endParaRPr lang="en-GB"/>
           </a:p>
         </p:txBody>
       </p:sp>
     </p:spTree>
     <p:extLst>
       <p:ext uri="{BB962C8B-B14F-4D97-AF65-F5344CB8AC3E}">
-        <p14:creationId xmlns:p14="http://schemas.microsoft.com/office/powerpoint/2010/main" val="797578264"/>
+        <p14:creationId xmlns:p14="http://schemas.microsoft.com/office/powerpoint/2010/main" val="100842094"/>
       </p:ext>
     </p:extLst>
   </p:cSld>
@@ -1682,12 +2054,57 @@
           <a:lstStyle/>
           <a:p>
             <a:r>
+              <a:rPr lang="en-GB" dirty="0"/>
+              <a:t>AHORA VAMOS</a:t>
+            </a:r>
+            <a:r>
+              <a:rPr lang="en-GB" baseline="0" dirty="0"/>
+              <a:t> A VER LO QUE SUCEDE EN EL MUNDILLO DE LOS PALABROS COMO MICROSERVICIOS Y CONTENEDORES. </a:t>
+            </a:r>
+          </a:p>
+          <a:p>
+            <a:endParaRPr lang="en-GB" baseline="0" dirty="0"/>
+          </a:p>
+          <a:p>
+            <a:r>
+              <a:rPr lang="en-GB" baseline="0" dirty="0"/>
+              <a:t>LAS SOLUCIONES BASADAS DIRECTAMENTE EN EL KEYVAULT SECRET MANAGER ACOPLAN DIRECTAMENTE NUESTAR APLICACION CON ESA SOLUCION Y CON AZURE</a:t>
+            </a:r>
+          </a:p>
+          <a:p>
+            <a:endParaRPr lang="en-GB" baseline="0" dirty="0"/>
+          </a:p>
+          <a:p>
+            <a:r>
+              <a:rPr lang="en-GB" baseline="0" dirty="0"/>
+              <a:t>LO QUE IMPLICA QUE NO CUMPLIMOS CON UNOS DE LOS FACTORES DE APOSTAR POR LA NEUTRALIDAD RESPECTO AL VENDOR. </a:t>
+            </a:r>
+          </a:p>
+          <a:p>
+            <a:endParaRPr lang="en-GB" baseline="0" dirty="0"/>
+          </a:p>
+          <a:p>
+            <a:r>
+              <a:rPr lang="en-GB" baseline="0" dirty="0"/>
+              <a:t>Y CREEDME MUCHOS DE MIS CLIENTES SE PREOCUPAN POR ESTO.</a:t>
+            </a:r>
+            <a:endParaRPr lang="en-GB" dirty="0">
+              <a:hlinkClick r:id="" action="ppaction://noaction"/>
+            </a:endParaRPr>
+          </a:p>
+          <a:p>
+            <a:endParaRPr lang="en-GB" dirty="0">
+              <a:hlinkClick r:id="" action="ppaction://noaction"/>
+            </a:endParaRPr>
+          </a:p>
+          <a:p>
+            <a:r>
               <a:rPr lang="en-GB" dirty="0">
-                <a:hlinkClick r:id="rId3"/>
+                <a:hlinkClick r:id="" action="ppaction://noaction"/>
               </a:rPr>
-              <a:t>https://github.com/dapr/docs/blob/master/overview.md#running-dapr-on-a-local-developer-machine-in-standalone-mode</a:t>
-            </a:r>
-            <a:endParaRPr lang="es-ES" baseline="0" dirty="0"/>
+              <a:t>https://openmicroservices.org/</a:t>
+            </a:r>
+            <a:endParaRPr lang="en-GB" dirty="0"/>
           </a:p>
         </p:txBody>
       </p:sp>
@@ -1698,7 +2115,7 @@
             <a:spLocks noGrp="1"/>
           </p:cNvSpPr>
           <p:nvPr>
-            <p:ph type="sldNum" sz="quarter" idx="10"/>
+            <p:ph type="sldNum" sz="quarter" idx="5"/>
           </p:nvPr>
         </p:nvSpPr>
         <p:spPr/>
@@ -1706,18 +2123,18 @@
           <a:bodyPr/>
           <a:lstStyle/>
           <a:p>
-            <a:fld id="{5201BD0E-354B-C440-9698-83F7F74945AC}" type="slidenum">
-              <a:rPr lang="es-ES_tradnl" smtClean="0"/>
+            <a:fld id="{1AB6DC15-436E-46C0-AF4D-477E904930C5}" type="slidenum">
+              <a:rPr lang="en-GB" smtClean="0"/>
               <a:t>6</a:t>
             </a:fld>
-            <a:endParaRPr lang="es-ES_tradnl"/>
+            <a:endParaRPr lang="en-GB"/>
           </a:p>
         </p:txBody>
       </p:sp>
     </p:spTree>
     <p:extLst>
       <p:ext uri="{BB962C8B-B14F-4D97-AF65-F5344CB8AC3E}">
-        <p14:creationId xmlns:p14="http://schemas.microsoft.com/office/powerpoint/2010/main" val="1671511801"/>
+        <p14:creationId xmlns:p14="http://schemas.microsoft.com/office/powerpoint/2010/main" val="1431983015"/>
       </p:ext>
     </p:extLst>
   </p:cSld>
@@ -1771,13 +2188,7 @@
           <a:bodyPr/>
           <a:lstStyle/>
           <a:p>
-            <a:r>
-              <a:rPr lang="en-GB" dirty="0">
-                <a:hlinkClick r:id="rId3"/>
-              </a:rPr>
-              <a:t>https://github.com/dapr/docs/blob/master/overview.md#running-dapr-on-a-local-developer-machine-in-standalone-mode</a:t>
-            </a:r>
-            <a:endParaRPr lang="es-ES" baseline="0" dirty="0"/>
+            <a:endParaRPr lang="es-ES" dirty="0"/>
           </a:p>
         </p:txBody>
       </p:sp>
@@ -1807,7 +2218,7 @@
     </p:spTree>
     <p:extLst>
       <p:ext uri="{BB962C8B-B14F-4D97-AF65-F5344CB8AC3E}">
-        <p14:creationId xmlns:p14="http://schemas.microsoft.com/office/powerpoint/2010/main" val="2443131593"/>
+        <p14:creationId xmlns:p14="http://schemas.microsoft.com/office/powerpoint/2010/main" val="2538567942"/>
       </p:ext>
     </p:extLst>
   </p:cSld>
@@ -1897,7 +2308,7 @@
     </p:spTree>
     <p:extLst>
       <p:ext uri="{BB962C8B-B14F-4D97-AF65-F5344CB8AC3E}">
-        <p14:creationId xmlns:p14="http://schemas.microsoft.com/office/powerpoint/2010/main" val="772525237"/>
+        <p14:creationId xmlns:p14="http://schemas.microsoft.com/office/powerpoint/2010/main" val="797578264"/>
       </p:ext>
     </p:extLst>
   </p:cSld>
@@ -1987,7 +2398,7 @@
     </p:spTree>
     <p:extLst>
       <p:ext uri="{BB962C8B-B14F-4D97-AF65-F5344CB8AC3E}">
-        <p14:creationId xmlns:p14="http://schemas.microsoft.com/office/powerpoint/2010/main" val="315044629"/>
+        <p14:creationId xmlns:p14="http://schemas.microsoft.com/office/powerpoint/2010/main" val="2443131593"/>
       </p:ext>
     </p:extLst>
   </p:cSld>
@@ -2019,7 +2430,7 @@
           <p:cNvPr id="2" name="Título 1">
             <a:extLst>
               <a:ext uri="{FF2B5EF4-FFF2-40B4-BE49-F238E27FC236}">
-                <a16:creationId xmlns:a16="http://schemas.microsoft.com/office/drawing/2014/main" xmlns="" id="{4F37D321-B91B-446D-8A02-47059AC179C0}"/>
+                <a16:creationId xmlns:a16="http://schemas.microsoft.com/office/drawing/2014/main" id="{4F37D321-B91B-446D-8A02-47059AC179C0}"/>
               </a:ext>
             </a:extLst>
           </p:cNvPr>
@@ -2056,7 +2467,7 @@
           <p:cNvPr id="3" name="Subtítulo 2">
             <a:extLst>
               <a:ext uri="{FF2B5EF4-FFF2-40B4-BE49-F238E27FC236}">
-                <a16:creationId xmlns:a16="http://schemas.microsoft.com/office/drawing/2014/main" xmlns="" id="{B3456E1E-B400-436E-A9B3-28F9B20DB040}"/>
+                <a16:creationId xmlns:a16="http://schemas.microsoft.com/office/drawing/2014/main" id="{B3456E1E-B400-436E-A9B3-28F9B20DB040}"/>
               </a:ext>
             </a:extLst>
           </p:cNvPr>
@@ -2126,7 +2537,7 @@
           <p:cNvPr id="4" name="Marcador de fecha 3">
             <a:extLst>
               <a:ext uri="{FF2B5EF4-FFF2-40B4-BE49-F238E27FC236}">
-                <a16:creationId xmlns:a16="http://schemas.microsoft.com/office/drawing/2014/main" xmlns="" id="{C74279E3-BC56-4B8E-96DB-2983AD3F011F}"/>
+                <a16:creationId xmlns:a16="http://schemas.microsoft.com/office/drawing/2014/main" id="{C74279E3-BC56-4B8E-96DB-2983AD3F011F}"/>
               </a:ext>
             </a:extLst>
           </p:cNvPr>
@@ -2144,7 +2555,7 @@
           <a:p>
             <a:fld id="{884406F1-D55D-4EF3-B6E5-F254E6012FCC}" type="datetimeFigureOut">
               <a:rPr lang="es-ES" smtClean="0"/>
-              <a:t>26/02/2020</a:t>
+              <a:t>27/02/2020</a:t>
             </a:fld>
             <a:endParaRPr lang="es-ES"/>
           </a:p>
@@ -2155,7 +2566,7 @@
           <p:cNvPr id="5" name="Marcador de pie de página 4">
             <a:extLst>
               <a:ext uri="{FF2B5EF4-FFF2-40B4-BE49-F238E27FC236}">
-                <a16:creationId xmlns:a16="http://schemas.microsoft.com/office/drawing/2014/main" xmlns="" id="{A6742364-6240-47B5-AA4D-5B06D992B0F2}"/>
+                <a16:creationId xmlns:a16="http://schemas.microsoft.com/office/drawing/2014/main" id="{A6742364-6240-47B5-AA4D-5B06D992B0F2}"/>
               </a:ext>
             </a:extLst>
           </p:cNvPr>
@@ -2180,7 +2591,7 @@
           <p:cNvPr id="6" name="Marcador de número de diapositiva 5">
             <a:extLst>
               <a:ext uri="{FF2B5EF4-FFF2-40B4-BE49-F238E27FC236}">
-                <a16:creationId xmlns:a16="http://schemas.microsoft.com/office/drawing/2014/main" xmlns="" id="{6949FA35-C6A6-4888-A5E8-15FF854DCA9C}"/>
+                <a16:creationId xmlns:a16="http://schemas.microsoft.com/office/drawing/2014/main" id="{6949FA35-C6A6-4888-A5E8-15FF854DCA9C}"/>
               </a:ext>
             </a:extLst>
           </p:cNvPr>
@@ -2244,7 +2655,7 @@
           <p:cNvPr id="6" name="Rectángulo 5">
             <a:extLst>
               <a:ext uri="{FF2B5EF4-FFF2-40B4-BE49-F238E27FC236}">
-                <a16:creationId xmlns:a16="http://schemas.microsoft.com/office/drawing/2014/main" xmlns="" id="{C7C8E554-3FDF-459F-A8F4-EDF854F8A935}"/>
+                <a16:creationId xmlns:a16="http://schemas.microsoft.com/office/drawing/2014/main" id="{C7C8E554-3FDF-459F-A8F4-EDF854F8A935}"/>
               </a:ext>
             </a:extLst>
           </p:cNvPr>
@@ -2293,7 +2704,7 @@
           <p:cNvPr id="7" name="Rectángulo 6">
             <a:extLst>
               <a:ext uri="{FF2B5EF4-FFF2-40B4-BE49-F238E27FC236}">
-                <a16:creationId xmlns:a16="http://schemas.microsoft.com/office/drawing/2014/main" xmlns="" id="{CFBFC3C6-7718-480B-BA55-A81A1259F61C}"/>
+                <a16:creationId xmlns:a16="http://schemas.microsoft.com/office/drawing/2014/main" id="{CFBFC3C6-7718-480B-BA55-A81A1259F61C}"/>
               </a:ext>
             </a:extLst>
           </p:cNvPr>
@@ -2342,7 +2753,7 @@
           <p:cNvPr id="14" name="Marcador de fecha 13">
             <a:extLst>
               <a:ext uri="{FF2B5EF4-FFF2-40B4-BE49-F238E27FC236}">
-                <a16:creationId xmlns:a16="http://schemas.microsoft.com/office/drawing/2014/main" xmlns="" id="{83FD43D3-BE7F-4EDF-9B3B-DF0C79ECFEA3}"/>
+                <a16:creationId xmlns:a16="http://schemas.microsoft.com/office/drawing/2014/main" id="{83FD43D3-BE7F-4EDF-9B3B-DF0C79ECFEA3}"/>
               </a:ext>
             </a:extLst>
           </p:cNvPr>
@@ -2374,7 +2785,7 @@
             <a:fld id="{DC76426A-DF8C-4B33-AC87-8CA5E8B7F10A}" type="datetimeFigureOut">
               <a:rPr lang="es-ES" smtClean="0"/>
               <a:pPr/>
-              <a:t>26/02/2020</a:t>
+              <a:t>27/02/2020</a:t>
             </a:fld>
             <a:endParaRPr lang="es-ES" dirty="0"/>
           </a:p>
@@ -2385,7 +2796,7 @@
           <p:cNvPr id="15" name="Marcador de pie de página 14">
             <a:extLst>
               <a:ext uri="{FF2B5EF4-FFF2-40B4-BE49-F238E27FC236}">
-                <a16:creationId xmlns:a16="http://schemas.microsoft.com/office/drawing/2014/main" xmlns="" id="{9499C88A-4D53-4D56-9323-867D9F2ED503}"/>
+                <a16:creationId xmlns:a16="http://schemas.microsoft.com/office/drawing/2014/main" id="{9499C88A-4D53-4D56-9323-867D9F2ED503}"/>
               </a:ext>
             </a:extLst>
           </p:cNvPr>
@@ -2423,7 +2834,7 @@
           <p:cNvPr id="16" name="Marcador de número de diapositiva 15">
             <a:extLst>
               <a:ext uri="{FF2B5EF4-FFF2-40B4-BE49-F238E27FC236}">
-                <a16:creationId xmlns:a16="http://schemas.microsoft.com/office/drawing/2014/main" xmlns="" id="{0922C18C-0DCC-45B3-B7A9-B85F96E0F7F7}"/>
+                <a16:creationId xmlns:a16="http://schemas.microsoft.com/office/drawing/2014/main" id="{0922C18C-0DCC-45B3-B7A9-B85F96E0F7F7}"/>
               </a:ext>
             </a:extLst>
           </p:cNvPr>
@@ -2463,7 +2874,7 @@
           <p:cNvPr id="8" name="Título 7">
             <a:extLst>
               <a:ext uri="{FF2B5EF4-FFF2-40B4-BE49-F238E27FC236}">
-                <a16:creationId xmlns:a16="http://schemas.microsoft.com/office/drawing/2014/main" xmlns="" id="{18272690-7287-416B-8A94-44BB66DE741D}"/>
+                <a16:creationId xmlns:a16="http://schemas.microsoft.com/office/drawing/2014/main" id="{18272690-7287-416B-8A94-44BB66DE741D}"/>
               </a:ext>
             </a:extLst>
           </p:cNvPr>
@@ -2507,7 +2918,7 @@
           <p:cNvPr id="2" name="CuadroTexto 1">
             <a:extLst>
               <a:ext uri="{FF2B5EF4-FFF2-40B4-BE49-F238E27FC236}">
-                <a16:creationId xmlns:a16="http://schemas.microsoft.com/office/drawing/2014/main" xmlns="" id="{9A161A1A-FF99-48CB-B1CC-88137F488B66}"/>
+                <a16:creationId xmlns:a16="http://schemas.microsoft.com/office/drawing/2014/main" id="{9A161A1A-FF99-48CB-B1CC-88137F488B66}"/>
               </a:ext>
             </a:extLst>
           </p:cNvPr>
@@ -2565,7 +2976,7 @@
           <p:cNvPr id="10" name="Marcador de texto 2">
             <a:extLst>
               <a:ext uri="{FF2B5EF4-FFF2-40B4-BE49-F238E27FC236}">
-                <a16:creationId xmlns:a16="http://schemas.microsoft.com/office/drawing/2014/main" xmlns="" id="{B72CA792-D146-9342-95DE-270094613E5E}"/>
+                <a16:creationId xmlns:a16="http://schemas.microsoft.com/office/drawing/2014/main" id="{B72CA792-D146-9342-95DE-270094613E5E}"/>
               </a:ext>
             </a:extLst>
           </p:cNvPr>
@@ -2632,7 +3043,7 @@
           <p:cNvPr id="13" name="Picture 10" descr="Image result for dapr logo png">
             <a:extLst>
               <a:ext uri="{FF2B5EF4-FFF2-40B4-BE49-F238E27FC236}">
-                <a16:creationId xmlns:a16="http://schemas.microsoft.com/office/drawing/2014/main" xmlns="" id="{AFD2EB51-395C-4BF9-8C5D-4927D03F2821}"/>
+                <a16:creationId xmlns:a16="http://schemas.microsoft.com/office/drawing/2014/main" id="{AFD2EB51-395C-4BF9-8C5D-4927D03F2821}"/>
               </a:ext>
             </a:extLst>
           </p:cNvPr>
@@ -2714,7 +3125,7 @@
           <p:cNvPr id="10" name="Rectángulo 5">
             <a:extLst>
               <a:ext uri="{FF2B5EF4-FFF2-40B4-BE49-F238E27FC236}">
-                <a16:creationId xmlns:a16="http://schemas.microsoft.com/office/drawing/2014/main" xmlns="" id="{3B99E672-389C-490A-AD7F-F299D2968BD6}"/>
+                <a16:creationId xmlns:a16="http://schemas.microsoft.com/office/drawing/2014/main" id="{3B99E672-389C-490A-AD7F-F299D2968BD6}"/>
               </a:ext>
             </a:extLst>
           </p:cNvPr>
@@ -2763,7 +3174,7 @@
           <p:cNvPr id="11" name="Marcador de fecha 13">
             <a:extLst>
               <a:ext uri="{FF2B5EF4-FFF2-40B4-BE49-F238E27FC236}">
-                <a16:creationId xmlns:a16="http://schemas.microsoft.com/office/drawing/2014/main" xmlns="" id="{66EAE134-EBC3-4A39-B8ED-2DAA01AB3DD4}"/>
+                <a16:creationId xmlns:a16="http://schemas.microsoft.com/office/drawing/2014/main" id="{66EAE134-EBC3-4A39-B8ED-2DAA01AB3DD4}"/>
               </a:ext>
             </a:extLst>
           </p:cNvPr>
@@ -2795,7 +3206,7 @@
             <a:fld id="{DC76426A-DF8C-4B33-AC87-8CA5E8B7F10A}" type="datetimeFigureOut">
               <a:rPr lang="es-ES" smtClean="0"/>
               <a:pPr/>
-              <a:t>26/02/2020</a:t>
+              <a:t>27/02/2020</a:t>
             </a:fld>
             <a:endParaRPr lang="es-ES" dirty="0"/>
           </a:p>
@@ -2806,7 +3217,7 @@
           <p:cNvPr id="13" name="Marcador de pie de página 14">
             <a:extLst>
               <a:ext uri="{FF2B5EF4-FFF2-40B4-BE49-F238E27FC236}">
-                <a16:creationId xmlns:a16="http://schemas.microsoft.com/office/drawing/2014/main" xmlns="" id="{8A02A8CB-2771-48C8-BF7E-18E940DD22EC}"/>
+                <a16:creationId xmlns:a16="http://schemas.microsoft.com/office/drawing/2014/main" id="{8A02A8CB-2771-48C8-BF7E-18E940DD22EC}"/>
               </a:ext>
             </a:extLst>
           </p:cNvPr>
@@ -2844,7 +3255,7 @@
           <p:cNvPr id="17" name="Marcador de número de diapositiva 15">
             <a:extLst>
               <a:ext uri="{FF2B5EF4-FFF2-40B4-BE49-F238E27FC236}">
-                <a16:creationId xmlns:a16="http://schemas.microsoft.com/office/drawing/2014/main" xmlns="" id="{693E613A-A741-4F70-B476-0C607F75CBDC}"/>
+                <a16:creationId xmlns:a16="http://schemas.microsoft.com/office/drawing/2014/main" id="{693E613A-A741-4F70-B476-0C607F75CBDC}"/>
               </a:ext>
             </a:extLst>
           </p:cNvPr>
@@ -2884,7 +3295,7 @@
           <p:cNvPr id="18" name="CuadroTexto 1">
             <a:extLst>
               <a:ext uri="{FF2B5EF4-FFF2-40B4-BE49-F238E27FC236}">
-                <a16:creationId xmlns:a16="http://schemas.microsoft.com/office/drawing/2014/main" xmlns="" id="{AC5B3251-3DC6-421F-8126-820FCFBEC1FD}"/>
+                <a16:creationId xmlns:a16="http://schemas.microsoft.com/office/drawing/2014/main" id="{AC5B3251-3DC6-421F-8126-820FCFBEC1FD}"/>
               </a:ext>
             </a:extLst>
           </p:cNvPr>
@@ -2942,7 +3353,7 @@
           <p:cNvPr id="19" name="Picture 10" descr="Image result for dapr logo png">
             <a:extLst>
               <a:ext uri="{FF2B5EF4-FFF2-40B4-BE49-F238E27FC236}">
-                <a16:creationId xmlns:a16="http://schemas.microsoft.com/office/drawing/2014/main" xmlns="" id="{5861016B-BB3F-4D32-8912-75C57450C805}"/>
+                <a16:creationId xmlns:a16="http://schemas.microsoft.com/office/drawing/2014/main" id="{5861016B-BB3F-4D32-8912-75C57450C805}"/>
               </a:ext>
             </a:extLst>
           </p:cNvPr>
@@ -2989,7 +3400,7 @@
           <p:cNvPr id="20" name="Rectángulo 6">
             <a:extLst>
               <a:ext uri="{FF2B5EF4-FFF2-40B4-BE49-F238E27FC236}">
-                <a16:creationId xmlns:a16="http://schemas.microsoft.com/office/drawing/2014/main" xmlns="" id="{D651A58E-5ED3-491E-900C-E622E5BEF893}"/>
+                <a16:creationId xmlns:a16="http://schemas.microsoft.com/office/drawing/2014/main" id="{D651A58E-5ED3-491E-900C-E622E5BEF893}"/>
               </a:ext>
             </a:extLst>
           </p:cNvPr>
@@ -3038,7 +3449,7 @@
           <p:cNvPr id="21" name="Título 7">
             <a:extLst>
               <a:ext uri="{FF2B5EF4-FFF2-40B4-BE49-F238E27FC236}">
-                <a16:creationId xmlns:a16="http://schemas.microsoft.com/office/drawing/2014/main" xmlns="" id="{75A6A9E8-E766-4A9C-A09A-67543BC5A4A6}"/>
+                <a16:creationId xmlns:a16="http://schemas.microsoft.com/office/drawing/2014/main" id="{75A6A9E8-E766-4A9C-A09A-67543BC5A4A6}"/>
               </a:ext>
             </a:extLst>
           </p:cNvPr>
@@ -3112,7 +3523,7 @@
           <p:cNvPr id="2" name="Date Placeholder 1">
             <a:extLst>
               <a:ext uri="{FF2B5EF4-FFF2-40B4-BE49-F238E27FC236}">
-                <a16:creationId xmlns:a16="http://schemas.microsoft.com/office/drawing/2014/main" xmlns="" id="{51F632A5-097D-4FBA-B05E-4E49E0D461C6}"/>
+                <a16:creationId xmlns:a16="http://schemas.microsoft.com/office/drawing/2014/main" id="{51F632A5-097D-4FBA-B05E-4E49E0D461C6}"/>
               </a:ext>
             </a:extLst>
           </p:cNvPr>
@@ -3130,7 +3541,7 @@
           <a:p>
             <a:fld id="{884406F1-D55D-4EF3-B6E5-F254E6012FCC}" type="datetimeFigureOut">
               <a:rPr lang="es-ES" smtClean="0"/>
-              <a:t>26/02/2020</a:t>
+              <a:t>27/02/2020</a:t>
             </a:fld>
             <a:endParaRPr lang="es-ES"/>
           </a:p>
@@ -3141,7 +3552,7 @@
           <p:cNvPr id="3" name="Footer Placeholder 2">
             <a:extLst>
               <a:ext uri="{FF2B5EF4-FFF2-40B4-BE49-F238E27FC236}">
-                <a16:creationId xmlns:a16="http://schemas.microsoft.com/office/drawing/2014/main" xmlns="" id="{645BCA8F-5144-454E-9C63-0ABAC0C4CFFF}"/>
+                <a16:creationId xmlns:a16="http://schemas.microsoft.com/office/drawing/2014/main" id="{645BCA8F-5144-454E-9C63-0ABAC0C4CFFF}"/>
               </a:ext>
             </a:extLst>
           </p:cNvPr>
@@ -3166,7 +3577,7 @@
           <p:cNvPr id="4" name="Slide Number Placeholder 3">
             <a:extLst>
               <a:ext uri="{FF2B5EF4-FFF2-40B4-BE49-F238E27FC236}">
-                <a16:creationId xmlns:a16="http://schemas.microsoft.com/office/drawing/2014/main" xmlns="" id="{C7803499-431B-4385-9F79-E5D3FAD5FDD3}"/>
+                <a16:creationId xmlns:a16="http://schemas.microsoft.com/office/drawing/2014/main" id="{C7803499-431B-4385-9F79-E5D3FAD5FDD3}"/>
               </a:ext>
             </a:extLst>
           </p:cNvPr>
@@ -3921,7 +4332,7 @@
           <p:cNvPr id="2" name="Marcador de título 1">
             <a:extLst>
               <a:ext uri="{FF2B5EF4-FFF2-40B4-BE49-F238E27FC236}">
-                <a16:creationId xmlns:a16="http://schemas.microsoft.com/office/drawing/2014/main" xmlns="" id="{DF81D293-0B87-4B41-BAF7-02CBC0D387F1}"/>
+                <a16:creationId xmlns:a16="http://schemas.microsoft.com/office/drawing/2014/main" id="{DF81D293-0B87-4B41-BAF7-02CBC0D387F1}"/>
               </a:ext>
             </a:extLst>
           </p:cNvPr>
@@ -3959,7 +4370,7 @@
           <p:cNvPr id="3" name="Marcador de texto 2">
             <a:extLst>
               <a:ext uri="{FF2B5EF4-FFF2-40B4-BE49-F238E27FC236}">
-                <a16:creationId xmlns:a16="http://schemas.microsoft.com/office/drawing/2014/main" xmlns="" id="{B1810698-DADF-4575-91EC-BC5C75C6FA54}"/>
+                <a16:creationId xmlns:a16="http://schemas.microsoft.com/office/drawing/2014/main" id="{B1810698-DADF-4575-91EC-BC5C75C6FA54}"/>
               </a:ext>
             </a:extLst>
           </p:cNvPr>
@@ -4026,7 +4437,7 @@
           <p:cNvPr id="4" name="Marcador de fecha 3">
             <a:extLst>
               <a:ext uri="{FF2B5EF4-FFF2-40B4-BE49-F238E27FC236}">
-                <a16:creationId xmlns:a16="http://schemas.microsoft.com/office/drawing/2014/main" xmlns="" id="{25F9F5DC-868D-4317-8620-701415C47B28}"/>
+                <a16:creationId xmlns:a16="http://schemas.microsoft.com/office/drawing/2014/main" id="{25F9F5DC-868D-4317-8620-701415C47B28}"/>
               </a:ext>
             </a:extLst>
           </p:cNvPr>
@@ -4062,7 +4473,7 @@
           <a:p>
             <a:fld id="{884406F1-D55D-4EF3-B6E5-F254E6012FCC}" type="datetimeFigureOut">
               <a:rPr lang="es-ES" smtClean="0"/>
-              <a:t>26/02/2020</a:t>
+              <a:t>27/02/2020</a:t>
             </a:fld>
             <a:endParaRPr lang="es-ES"/>
           </a:p>
@@ -4073,7 +4484,7 @@
           <p:cNvPr id="5" name="Marcador de pie de página 4">
             <a:extLst>
               <a:ext uri="{FF2B5EF4-FFF2-40B4-BE49-F238E27FC236}">
-                <a16:creationId xmlns:a16="http://schemas.microsoft.com/office/drawing/2014/main" xmlns="" id="{B865D76D-4F78-45EB-813B-B96349766B3A}"/>
+                <a16:creationId xmlns:a16="http://schemas.microsoft.com/office/drawing/2014/main" id="{B865D76D-4F78-45EB-813B-B96349766B3A}"/>
               </a:ext>
             </a:extLst>
           </p:cNvPr>
@@ -4116,7 +4527,7 @@
           <p:cNvPr id="6" name="Marcador de número de diapositiva 5">
             <a:extLst>
               <a:ext uri="{FF2B5EF4-FFF2-40B4-BE49-F238E27FC236}">
-                <a16:creationId xmlns:a16="http://schemas.microsoft.com/office/drawing/2014/main" xmlns="" id="{BC2F50A0-E56E-436D-930F-5C92E6EA7F82}"/>
+                <a16:creationId xmlns:a16="http://schemas.microsoft.com/office/drawing/2014/main" id="{BC2F50A0-E56E-436D-930F-5C92E6EA7F82}"/>
               </a:ext>
             </a:extLst>
           </p:cNvPr>
@@ -4503,7 +4914,7 @@
           <p:cNvPr id="5" name="CuadroTexto 4">
             <a:extLst>
               <a:ext uri="{FF2B5EF4-FFF2-40B4-BE49-F238E27FC236}">
-                <a16:creationId xmlns:a16="http://schemas.microsoft.com/office/drawing/2014/main" xmlns="" id="{249A9107-7CC1-417C-ACF6-D8FCDFA43E66}"/>
+                <a16:creationId xmlns:a16="http://schemas.microsoft.com/office/drawing/2014/main" id="{249A9107-7CC1-417C-ACF6-D8FCDFA43E66}"/>
               </a:ext>
             </a:extLst>
           </p:cNvPr>
@@ -4622,7 +5033,7 @@
           <p:cNvPr id="12" name="CuadroTexto 11">
             <a:extLst>
               <a:ext uri="{FF2B5EF4-FFF2-40B4-BE49-F238E27FC236}">
-                <a16:creationId xmlns:a16="http://schemas.microsoft.com/office/drawing/2014/main" xmlns="" id="{9711B393-719D-409E-8EB2-E7DF14C1357A}"/>
+                <a16:creationId xmlns:a16="http://schemas.microsoft.com/office/drawing/2014/main" id="{9711B393-719D-409E-8EB2-E7DF14C1357A}"/>
               </a:ext>
             </a:extLst>
           </p:cNvPr>
@@ -4680,7 +5091,7 @@
           <p:cNvPr id="7" name="CuadroTexto 6">
             <a:extLst>
               <a:ext uri="{FF2B5EF4-FFF2-40B4-BE49-F238E27FC236}">
-                <a16:creationId xmlns:a16="http://schemas.microsoft.com/office/drawing/2014/main" xmlns="" id="{BF3D0B16-54D2-4B04-B9E5-587A4B429FB0}"/>
+                <a16:creationId xmlns:a16="http://schemas.microsoft.com/office/drawing/2014/main" id="{BF3D0B16-54D2-4B04-B9E5-587A4B429FB0}"/>
               </a:ext>
             </a:extLst>
           </p:cNvPr>
@@ -4745,7 +5156,7 @@
           <p:cNvPr id="8" name="CuadroTexto 7">
             <a:extLst>
               <a:ext uri="{FF2B5EF4-FFF2-40B4-BE49-F238E27FC236}">
-                <a16:creationId xmlns:a16="http://schemas.microsoft.com/office/drawing/2014/main" xmlns="" id="{2F707A79-631D-4BCB-9292-933CCC3620A0}"/>
+                <a16:creationId xmlns:a16="http://schemas.microsoft.com/office/drawing/2014/main" id="{2F707A79-631D-4BCB-9292-933CCC3620A0}"/>
               </a:ext>
             </a:extLst>
           </p:cNvPr>
@@ -4906,7 +5317,7 @@
           <p:cNvPr id="11" name="CuadroTexto 10">
             <a:extLst>
               <a:ext uri="{FF2B5EF4-FFF2-40B4-BE49-F238E27FC236}">
-                <a16:creationId xmlns:a16="http://schemas.microsoft.com/office/drawing/2014/main" xmlns="" id="{E7F6AFB6-20C3-4BCF-B654-8D2757EE233F}"/>
+                <a16:creationId xmlns:a16="http://schemas.microsoft.com/office/drawing/2014/main" id="{E7F6AFB6-20C3-4BCF-B654-8D2757EE233F}"/>
               </a:ext>
             </a:extLst>
           </p:cNvPr>
@@ -4978,7 +5389,7 @@
           <p:cNvPr id="13" name="Picture 10" descr="Image result for dapr logo png">
             <a:extLst>
               <a:ext uri="{FF2B5EF4-FFF2-40B4-BE49-F238E27FC236}">
-                <a16:creationId xmlns:a16="http://schemas.microsoft.com/office/drawing/2014/main" xmlns="" id="{E57AC3E5-B10F-4671-A1DF-17F73A408C9D}"/>
+                <a16:creationId xmlns:a16="http://schemas.microsoft.com/office/drawing/2014/main" id="{E57AC3E5-B10F-4671-A1DF-17F73A408C9D}"/>
               </a:ext>
             </a:extLst>
           </p:cNvPr>
@@ -5045,13 +5456,6 @@
       </p:transition>
     </mc:Fallback>
   </mc:AlternateContent>
-  <p:timing>
-    <p:tnLst>
-      <p:par>
-        <p:cTn id="1" dur="indefinite" restart="never" nodeType="tmRoot"/>
-      </p:par>
-    </p:tnLst>
-  </p:timing>
 </p:sld>
 </file>
 
@@ -5077,7 +5481,7 @@
           <p:cNvPr id="2" name="Title 1">
             <a:extLst>
               <a:ext uri="{FF2B5EF4-FFF2-40B4-BE49-F238E27FC236}">
-                <a16:creationId xmlns:a16="http://schemas.microsoft.com/office/drawing/2014/main" xmlns="" id="{345E58CE-DAFA-49B1-8F27-32D423105422}"/>
+                <a16:creationId xmlns:a16="http://schemas.microsoft.com/office/drawing/2014/main" id="{345E58CE-DAFA-49B1-8F27-32D423105422}"/>
               </a:ext>
             </a:extLst>
           </p:cNvPr>
@@ -5099,73 +5503,71 @@
             </a:r>
             <a:r>
               <a:rPr lang="en-GB" b="1" dirty="0"/>
-              <a:t> Core Concepts	</a:t>
-            </a:r>
-          </a:p>
-        </p:txBody>
-      </p:sp>
-      <p:sp>
-        <p:nvSpPr>
-          <p:cNvPr id="3" name="Content Placeholder 2">
+              <a:t> on a local developer machine in Standalone mode</a:t>
+            </a:r>
+          </a:p>
+        </p:txBody>
+      </p:sp>
+      <p:pic>
+        <p:nvPicPr>
+          <p:cNvPr id="5122" name="Picture 2" descr="Dapr overview">
             <a:extLst>
               <a:ext uri="{FF2B5EF4-FFF2-40B4-BE49-F238E27FC236}">
-                <a16:creationId xmlns:a16="http://schemas.microsoft.com/office/drawing/2014/main" xmlns="" id="{95716270-532A-49F9-A19D-2A391FF340F0}"/>
+                <a16:creationId xmlns:a16="http://schemas.microsoft.com/office/drawing/2014/main" id="{426F8996-E494-421F-BFED-D184FADA456B}"/>
               </a:ext>
             </a:extLst>
           </p:cNvPr>
-          <p:cNvSpPr>
-            <a:spLocks noGrp="1"/>
-          </p:cNvSpPr>
-          <p:nvPr>
-            <p:ph idx="1"/>
-          </p:nvPr>
-        </p:nvSpPr>
-        <p:spPr/>
-        <p:txBody>
-          <a:bodyPr/>
-          <a:lstStyle/>
-          <a:p>
-            <a:r>
-              <a:rPr lang="en-GB" b="1" dirty="0"/>
-              <a:t>Building blocks </a:t>
-            </a:r>
-            <a:r>
-              <a:rPr lang="en-GB" dirty="0"/>
-              <a:t>are a collection of components that implement distributed system capabilities, such as pub/sub, state management, resource bindings, and distributed tracing.</a:t>
-            </a:r>
-          </a:p>
-          <a:p>
-            <a:r>
-              <a:rPr lang="en-GB" b="1" dirty="0"/>
-              <a:t>Components</a:t>
-            </a:r>
-            <a:r>
-              <a:rPr lang="en-GB" dirty="0"/>
-              <a:t> encapsulate the implementation for a building block API. Example implementations for the state building block may include Redis, Azure Storage, Azure Cosmos DB, and AWS DynamoDB. Many of the components are pluggable so that one implementation can be swapped out for another.</a:t>
-            </a:r>
-          </a:p>
-        </p:txBody>
-      </p:sp>
+          <p:cNvPicPr>
+            <a:picLocks noChangeAspect="1" noChangeArrowheads="1"/>
+          </p:cNvPicPr>
+          <p:nvPr/>
+        </p:nvPicPr>
+        <p:blipFill>
+          <a:blip r:embed="rId4">
+            <a:extLst>
+              <a:ext uri="{28A0092B-C50C-407E-A947-70E740481C1C}">
+                <a14:useLocalDpi xmlns:a14="http://schemas.microsoft.com/office/drawing/2010/main" val="0"/>
+              </a:ext>
+            </a:extLst>
+          </a:blip>
+          <a:srcRect/>
+          <a:stretch>
+            <a:fillRect/>
+          </a:stretch>
+        </p:blipFill>
+        <p:spPr bwMode="auto">
+          <a:xfrm>
+            <a:off x="1313679" y="1298053"/>
+            <a:ext cx="8814925" cy="4864909"/>
+          </a:xfrm>
+          <a:prstGeom prst="rect">
+            <a:avLst/>
+          </a:prstGeom>
+          <a:noFill/>
+          <a:extLst>
+            <a:ext uri="{909E8E84-426E-40DD-AFC4-6F175D3DCCD1}">
+              <a14:hiddenFill xmlns:a14="http://schemas.microsoft.com/office/drawing/2010/main">
+                <a:solidFill>
+                  <a:srgbClr val="FFFFFF"/>
+                </a:solidFill>
+              </a14:hiddenFill>
+            </a:ext>
+          </a:extLst>
+        </p:spPr>
+      </p:pic>
     </p:spTree>
     <p:custDataLst>
       <p:tags r:id="rId1"/>
     </p:custDataLst>
     <p:extLst>
       <p:ext uri="{BB962C8B-B14F-4D97-AF65-F5344CB8AC3E}">
-        <p14:creationId xmlns:p14="http://schemas.microsoft.com/office/powerpoint/2010/main" val="2883670117"/>
+        <p14:creationId xmlns:p14="http://schemas.microsoft.com/office/powerpoint/2010/main" val="3512933969"/>
       </p:ext>
     </p:extLst>
   </p:cSld>
   <p:clrMapOvr>
     <a:masterClrMapping/>
   </p:clrMapOvr>
-  <p:timing>
-    <p:tnLst>
-      <p:par>
-        <p:cTn id="1" dur="indefinite" restart="never" nodeType="tmRoot"/>
-      </p:par>
-    </p:tnLst>
-  </p:timing>
 </p:sld>
 </file>
 
@@ -5191,7 +5593,7 @@
           <p:cNvPr id="2" name="Title 1">
             <a:extLst>
               <a:ext uri="{FF2B5EF4-FFF2-40B4-BE49-F238E27FC236}">
-                <a16:creationId xmlns:a16="http://schemas.microsoft.com/office/drawing/2014/main" xmlns="" id="{345E58CE-DAFA-49B1-8F27-32D423105422}"/>
+                <a16:creationId xmlns:a16="http://schemas.microsoft.com/office/drawing/2014/main" id="{345E58CE-DAFA-49B1-8F27-32D423105422}"/>
               </a:ext>
             </a:extLst>
           </p:cNvPr>
@@ -5213,132 +5615,71 @@
             </a:r>
             <a:r>
               <a:rPr lang="en-GB" b="1" dirty="0"/>
-              <a:t> Building Blocks	</a:t>
-            </a:r>
-          </a:p>
-        </p:txBody>
-      </p:sp>
-      <p:sp>
-        <p:nvSpPr>
-          <p:cNvPr id="3" name="Content Placeholder 2">
+              <a:t> in Kubernetes mode</a:t>
+            </a:r>
+          </a:p>
+        </p:txBody>
+      </p:sp>
+      <p:pic>
+        <p:nvPicPr>
+          <p:cNvPr id="4098" name="Picture 2" descr="Dapr overview">
             <a:extLst>
               <a:ext uri="{FF2B5EF4-FFF2-40B4-BE49-F238E27FC236}">
-                <a16:creationId xmlns:a16="http://schemas.microsoft.com/office/drawing/2014/main" xmlns="" id="{95716270-532A-49F9-A19D-2A391FF340F0}"/>
+                <a16:creationId xmlns:a16="http://schemas.microsoft.com/office/drawing/2014/main" id="{ED716BAF-70BA-41D4-9510-7FF776C76035}"/>
               </a:ext>
             </a:extLst>
           </p:cNvPr>
-          <p:cNvSpPr>
-            <a:spLocks noGrp="1"/>
-          </p:cNvSpPr>
-          <p:nvPr>
-            <p:ph idx="1"/>
-          </p:nvPr>
-        </p:nvSpPr>
-        <p:spPr/>
-        <p:txBody>
-          <a:bodyPr>
-            <a:normAutofit/>
-          </a:bodyPr>
-          <a:lstStyle/>
-          <a:p>
-            <a:r>
-              <a:rPr lang="en-GB" sz="2900" b="1" dirty="0"/>
-              <a:t>Resource Bindings:</a:t>
-            </a:r>
-            <a:r>
-              <a:rPr lang="en-GB" b="1" dirty="0"/>
-              <a:t> </a:t>
-            </a:r>
-            <a:r>
-              <a:rPr lang="en-GB" dirty="0"/>
-              <a:t>a binding provides a bi-directional connection to an external cloud/on-premise service or system. </a:t>
-            </a:r>
-          </a:p>
-          <a:p>
-            <a:r>
-              <a:rPr lang="en-GB" sz="2900" b="1" dirty="0"/>
-              <a:t>Distributed Tracing: </a:t>
-            </a:r>
-            <a:r>
-              <a:rPr lang="en-GB" dirty="0"/>
-              <a:t>distributed tracing collects and aggregates trace events, metrics and performance numbers between</a:t>
-            </a:r>
-          </a:p>
-          <a:p>
-            <a:r>
-              <a:rPr lang="en-GB" sz="2900" b="1" dirty="0"/>
-              <a:t>Publish/Subscribe </a:t>
-            </a:r>
-            <a:r>
-              <a:rPr lang="en-GB" sz="2900" b="1" dirty="0" err="1"/>
-              <a:t>MessagingService</a:t>
-            </a:r>
-            <a:r>
-              <a:rPr lang="en-GB" sz="2900" b="1" dirty="0"/>
-              <a:t> Invocation</a:t>
-            </a:r>
-          </a:p>
-          <a:p>
-            <a:r>
-              <a:rPr lang="en-GB" b="1" dirty="0"/>
-              <a:t>Service invocation: </a:t>
-            </a:r>
-            <a:r>
-              <a:rPr lang="en-GB" dirty="0"/>
-              <a:t>http or </a:t>
-            </a:r>
-            <a:r>
-              <a:rPr lang="en-GB" dirty="0" err="1"/>
-              <a:t>gRPC</a:t>
-            </a:r>
-            <a:r>
-              <a:rPr lang="en-GB" dirty="0"/>
-              <a:t> </a:t>
-            </a:r>
-          </a:p>
-          <a:p>
-            <a:r>
-              <a:rPr lang="en-GB" sz="2900" b="1" dirty="0"/>
-              <a:t>State Management: </a:t>
-            </a:r>
-            <a:r>
-              <a:rPr lang="en-GB" dirty="0"/>
-              <a:t>key/value-based state API</a:t>
-            </a:r>
-          </a:p>
-          <a:p>
-            <a:r>
-              <a:rPr lang="en-GB" sz="2900" b="1" dirty="0"/>
-              <a:t>Actors: </a:t>
-            </a:r>
-            <a:r>
-              <a:rPr lang="en-GB" sz="2900" dirty="0"/>
-              <a:t>virtual Actor pattern </a:t>
-            </a:r>
-            <a:endParaRPr lang="en-GB" dirty="0"/>
-          </a:p>
-        </p:txBody>
-      </p:sp>
+          <p:cNvPicPr>
+            <a:picLocks noChangeAspect="1" noChangeArrowheads="1"/>
+          </p:cNvPicPr>
+          <p:nvPr/>
+        </p:nvPicPr>
+        <p:blipFill>
+          <a:blip r:embed="rId4">
+            <a:extLst>
+              <a:ext uri="{28A0092B-C50C-407E-A947-70E740481C1C}">
+                <a14:useLocalDpi xmlns:a14="http://schemas.microsoft.com/office/drawing/2010/main" val="0"/>
+              </a:ext>
+            </a:extLst>
+          </a:blip>
+          <a:srcRect/>
+          <a:stretch>
+            <a:fillRect/>
+          </a:stretch>
+        </p:blipFill>
+        <p:spPr bwMode="auto">
+          <a:xfrm>
+            <a:off x="1152154" y="1167008"/>
+            <a:ext cx="9081201" cy="5125111"/>
+          </a:xfrm>
+          <a:prstGeom prst="rect">
+            <a:avLst/>
+          </a:prstGeom>
+          <a:noFill/>
+          <a:extLst>
+            <a:ext uri="{909E8E84-426E-40DD-AFC4-6F175D3DCCD1}">
+              <a14:hiddenFill xmlns:a14="http://schemas.microsoft.com/office/drawing/2010/main">
+                <a:solidFill>
+                  <a:srgbClr val="FFFFFF"/>
+                </a:solidFill>
+              </a14:hiddenFill>
+            </a:ext>
+          </a:extLst>
+        </p:spPr>
+      </p:pic>
     </p:spTree>
     <p:custDataLst>
       <p:tags r:id="rId1"/>
     </p:custDataLst>
     <p:extLst>
       <p:ext uri="{BB962C8B-B14F-4D97-AF65-F5344CB8AC3E}">
-        <p14:creationId xmlns:p14="http://schemas.microsoft.com/office/powerpoint/2010/main" val="1635950251"/>
+        <p14:creationId xmlns:p14="http://schemas.microsoft.com/office/powerpoint/2010/main" val="3246018215"/>
       </p:ext>
     </p:extLst>
   </p:cSld>
   <p:clrMapOvr>
     <a:masterClrMapping/>
   </p:clrMapOvr>
-  <p:timing>
-    <p:tnLst>
-      <p:par>
-        <p:cTn id="1" dur="indefinite" restart="never" nodeType="tmRoot"/>
-      </p:par>
-    </p:tnLst>
-  </p:timing>
 </p:sld>
 </file>
 
@@ -5364,7 +5705,7 @@
           <p:cNvPr id="2" name="Title 1">
             <a:extLst>
               <a:ext uri="{FF2B5EF4-FFF2-40B4-BE49-F238E27FC236}">
-                <a16:creationId xmlns:a16="http://schemas.microsoft.com/office/drawing/2014/main" xmlns="" id="{345E58CE-DAFA-49B1-8F27-32D423105422}"/>
+                <a16:creationId xmlns:a16="http://schemas.microsoft.com/office/drawing/2014/main" id="{345E58CE-DAFA-49B1-8F27-32D423105422}"/>
               </a:ext>
             </a:extLst>
           </p:cNvPr>
@@ -5386,7 +5727,7 @@
             </a:r>
             <a:r>
               <a:rPr lang="en-GB" b="1" dirty="0"/>
-              <a:t> Components	</a:t>
+              <a:t> endpoints	</a:t>
             </a:r>
           </a:p>
         </p:txBody>
@@ -5396,7 +5737,7 @@
           <p:cNvPr id="3" name="Content Placeholder 2">
             <a:extLst>
               <a:ext uri="{FF2B5EF4-FFF2-40B4-BE49-F238E27FC236}">
-                <a16:creationId xmlns:a16="http://schemas.microsoft.com/office/drawing/2014/main" xmlns="" id="{95716270-532A-49F9-A19D-2A391FF340F0}"/>
+                <a16:creationId xmlns:a16="http://schemas.microsoft.com/office/drawing/2014/main" id="{95716270-532A-49F9-A19D-2A391FF340F0}"/>
               </a:ext>
             </a:extLst>
           </p:cNvPr>
@@ -5407,7 +5748,12 @@
             <p:ph idx="1"/>
           </p:nvPr>
         </p:nvSpPr>
-        <p:spPr/>
+        <p:spPr>
+          <a:xfrm>
+            <a:off x="838199" y="2563756"/>
+            <a:ext cx="11219597" cy="1564695"/>
+          </a:xfrm>
+        </p:spPr>
         <p:txBody>
           <a:bodyPr>
             <a:normAutofit/>
@@ -5416,43 +5762,22 @@
           <a:p>
             <a:r>
               <a:rPr lang="en-GB" dirty="0"/>
-              <a:t>Bindings</a:t>
-            </a:r>
+              <a:t>http://localhost:{DAPR_HTTP_PORT}/v1.0/bindings/&lt;binding_name&gt;</a:t>
+            </a:r>
+          </a:p>
+          <a:p>
+            <a:r>
+              <a:rPr lang="en-GB" dirty="0">
+                <a:hlinkClick r:id="rId4"/>
+              </a:rPr>
+              <a:t>http://localhost:{DAPR_HTTP_PORT}/v1.0/secrets/&lt;secret_store&gt;/key</a:t>
+            </a:r>
+            <a:endParaRPr lang="en-GB" dirty="0"/>
           </a:p>
           <a:p>
             <a:r>
               <a:rPr lang="en-GB" dirty="0"/>
-              <a:t>Tracing exporters</a:t>
-            </a:r>
-          </a:p>
-          <a:p>
-            <a:r>
-              <a:rPr lang="en-GB" dirty="0"/>
-              <a:t>Middleware</a:t>
-            </a:r>
-          </a:p>
-          <a:p>
-            <a:r>
-              <a:rPr lang="en-GB" dirty="0"/>
-              <a:t>Pub/sub</a:t>
-            </a:r>
-          </a:p>
-          <a:p>
-            <a:r>
-              <a:rPr lang="en-GB" dirty="0"/>
-              <a:t>Secret store</a:t>
-            </a:r>
-          </a:p>
-          <a:p>
-            <a:r>
-              <a:rPr lang="en-GB" dirty="0"/>
-              <a:t>Service discovery</a:t>
-            </a:r>
-          </a:p>
-          <a:p>
-            <a:r>
-              <a:rPr lang="en-GB" dirty="0"/>
-              <a:t>State</a:t>
+              <a:t>http://localhost:{DAPR_HTTP_PORT}/v1.0/state/&lt;state_store&gt;/&lt;id&gt; </a:t>
             </a:r>
           </a:p>
         </p:txBody>
@@ -5463,20 +5788,13 @@
     </p:custDataLst>
     <p:extLst>
       <p:ext uri="{BB962C8B-B14F-4D97-AF65-F5344CB8AC3E}">
-        <p14:creationId xmlns:p14="http://schemas.microsoft.com/office/powerpoint/2010/main" val="1593881390"/>
+        <p14:creationId xmlns:p14="http://schemas.microsoft.com/office/powerpoint/2010/main" val="270023714"/>
       </p:ext>
     </p:extLst>
   </p:cSld>
   <p:clrMapOvr>
     <a:masterClrMapping/>
   </p:clrMapOvr>
-  <p:timing>
-    <p:tnLst>
-      <p:par>
-        <p:cTn id="1" dur="indefinite" restart="never" nodeType="tmRoot"/>
-      </p:par>
-    </p:tnLst>
-  </p:timing>
 </p:sld>
 </file>
 
@@ -5502,7 +5820,7 @@
           <p:cNvPr id="2" name="Title 1">
             <a:extLst>
               <a:ext uri="{FF2B5EF4-FFF2-40B4-BE49-F238E27FC236}">
-                <a16:creationId xmlns:a16="http://schemas.microsoft.com/office/drawing/2014/main" xmlns="" id="{345E58CE-DAFA-49B1-8F27-32D423105422}"/>
+                <a16:creationId xmlns:a16="http://schemas.microsoft.com/office/drawing/2014/main" id="{345E58CE-DAFA-49B1-8F27-32D423105422}"/>
               </a:ext>
             </a:extLst>
           </p:cNvPr>
@@ -5519,6 +5837,435 @@
           <a:lstStyle/>
           <a:p>
             <a:r>
+              <a:rPr lang="en-GB" b="1" dirty="0" err="1"/>
+              <a:t>Dapr</a:t>
+            </a:r>
+            <a:r>
+              <a:rPr lang="en-GB" b="1" dirty="0"/>
+              <a:t> Core Concepts	</a:t>
+            </a:r>
+          </a:p>
+        </p:txBody>
+      </p:sp>
+      <p:pic>
+        <p:nvPicPr>
+          <p:cNvPr id="5124" name="Picture 4" descr="Dapr Building Blocks and Components">
+            <a:extLst>
+              <a:ext uri="{FF2B5EF4-FFF2-40B4-BE49-F238E27FC236}">
+                <a16:creationId xmlns:a16="http://schemas.microsoft.com/office/drawing/2014/main" id="{430AE0DE-D208-4B69-BD4D-C991D7364FA3}"/>
+              </a:ext>
+            </a:extLst>
+          </p:cNvPr>
+          <p:cNvPicPr>
+            <a:picLocks noChangeAspect="1" noChangeArrowheads="1"/>
+          </p:cNvPicPr>
+          <p:nvPr/>
+        </p:nvPicPr>
+        <p:blipFill>
+          <a:blip r:embed="rId4">
+            <a:extLst>
+              <a:ext uri="{28A0092B-C50C-407E-A947-70E740481C1C}">
+                <a14:useLocalDpi xmlns:a14="http://schemas.microsoft.com/office/drawing/2010/main" val="0"/>
+              </a:ext>
+            </a:extLst>
+          </a:blip>
+          <a:srcRect/>
+          <a:stretch>
+            <a:fillRect/>
+          </a:stretch>
+        </p:blipFill>
+        <p:spPr bwMode="auto">
+          <a:xfrm>
+            <a:off x="2896560" y="1212835"/>
+            <a:ext cx="6398880" cy="5107563"/>
+          </a:xfrm>
+          <a:prstGeom prst="rect">
+            <a:avLst/>
+          </a:prstGeom>
+          <a:noFill/>
+          <a:extLst>
+            <a:ext uri="{909E8E84-426E-40DD-AFC4-6F175D3DCCD1}">
+              <a14:hiddenFill xmlns:a14="http://schemas.microsoft.com/office/drawing/2010/main">
+                <a:solidFill>
+                  <a:srgbClr val="FFFFFF"/>
+                </a:solidFill>
+              </a14:hiddenFill>
+            </a:ext>
+          </a:extLst>
+        </p:spPr>
+      </p:pic>
+    </p:spTree>
+    <p:custDataLst>
+      <p:tags r:id="rId1"/>
+    </p:custDataLst>
+    <p:extLst>
+      <p:ext uri="{BB962C8B-B14F-4D97-AF65-F5344CB8AC3E}">
+        <p14:creationId xmlns:p14="http://schemas.microsoft.com/office/powerpoint/2010/main" val="2883670117"/>
+      </p:ext>
+    </p:extLst>
+  </p:cSld>
+  <p:clrMapOvr>
+    <a:masterClrMapping/>
+  </p:clrMapOvr>
+</p:sld>
+</file>
+
+<file path=ppt/slides/slide14.xml><?xml version="1.0" encoding="utf-8"?>
+<p:sld xmlns:a="http://schemas.openxmlformats.org/drawingml/2006/main" xmlns:r="http://schemas.openxmlformats.org/officeDocument/2006/relationships" xmlns:p="http://schemas.openxmlformats.org/presentationml/2006/main">
+  <p:cSld>
+    <p:spTree>
+      <p:nvGrpSpPr>
+        <p:cNvPr id="1" name=""/>
+        <p:cNvGrpSpPr/>
+        <p:nvPr/>
+      </p:nvGrpSpPr>
+      <p:grpSpPr>
+        <a:xfrm>
+          <a:off x="0" y="0"/>
+          <a:ext cx="0" cy="0"/>
+          <a:chOff x="0" y="0"/>
+          <a:chExt cx="0" cy="0"/>
+        </a:xfrm>
+      </p:grpSpPr>
+      <p:sp>
+        <p:nvSpPr>
+          <p:cNvPr id="2" name="Title 1">
+            <a:extLst>
+              <a:ext uri="{FF2B5EF4-FFF2-40B4-BE49-F238E27FC236}">
+                <a16:creationId xmlns:a16="http://schemas.microsoft.com/office/drawing/2014/main" id="{345E58CE-DAFA-49B1-8F27-32D423105422}"/>
+              </a:ext>
+            </a:extLst>
+          </p:cNvPr>
+          <p:cNvSpPr>
+            <a:spLocks noGrp="1"/>
+          </p:cNvSpPr>
+          <p:nvPr>
+            <p:ph type="title"/>
+          </p:nvPr>
+        </p:nvSpPr>
+        <p:spPr/>
+        <p:txBody>
+          <a:bodyPr/>
+          <a:lstStyle/>
+          <a:p>
+            <a:r>
+              <a:rPr lang="en-GB" b="1" dirty="0" err="1"/>
+              <a:t>Dapr</a:t>
+            </a:r>
+            <a:r>
+              <a:rPr lang="en-GB" b="1" dirty="0"/>
+              <a:t> Building Blocks	</a:t>
+            </a:r>
+          </a:p>
+        </p:txBody>
+      </p:sp>
+      <p:sp>
+        <p:nvSpPr>
+          <p:cNvPr id="3" name="Content Placeholder 2">
+            <a:extLst>
+              <a:ext uri="{FF2B5EF4-FFF2-40B4-BE49-F238E27FC236}">
+                <a16:creationId xmlns:a16="http://schemas.microsoft.com/office/drawing/2014/main" id="{95716270-532A-49F9-A19D-2A391FF340F0}"/>
+              </a:ext>
+            </a:extLst>
+          </p:cNvPr>
+          <p:cNvSpPr>
+            <a:spLocks noGrp="1"/>
+          </p:cNvSpPr>
+          <p:nvPr>
+            <p:ph idx="1"/>
+          </p:nvPr>
+        </p:nvSpPr>
+        <p:spPr/>
+        <p:txBody>
+          <a:bodyPr>
+            <a:normAutofit/>
+          </a:bodyPr>
+          <a:lstStyle/>
+          <a:p>
+            <a:r>
+              <a:rPr lang="en-GB" sz="2900" b="1" dirty="0"/>
+              <a:t>Resource Bindings:</a:t>
+            </a:r>
+            <a:r>
+              <a:rPr lang="en-GB" b="1" dirty="0"/>
+              <a:t> </a:t>
+            </a:r>
+            <a:r>
+              <a:rPr lang="en-GB" dirty="0"/>
+              <a:t>a binding provides a bi-directional connection to an external cloud/on-premise service or system. </a:t>
+            </a:r>
+          </a:p>
+          <a:p>
+            <a:r>
+              <a:rPr lang="en-GB" sz="2900" b="1" dirty="0"/>
+              <a:t>Distributed Tracing: </a:t>
+            </a:r>
+            <a:r>
+              <a:rPr lang="en-GB" dirty="0"/>
+              <a:t>distributed tracing collects and aggregates trace events, metrics and performance numbers between</a:t>
+            </a:r>
+          </a:p>
+          <a:p>
+            <a:r>
+              <a:rPr lang="en-GB" sz="2900" b="1" dirty="0"/>
+              <a:t>Publish/Subscribe: </a:t>
+            </a:r>
+            <a:r>
+              <a:rPr lang="en-GB" sz="2900" dirty="0"/>
+              <a:t>Messaging Service Invocation</a:t>
+            </a:r>
+          </a:p>
+          <a:p>
+            <a:r>
+              <a:rPr lang="en-GB" b="1" dirty="0"/>
+              <a:t>Service invocation: </a:t>
+            </a:r>
+            <a:r>
+              <a:rPr lang="en-GB" dirty="0"/>
+              <a:t>http or </a:t>
+            </a:r>
+            <a:r>
+              <a:rPr lang="en-GB" dirty="0" err="1"/>
+              <a:t>gRPC</a:t>
+            </a:r>
+            <a:r>
+              <a:rPr lang="en-GB" dirty="0"/>
+              <a:t> </a:t>
+            </a:r>
+          </a:p>
+          <a:p>
+            <a:r>
+              <a:rPr lang="en-GB" sz="2900" b="1" dirty="0"/>
+              <a:t>State Management: </a:t>
+            </a:r>
+            <a:r>
+              <a:rPr lang="en-GB" dirty="0"/>
+              <a:t>key/value-based state API</a:t>
+            </a:r>
+          </a:p>
+          <a:p>
+            <a:r>
+              <a:rPr lang="en-GB" sz="2900" b="1" dirty="0"/>
+              <a:t>Actors: </a:t>
+            </a:r>
+            <a:r>
+              <a:rPr lang="en-GB" sz="2900" dirty="0"/>
+              <a:t>virtual Actor pattern </a:t>
+            </a:r>
+            <a:endParaRPr lang="en-GB" dirty="0"/>
+          </a:p>
+        </p:txBody>
+      </p:sp>
+    </p:spTree>
+    <p:custDataLst>
+      <p:tags r:id="rId1"/>
+    </p:custDataLst>
+    <p:extLst>
+      <p:ext uri="{BB962C8B-B14F-4D97-AF65-F5344CB8AC3E}">
+        <p14:creationId xmlns:p14="http://schemas.microsoft.com/office/powerpoint/2010/main" val="1635950251"/>
+      </p:ext>
+    </p:extLst>
+  </p:cSld>
+  <p:clrMapOvr>
+    <a:masterClrMapping/>
+  </p:clrMapOvr>
+</p:sld>
+</file>
+
+<file path=ppt/slides/slide15.xml><?xml version="1.0" encoding="utf-8"?>
+<p:sld xmlns:a="http://schemas.openxmlformats.org/drawingml/2006/main" xmlns:r="http://schemas.openxmlformats.org/officeDocument/2006/relationships" xmlns:p="http://schemas.openxmlformats.org/presentationml/2006/main">
+  <p:cSld>
+    <p:spTree>
+      <p:nvGrpSpPr>
+        <p:cNvPr id="1" name=""/>
+        <p:cNvGrpSpPr/>
+        <p:nvPr/>
+      </p:nvGrpSpPr>
+      <p:grpSpPr>
+        <a:xfrm>
+          <a:off x="0" y="0"/>
+          <a:ext cx="0" cy="0"/>
+          <a:chOff x="0" y="0"/>
+          <a:chExt cx="0" cy="0"/>
+        </a:xfrm>
+      </p:grpSpPr>
+      <p:sp>
+        <p:nvSpPr>
+          <p:cNvPr id="2" name="Title 1">
+            <a:extLst>
+              <a:ext uri="{FF2B5EF4-FFF2-40B4-BE49-F238E27FC236}">
+                <a16:creationId xmlns:a16="http://schemas.microsoft.com/office/drawing/2014/main" id="{345E58CE-DAFA-49B1-8F27-32D423105422}"/>
+              </a:ext>
+            </a:extLst>
+          </p:cNvPr>
+          <p:cNvSpPr>
+            <a:spLocks noGrp="1"/>
+          </p:cNvSpPr>
+          <p:nvPr>
+            <p:ph type="title"/>
+          </p:nvPr>
+        </p:nvSpPr>
+        <p:spPr/>
+        <p:txBody>
+          <a:bodyPr/>
+          <a:lstStyle/>
+          <a:p>
+            <a:r>
+              <a:rPr lang="en-GB" b="1" dirty="0" err="1"/>
+              <a:t>Dapr</a:t>
+            </a:r>
+            <a:r>
+              <a:rPr lang="en-GB" b="1" dirty="0"/>
+              <a:t> Components	</a:t>
+            </a:r>
+          </a:p>
+        </p:txBody>
+      </p:sp>
+      <p:sp>
+        <p:nvSpPr>
+          <p:cNvPr id="3" name="Content Placeholder 2">
+            <a:extLst>
+              <a:ext uri="{FF2B5EF4-FFF2-40B4-BE49-F238E27FC236}">
+                <a16:creationId xmlns:a16="http://schemas.microsoft.com/office/drawing/2014/main" id="{95716270-532A-49F9-A19D-2A391FF340F0}"/>
+              </a:ext>
+            </a:extLst>
+          </p:cNvPr>
+          <p:cNvSpPr>
+            <a:spLocks noGrp="1"/>
+          </p:cNvSpPr>
+          <p:nvPr>
+            <p:ph idx="1"/>
+          </p:nvPr>
+        </p:nvSpPr>
+        <p:spPr/>
+        <p:txBody>
+          <a:bodyPr>
+            <a:normAutofit/>
+          </a:bodyPr>
+          <a:lstStyle/>
+          <a:p>
+            <a:r>
+              <a:rPr lang="en-GB" dirty="0"/>
+              <a:t>Bindings (i.e. </a:t>
+            </a:r>
+            <a:r>
+              <a:rPr lang="en-GB" dirty="0" err="1"/>
+              <a:t>twillio</a:t>
+            </a:r>
+            <a:r>
+              <a:rPr lang="en-GB" dirty="0"/>
+              <a:t>, </a:t>
+            </a:r>
+            <a:r>
+              <a:rPr lang="en-GB" dirty="0" err="1"/>
+              <a:t>signalr</a:t>
+            </a:r>
+            <a:r>
+              <a:rPr lang="en-GB" dirty="0"/>
+              <a:t>)</a:t>
+            </a:r>
+          </a:p>
+          <a:p>
+            <a:r>
+              <a:rPr lang="en-GB" dirty="0"/>
+              <a:t>Tracing exporters</a:t>
+            </a:r>
+          </a:p>
+          <a:p>
+            <a:r>
+              <a:rPr lang="en-GB" dirty="0"/>
+              <a:t>Middleware</a:t>
+            </a:r>
+          </a:p>
+          <a:p>
+            <a:r>
+              <a:rPr lang="en-GB" dirty="0"/>
+              <a:t>Pub/sub (i.e. Azure Service Bus)</a:t>
+            </a:r>
+          </a:p>
+          <a:p>
+            <a:r>
+              <a:rPr lang="en-GB" dirty="0"/>
+              <a:t>Secret store (i.e. Azure Key Vault)</a:t>
+            </a:r>
+          </a:p>
+          <a:p>
+            <a:r>
+              <a:rPr lang="en-GB" dirty="0"/>
+              <a:t>Service discovery (i.e. k8s)</a:t>
+            </a:r>
+          </a:p>
+          <a:p>
+            <a:r>
+              <a:rPr lang="en-GB" dirty="0"/>
+              <a:t>State (i.e. </a:t>
+            </a:r>
+            <a:r>
+              <a:rPr lang="en-GB" dirty="0" err="1"/>
+              <a:t>redis</a:t>
+            </a:r>
+            <a:r>
+              <a:rPr lang="en-GB" dirty="0"/>
+              <a:t>)</a:t>
+            </a:r>
+          </a:p>
+        </p:txBody>
+      </p:sp>
+    </p:spTree>
+    <p:custDataLst>
+      <p:tags r:id="rId1"/>
+    </p:custDataLst>
+    <p:extLst>
+      <p:ext uri="{BB962C8B-B14F-4D97-AF65-F5344CB8AC3E}">
+        <p14:creationId xmlns:p14="http://schemas.microsoft.com/office/powerpoint/2010/main" val="1593881390"/>
+      </p:ext>
+    </p:extLst>
+  </p:cSld>
+  <p:clrMapOvr>
+    <a:masterClrMapping/>
+  </p:clrMapOvr>
+</p:sld>
+</file>
+
+<file path=ppt/slides/slide16.xml><?xml version="1.0" encoding="utf-8"?>
+<p:sld xmlns:a="http://schemas.openxmlformats.org/drawingml/2006/main" xmlns:r="http://schemas.openxmlformats.org/officeDocument/2006/relationships" xmlns:p="http://schemas.openxmlformats.org/presentationml/2006/main">
+  <p:cSld>
+    <p:spTree>
+      <p:nvGrpSpPr>
+        <p:cNvPr id="1" name=""/>
+        <p:cNvGrpSpPr/>
+        <p:nvPr/>
+      </p:nvGrpSpPr>
+      <p:grpSpPr>
+        <a:xfrm>
+          <a:off x="0" y="0"/>
+          <a:ext cx="0" cy="0"/>
+          <a:chOff x="0" y="0"/>
+          <a:chExt cx="0" cy="0"/>
+        </a:xfrm>
+      </p:grpSpPr>
+      <p:sp>
+        <p:nvSpPr>
+          <p:cNvPr id="2" name="Title 1">
+            <a:extLst>
+              <a:ext uri="{FF2B5EF4-FFF2-40B4-BE49-F238E27FC236}">
+                <a16:creationId xmlns:a16="http://schemas.microsoft.com/office/drawing/2014/main" id="{345E58CE-DAFA-49B1-8F27-32D423105422}"/>
+              </a:ext>
+            </a:extLst>
+          </p:cNvPr>
+          <p:cNvSpPr>
+            <a:spLocks noGrp="1"/>
+          </p:cNvSpPr>
+          <p:nvPr>
+            <p:ph type="title"/>
+          </p:nvPr>
+        </p:nvSpPr>
+        <p:spPr/>
+        <p:txBody>
+          <a:bodyPr/>
+          <a:lstStyle/>
+          <a:p>
+            <a:r>
               <a:rPr lang="en-GB" b="1" dirty="0"/>
               <a:t>Installing </a:t>
             </a:r>
@@ -5535,7 +6282,7 @@
           <p:cNvPr id="3" name="Content Placeholder 2">
             <a:extLst>
               <a:ext uri="{FF2B5EF4-FFF2-40B4-BE49-F238E27FC236}">
-                <a16:creationId xmlns:a16="http://schemas.microsoft.com/office/drawing/2014/main" xmlns="" id="{560BE56F-446E-4B89-BDC3-5F759F76E6C8}"/>
+                <a16:creationId xmlns:a16="http://schemas.microsoft.com/office/drawing/2014/main" id="{560BE56F-446E-4B89-BDC3-5F759F76E6C8}"/>
               </a:ext>
             </a:extLst>
           </p:cNvPr>
@@ -5706,17 +6453,10 @@
   <p:clrMapOvr>
     <a:masterClrMapping/>
   </p:clrMapOvr>
-  <p:timing>
-    <p:tnLst>
-      <p:par>
-        <p:cTn id="1" dur="indefinite" restart="never" nodeType="tmRoot"/>
-      </p:par>
-    </p:tnLst>
-  </p:timing>
 </p:sld>
 </file>
 
-<file path=ppt/slides/slide14.xml><?xml version="1.0" encoding="utf-8"?>
+<file path=ppt/slides/slide17.xml><?xml version="1.0" encoding="utf-8"?>
 <p:sld xmlns:a="http://schemas.openxmlformats.org/drawingml/2006/main" xmlns:r="http://schemas.openxmlformats.org/officeDocument/2006/relationships" xmlns:p="http://schemas.openxmlformats.org/presentationml/2006/main">
   <p:cSld>
     <p:bg>
@@ -5759,7 +6499,7 @@
           <p:cNvPr id="5" name="CuadroTexto 4">
             <a:extLst>
               <a:ext uri="{FF2B5EF4-FFF2-40B4-BE49-F238E27FC236}">
-                <a16:creationId xmlns:a16="http://schemas.microsoft.com/office/drawing/2014/main" xmlns="" id="{249A9107-7CC1-417C-ACF6-D8FCDFA43E66}"/>
+                <a16:creationId xmlns:a16="http://schemas.microsoft.com/office/drawing/2014/main" id="{249A9107-7CC1-417C-ACF6-D8FCDFA43E66}"/>
               </a:ext>
             </a:extLst>
           </p:cNvPr>
@@ -5838,7 +6578,7 @@
           <p:cNvPr id="12" name="CuadroTexto 11">
             <a:extLst>
               <a:ext uri="{FF2B5EF4-FFF2-40B4-BE49-F238E27FC236}">
-                <a16:creationId xmlns:a16="http://schemas.microsoft.com/office/drawing/2014/main" xmlns="" id="{9711B393-719D-409E-8EB2-E7DF14C1357A}"/>
+                <a16:creationId xmlns:a16="http://schemas.microsoft.com/office/drawing/2014/main" id="{9711B393-719D-409E-8EB2-E7DF14C1357A}"/>
               </a:ext>
             </a:extLst>
           </p:cNvPr>
@@ -5917,7 +6657,7 @@
           <p:cNvPr id="10" name="Picture 10" descr="Image result for dapr logo png">
             <a:extLst>
               <a:ext uri="{FF2B5EF4-FFF2-40B4-BE49-F238E27FC236}">
-                <a16:creationId xmlns:a16="http://schemas.microsoft.com/office/drawing/2014/main" xmlns="" id="{093FB5A5-BBAE-419A-BBE2-B97DB3055F08}"/>
+                <a16:creationId xmlns:a16="http://schemas.microsoft.com/office/drawing/2014/main" id="{093FB5A5-BBAE-419A-BBE2-B97DB3055F08}"/>
               </a:ext>
             </a:extLst>
           </p:cNvPr>
@@ -5984,17 +6724,10 @@
       </p:transition>
     </mc:Fallback>
   </mc:AlternateContent>
-  <p:timing>
-    <p:tnLst>
-      <p:par>
-        <p:cTn id="1" dur="indefinite" restart="never" nodeType="tmRoot"/>
-      </p:par>
-    </p:tnLst>
-  </p:timing>
 </p:sld>
 </file>
 
-<file path=ppt/slides/slide15.xml><?xml version="1.0" encoding="utf-8"?>
+<file path=ppt/slides/slide18.xml><?xml version="1.0" encoding="utf-8"?>
 <p:sld xmlns:a="http://schemas.openxmlformats.org/drawingml/2006/main" xmlns:r="http://schemas.openxmlformats.org/officeDocument/2006/relationships" xmlns:p="http://schemas.openxmlformats.org/presentationml/2006/main">
   <p:cSld>
     <p:bg>
@@ -6037,7 +6770,7 @@
           <p:cNvPr id="5" name="CuadroTexto 4">
             <a:extLst>
               <a:ext uri="{FF2B5EF4-FFF2-40B4-BE49-F238E27FC236}">
-                <a16:creationId xmlns:a16="http://schemas.microsoft.com/office/drawing/2014/main" xmlns="" id="{249A9107-7CC1-417C-ACF6-D8FCDFA43E66}"/>
+                <a16:creationId xmlns:a16="http://schemas.microsoft.com/office/drawing/2014/main" id="{249A9107-7CC1-417C-ACF6-D8FCDFA43E66}"/>
               </a:ext>
             </a:extLst>
           </p:cNvPr>
@@ -6119,7 +6852,7 @@
           <p:cNvPr id="12" name="CuadroTexto 11">
             <a:extLst>
               <a:ext uri="{FF2B5EF4-FFF2-40B4-BE49-F238E27FC236}">
-                <a16:creationId xmlns:a16="http://schemas.microsoft.com/office/drawing/2014/main" xmlns="" id="{9711B393-719D-409E-8EB2-E7DF14C1357A}"/>
+                <a16:creationId xmlns:a16="http://schemas.microsoft.com/office/drawing/2014/main" id="{9711B393-719D-409E-8EB2-E7DF14C1357A}"/>
               </a:ext>
             </a:extLst>
           </p:cNvPr>
@@ -6198,7 +6931,7 @@
           <p:cNvPr id="10" name="Picture 10" descr="Image result for dapr logo png">
             <a:extLst>
               <a:ext uri="{FF2B5EF4-FFF2-40B4-BE49-F238E27FC236}">
-                <a16:creationId xmlns:a16="http://schemas.microsoft.com/office/drawing/2014/main" xmlns="" id="{093FB5A5-BBAE-419A-BBE2-B97DB3055F08}"/>
+                <a16:creationId xmlns:a16="http://schemas.microsoft.com/office/drawing/2014/main" id="{093FB5A5-BBAE-419A-BBE2-B97DB3055F08}"/>
               </a:ext>
             </a:extLst>
           </p:cNvPr>
@@ -6265,13 +6998,6 @@
       </p:transition>
     </mc:Fallback>
   </mc:AlternateContent>
-  <p:timing>
-    <p:tnLst>
-      <p:par>
-        <p:cTn id="1" dur="indefinite" restart="never" nodeType="tmRoot"/>
-      </p:par>
-    </p:tnLst>
-  </p:timing>
 </p:sld>
 </file>
 
@@ -6297,7 +7023,7 @@
           <p:cNvPr id="2" name="Title 1">
             <a:extLst>
               <a:ext uri="{FF2B5EF4-FFF2-40B4-BE49-F238E27FC236}">
-                <a16:creationId xmlns:a16="http://schemas.microsoft.com/office/drawing/2014/main" xmlns="" id="{345E58CE-DAFA-49B1-8F27-32D423105422}"/>
+                <a16:creationId xmlns:a16="http://schemas.microsoft.com/office/drawing/2014/main" id="{345E58CE-DAFA-49B1-8F27-32D423105422}"/>
               </a:ext>
             </a:extLst>
           </p:cNvPr>
@@ -6325,7 +7051,7 @@
           <p:cNvPr id="3" name="Content Placeholder 2">
             <a:extLst>
               <a:ext uri="{FF2B5EF4-FFF2-40B4-BE49-F238E27FC236}">
-                <a16:creationId xmlns:a16="http://schemas.microsoft.com/office/drawing/2014/main" xmlns="" id="{DEA89AAF-E755-4671-B97F-AE69456E4EEA}"/>
+                <a16:creationId xmlns:a16="http://schemas.microsoft.com/office/drawing/2014/main" id="{DEA89AAF-E755-4671-B97F-AE69456E4EEA}"/>
               </a:ext>
             </a:extLst>
           </p:cNvPr>
@@ -6399,13 +7125,6 @@
   <p:clrMapOvr>
     <a:masterClrMapping/>
   </p:clrMapOvr>
-  <p:timing>
-    <p:tnLst>
-      <p:par>
-        <p:cTn id="1" dur="indefinite" restart="never" nodeType="tmRoot"/>
-      </p:par>
-    </p:tnLst>
-  </p:timing>
 </p:sld>
 </file>
 
@@ -6426,12 +7145,45 @@
           <a:chExt cx="0" cy="0"/>
         </a:xfrm>
       </p:grpSpPr>
+      <p:sp>
+        <p:nvSpPr>
+          <p:cNvPr id="5" name="Title 1">
+            <a:extLst>
+              <a:ext uri="{FF2B5EF4-FFF2-40B4-BE49-F238E27FC236}">
+                <a16:creationId xmlns:a16="http://schemas.microsoft.com/office/drawing/2014/main" id="{128F875E-BEC6-4067-9264-6C76BA3B0830}"/>
+              </a:ext>
+            </a:extLst>
+          </p:cNvPr>
+          <p:cNvSpPr>
+            <a:spLocks noGrp="1"/>
+          </p:cNvSpPr>
+          <p:nvPr>
+            <p:ph type="title"/>
+          </p:nvPr>
+        </p:nvSpPr>
+        <p:spPr>
+          <a:xfrm>
+            <a:off x="838200" y="126587"/>
+            <a:ext cx="10515600" cy="1171466"/>
+          </a:xfrm>
+        </p:spPr>
+        <p:txBody>
+          <a:bodyPr/>
+          <a:lstStyle/>
+          <a:p>
+            <a:r>
+              <a:rPr lang="en-GB" dirty="0"/>
+              <a:t>The Twelve-Factor Microservice</a:t>
+            </a:r>
+          </a:p>
+        </p:txBody>
+      </p:sp>
       <p:pic>
         <p:nvPicPr>
-          <p:cNvPr id="1026" name="Picture 2" descr="Image">
+          <p:cNvPr id="10" name="Picture 2" descr="Image">
             <a:extLst>
               <a:ext uri="{FF2B5EF4-FFF2-40B4-BE49-F238E27FC236}">
-                <a16:creationId xmlns:a16="http://schemas.microsoft.com/office/drawing/2014/main" xmlns="" id="{602FCB8B-821E-4A33-8F7F-F3C2369359E0}"/>
+                <a16:creationId xmlns:a16="http://schemas.microsoft.com/office/drawing/2014/main" id="{CCEE4B5D-0B92-4EB5-9A7E-E6CD841654B8}"/>
               </a:ext>
             </a:extLst>
           </p:cNvPr>
@@ -6473,299 +7225,6 @@
           </a:extLst>
         </p:spPr>
       </p:pic>
-      <p:sp>
-        <p:nvSpPr>
-          <p:cNvPr id="4" name="Rectangle 3">
-            <a:extLst>
-              <a:ext uri="{FF2B5EF4-FFF2-40B4-BE49-F238E27FC236}">
-                <a16:creationId xmlns:a16="http://schemas.microsoft.com/office/drawing/2014/main" xmlns="" id="{4AAF1BF6-754A-4E2F-98FB-0367AA4DEC14}"/>
-              </a:ext>
-            </a:extLst>
-          </p:cNvPr>
-          <p:cNvSpPr/>
-          <p:nvPr/>
-        </p:nvSpPr>
-        <p:spPr>
-          <a:xfrm>
-            <a:off x="7668401" y="1359899"/>
-            <a:ext cx="1423182" cy="1581324"/>
-          </a:xfrm>
-          <a:prstGeom prst="rect">
-            <a:avLst/>
-          </a:prstGeom>
-          <a:noFill/>
-          <a:ln w="57150">
-            <a:solidFill>
-              <a:srgbClr val="FF0000"/>
-            </a:solidFill>
-          </a:ln>
-        </p:spPr>
-        <p:style>
-          <a:lnRef idx="2">
-            <a:schemeClr val="accent1">
-              <a:shade val="50000"/>
-            </a:schemeClr>
-          </a:lnRef>
-          <a:fillRef idx="1">
-            <a:schemeClr val="accent1"/>
-          </a:fillRef>
-          <a:effectRef idx="0">
-            <a:schemeClr val="accent1"/>
-          </a:effectRef>
-          <a:fontRef idx="minor">
-            <a:schemeClr val="lt1"/>
-          </a:fontRef>
-        </p:style>
-        <p:txBody>
-          <a:bodyPr rtlCol="0" anchor="ctr"/>
-          <a:lstStyle/>
-          <a:p>
-            <a:pPr algn="ctr"/>
-            <a:endParaRPr lang="en-GB" dirty="0"/>
-          </a:p>
-        </p:txBody>
-      </p:sp>
-      <p:sp>
-        <p:nvSpPr>
-          <p:cNvPr id="5" name="Title 1">
-            <a:extLst>
-              <a:ext uri="{FF2B5EF4-FFF2-40B4-BE49-F238E27FC236}">
-                <a16:creationId xmlns:a16="http://schemas.microsoft.com/office/drawing/2014/main" xmlns="" id="{128F875E-BEC6-4067-9264-6C76BA3B0830}"/>
-              </a:ext>
-            </a:extLst>
-          </p:cNvPr>
-          <p:cNvSpPr>
-            <a:spLocks noGrp="1"/>
-          </p:cNvSpPr>
-          <p:nvPr>
-            <p:ph type="title"/>
-          </p:nvPr>
-        </p:nvSpPr>
-        <p:spPr>
-          <a:xfrm>
-            <a:off x="838200" y="126587"/>
-            <a:ext cx="10515600" cy="1171466"/>
-          </a:xfrm>
-        </p:spPr>
-        <p:txBody>
-          <a:bodyPr/>
-          <a:lstStyle/>
-          <a:p>
-            <a:r>
-              <a:rPr lang="en-GB" dirty="0"/>
-              <a:t>The Twelve-Factor Microservice</a:t>
-            </a:r>
-          </a:p>
-        </p:txBody>
-      </p:sp>
-      <p:sp>
-        <p:nvSpPr>
-          <p:cNvPr id="6" name="Rectangle 5">
-            <a:extLst>
-              <a:ext uri="{FF2B5EF4-FFF2-40B4-BE49-F238E27FC236}">
-                <a16:creationId xmlns:a16="http://schemas.microsoft.com/office/drawing/2014/main" xmlns="" id="{DF80608F-AE75-46B6-A527-5942C3F696EB}"/>
-              </a:ext>
-            </a:extLst>
-          </p:cNvPr>
-          <p:cNvSpPr/>
-          <p:nvPr/>
-        </p:nvSpPr>
-        <p:spPr>
-          <a:xfrm>
-            <a:off x="4594843" y="1359899"/>
-            <a:ext cx="1423182" cy="1581324"/>
-          </a:xfrm>
-          <a:prstGeom prst="rect">
-            <a:avLst/>
-          </a:prstGeom>
-          <a:noFill/>
-          <a:ln w="57150">
-            <a:solidFill>
-              <a:srgbClr val="FF0000"/>
-            </a:solidFill>
-          </a:ln>
-        </p:spPr>
-        <p:style>
-          <a:lnRef idx="2">
-            <a:schemeClr val="accent1">
-              <a:shade val="50000"/>
-            </a:schemeClr>
-          </a:lnRef>
-          <a:fillRef idx="1">
-            <a:schemeClr val="accent1"/>
-          </a:fillRef>
-          <a:effectRef idx="0">
-            <a:schemeClr val="accent1"/>
-          </a:effectRef>
-          <a:fontRef idx="minor">
-            <a:schemeClr val="lt1"/>
-          </a:fontRef>
-        </p:style>
-        <p:txBody>
-          <a:bodyPr rtlCol="0" anchor="ctr"/>
-          <a:lstStyle/>
-          <a:p>
-            <a:pPr algn="ctr"/>
-            <a:endParaRPr lang="en-GB" dirty="0"/>
-          </a:p>
-        </p:txBody>
-      </p:sp>
-      <p:sp>
-        <p:nvSpPr>
-          <p:cNvPr id="7" name="Rectangle 6">
-            <a:extLst>
-              <a:ext uri="{FF2B5EF4-FFF2-40B4-BE49-F238E27FC236}">
-                <a16:creationId xmlns:a16="http://schemas.microsoft.com/office/drawing/2014/main" xmlns="" id="{CA64978C-CCE7-4E7B-9DFA-FE06412E4CD8}"/>
-              </a:ext>
-            </a:extLst>
-          </p:cNvPr>
-          <p:cNvSpPr/>
-          <p:nvPr/>
-        </p:nvSpPr>
-        <p:spPr>
-          <a:xfrm>
-            <a:off x="6131622" y="1359899"/>
-            <a:ext cx="1423182" cy="1581324"/>
-          </a:xfrm>
-          <a:prstGeom prst="rect">
-            <a:avLst/>
-          </a:prstGeom>
-          <a:noFill/>
-          <a:ln w="57150">
-            <a:solidFill>
-              <a:srgbClr val="FF0000"/>
-            </a:solidFill>
-          </a:ln>
-        </p:spPr>
-        <p:style>
-          <a:lnRef idx="2">
-            <a:schemeClr val="accent1">
-              <a:shade val="50000"/>
-            </a:schemeClr>
-          </a:lnRef>
-          <a:fillRef idx="1">
-            <a:schemeClr val="accent1"/>
-          </a:fillRef>
-          <a:effectRef idx="0">
-            <a:schemeClr val="accent1"/>
-          </a:effectRef>
-          <a:fontRef idx="minor">
-            <a:schemeClr val="lt1"/>
-          </a:fontRef>
-        </p:style>
-        <p:txBody>
-          <a:bodyPr rtlCol="0" anchor="ctr"/>
-          <a:lstStyle/>
-          <a:p>
-            <a:pPr algn="ctr"/>
-            <a:endParaRPr lang="en-GB" dirty="0"/>
-          </a:p>
-        </p:txBody>
-      </p:sp>
-      <p:sp>
-        <p:nvSpPr>
-          <p:cNvPr id="8" name="Rectangle 7">
-            <a:extLst>
-              <a:ext uri="{FF2B5EF4-FFF2-40B4-BE49-F238E27FC236}">
-                <a16:creationId xmlns:a16="http://schemas.microsoft.com/office/drawing/2014/main" xmlns="" id="{A490FACC-EEC4-4247-B742-B5396711C78E}"/>
-              </a:ext>
-            </a:extLst>
-          </p:cNvPr>
-          <p:cNvSpPr/>
-          <p:nvPr/>
-        </p:nvSpPr>
-        <p:spPr>
-          <a:xfrm>
-            <a:off x="3070843" y="4604338"/>
-            <a:ext cx="1423182" cy="1581324"/>
-          </a:xfrm>
-          <a:prstGeom prst="rect">
-            <a:avLst/>
-          </a:prstGeom>
-          <a:noFill/>
-          <a:ln w="57150">
-            <a:solidFill>
-              <a:srgbClr val="FF0000"/>
-            </a:solidFill>
-          </a:ln>
-        </p:spPr>
-        <p:style>
-          <a:lnRef idx="2">
-            <a:schemeClr val="accent1">
-              <a:shade val="50000"/>
-            </a:schemeClr>
-          </a:lnRef>
-          <a:fillRef idx="1">
-            <a:schemeClr val="accent1"/>
-          </a:fillRef>
-          <a:effectRef idx="0">
-            <a:schemeClr val="accent1"/>
-          </a:effectRef>
-          <a:fontRef idx="minor">
-            <a:schemeClr val="lt1"/>
-          </a:fontRef>
-        </p:style>
-        <p:txBody>
-          <a:bodyPr rtlCol="0" anchor="ctr"/>
-          <a:lstStyle/>
-          <a:p>
-            <a:pPr algn="ctr"/>
-            <a:endParaRPr lang="en-GB" dirty="0"/>
-          </a:p>
-        </p:txBody>
-      </p:sp>
-      <p:sp>
-        <p:nvSpPr>
-          <p:cNvPr id="9" name="Rectangle 8">
-            <a:extLst>
-              <a:ext uri="{FF2B5EF4-FFF2-40B4-BE49-F238E27FC236}">
-                <a16:creationId xmlns:a16="http://schemas.microsoft.com/office/drawing/2014/main" xmlns="" id="{A490FACC-EEC4-4247-B742-B5396711C78E}"/>
-              </a:ext>
-            </a:extLst>
-          </p:cNvPr>
-          <p:cNvSpPr/>
-          <p:nvPr/>
-        </p:nvSpPr>
-        <p:spPr>
-          <a:xfrm>
-            <a:off x="6112747" y="4610434"/>
-            <a:ext cx="1423182" cy="1581324"/>
-          </a:xfrm>
-          <a:prstGeom prst="rect">
-            <a:avLst/>
-          </a:prstGeom>
-          <a:noFill/>
-          <a:ln w="57150">
-            <a:solidFill>
-              <a:srgbClr val="FF0000"/>
-            </a:solidFill>
-          </a:ln>
-        </p:spPr>
-        <p:style>
-          <a:lnRef idx="2">
-            <a:schemeClr val="accent1">
-              <a:shade val="50000"/>
-            </a:schemeClr>
-          </a:lnRef>
-          <a:fillRef idx="1">
-            <a:schemeClr val="accent1"/>
-          </a:fillRef>
-          <a:effectRef idx="0">
-            <a:schemeClr val="accent1"/>
-          </a:effectRef>
-          <a:fontRef idx="minor">
-            <a:schemeClr val="lt1"/>
-          </a:fontRef>
-        </p:style>
-        <p:txBody>
-          <a:bodyPr rtlCol="0" anchor="ctr"/>
-          <a:lstStyle/>
-          <a:p>
-            <a:pPr algn="ctr"/>
-            <a:endParaRPr lang="en-GB" dirty="0"/>
-          </a:p>
-        </p:txBody>
-      </p:sp>
     </p:spTree>
     <p:custDataLst>
       <p:tags r:id="rId1"/>
@@ -6779,268 +7238,6 @@
   <p:clrMapOvr>
     <a:masterClrMapping/>
   </p:clrMapOvr>
-  <p:timing>
-    <p:tnLst>
-      <p:par>
-        <p:cTn id="1" dur="indefinite" restart="never" nodeType="tmRoot">
-          <p:childTnLst>
-            <p:seq concurrent="1" nextAc="seek">
-              <p:cTn id="2" dur="indefinite" nodeType="mainSeq">
-                <p:childTnLst>
-                  <p:par>
-                    <p:cTn id="3" fill="hold">
-                      <p:stCondLst>
-                        <p:cond delay="indefinite"/>
-                      </p:stCondLst>
-                      <p:childTnLst>
-                        <p:par>
-                          <p:cTn id="4" fill="hold">
-                            <p:stCondLst>
-                              <p:cond delay="0"/>
-                            </p:stCondLst>
-                            <p:childTnLst>
-                              <p:par>
-                                <p:cTn id="5" presetID="1" presetClass="entr" presetSubtype="0" fill="hold" grpId="0" nodeType="clickEffect">
-                                  <p:stCondLst>
-                                    <p:cond delay="0"/>
-                                  </p:stCondLst>
-                                  <p:childTnLst>
-                                    <p:set>
-                                      <p:cBhvr>
-                                        <p:cTn id="6" dur="1" fill="hold">
-                                          <p:stCondLst>
-                                            <p:cond delay="0"/>
-                                          </p:stCondLst>
-                                        </p:cTn>
-                                        <p:tgtEl>
-                                          <p:spTgt spid="4"/>
-                                        </p:tgtEl>
-                                        <p:attrNameLst>
-                                          <p:attrName>style.visibility</p:attrName>
-                                        </p:attrNameLst>
-                                      </p:cBhvr>
-                                      <p:to>
-                                        <p:strVal val="visible"/>
-                                      </p:to>
-                                    </p:set>
-                                  </p:childTnLst>
-                                </p:cTn>
-                              </p:par>
-                            </p:childTnLst>
-                          </p:cTn>
-                        </p:par>
-                      </p:childTnLst>
-                    </p:cTn>
-                  </p:par>
-                  <p:par>
-                    <p:cTn id="7" fill="hold">
-                      <p:stCondLst>
-                        <p:cond delay="indefinite"/>
-                      </p:stCondLst>
-                      <p:childTnLst>
-                        <p:par>
-                          <p:cTn id="8" fill="hold">
-                            <p:stCondLst>
-                              <p:cond delay="0"/>
-                            </p:stCondLst>
-                            <p:childTnLst>
-                              <p:par>
-                                <p:cTn id="9" presetID="1" presetClass="entr" presetSubtype="0" fill="hold" grpId="0" nodeType="clickEffect">
-                                  <p:stCondLst>
-                                    <p:cond delay="0"/>
-                                  </p:stCondLst>
-                                  <p:childTnLst>
-                                    <p:set>
-                                      <p:cBhvr>
-                                        <p:cTn id="10" dur="1" fill="hold">
-                                          <p:stCondLst>
-                                            <p:cond delay="0"/>
-                                          </p:stCondLst>
-                                        </p:cTn>
-                                        <p:tgtEl>
-                                          <p:spTgt spid="6"/>
-                                        </p:tgtEl>
-                                        <p:attrNameLst>
-                                          <p:attrName>style.visibility</p:attrName>
-                                        </p:attrNameLst>
-                                      </p:cBhvr>
-                                      <p:to>
-                                        <p:strVal val="visible"/>
-                                      </p:to>
-                                    </p:set>
-                                  </p:childTnLst>
-                                </p:cTn>
-                              </p:par>
-                            </p:childTnLst>
-                          </p:cTn>
-                        </p:par>
-                      </p:childTnLst>
-                    </p:cTn>
-                  </p:par>
-                  <p:par>
-                    <p:cTn id="11" fill="hold">
-                      <p:stCondLst>
-                        <p:cond delay="indefinite"/>
-                      </p:stCondLst>
-                      <p:childTnLst>
-                        <p:par>
-                          <p:cTn id="12" fill="hold">
-                            <p:stCondLst>
-                              <p:cond delay="0"/>
-                            </p:stCondLst>
-                            <p:childTnLst>
-                              <p:par>
-                                <p:cTn id="13" presetID="1" presetClass="entr" presetSubtype="0" fill="hold" grpId="0" nodeType="clickEffect">
-                                  <p:stCondLst>
-                                    <p:cond delay="0"/>
-                                  </p:stCondLst>
-                                  <p:childTnLst>
-                                    <p:set>
-                                      <p:cBhvr>
-                                        <p:cTn id="14" dur="1" fill="hold">
-                                          <p:stCondLst>
-                                            <p:cond delay="0"/>
-                                          </p:stCondLst>
-                                        </p:cTn>
-                                        <p:tgtEl>
-                                          <p:spTgt spid="7"/>
-                                        </p:tgtEl>
-                                        <p:attrNameLst>
-                                          <p:attrName>style.visibility</p:attrName>
-                                        </p:attrNameLst>
-                                      </p:cBhvr>
-                                      <p:to>
-                                        <p:strVal val="visible"/>
-                                      </p:to>
-                                    </p:set>
-                                  </p:childTnLst>
-                                </p:cTn>
-                              </p:par>
-                            </p:childTnLst>
-                          </p:cTn>
-                        </p:par>
-                      </p:childTnLst>
-                    </p:cTn>
-                  </p:par>
-                  <p:par>
-                    <p:cTn id="15" fill="hold">
-                      <p:stCondLst>
-                        <p:cond delay="indefinite"/>
-                      </p:stCondLst>
-                      <p:childTnLst>
-                        <p:par>
-                          <p:cTn id="16" fill="hold">
-                            <p:stCondLst>
-                              <p:cond delay="0"/>
-                            </p:stCondLst>
-                            <p:childTnLst>
-                              <p:par>
-                                <p:cTn id="17" presetID="1" presetClass="entr" presetSubtype="0" fill="hold" grpId="0" nodeType="clickEffect">
-                                  <p:stCondLst>
-                                    <p:cond delay="0"/>
-                                  </p:stCondLst>
-                                  <p:childTnLst>
-                                    <p:set>
-                                      <p:cBhvr>
-                                        <p:cTn id="18" dur="1" fill="hold">
-                                          <p:stCondLst>
-                                            <p:cond delay="0"/>
-                                          </p:stCondLst>
-                                        </p:cTn>
-                                        <p:tgtEl>
-                                          <p:spTgt spid="8"/>
-                                        </p:tgtEl>
-                                        <p:attrNameLst>
-                                          <p:attrName>style.visibility</p:attrName>
-                                        </p:attrNameLst>
-                                      </p:cBhvr>
-                                      <p:to>
-                                        <p:strVal val="visible"/>
-                                      </p:to>
-                                    </p:set>
-                                  </p:childTnLst>
-                                </p:cTn>
-                              </p:par>
-                            </p:childTnLst>
-                          </p:cTn>
-                        </p:par>
-                      </p:childTnLst>
-                    </p:cTn>
-                  </p:par>
-                  <p:par>
-                    <p:cTn id="19" fill="hold">
-                      <p:stCondLst>
-                        <p:cond delay="indefinite"/>
-                      </p:stCondLst>
-                      <p:childTnLst>
-                        <p:par>
-                          <p:cTn id="20" fill="hold">
-                            <p:stCondLst>
-                              <p:cond delay="0"/>
-                            </p:stCondLst>
-                            <p:childTnLst>
-                              <p:par>
-                                <p:cTn id="21" presetID="1" presetClass="entr" presetSubtype="0" fill="hold" grpId="0" nodeType="clickEffect">
-                                  <p:stCondLst>
-                                    <p:cond delay="0"/>
-                                  </p:stCondLst>
-                                  <p:childTnLst>
-                                    <p:set>
-                                      <p:cBhvr>
-                                        <p:cTn id="22" dur="1" fill="hold">
-                                          <p:stCondLst>
-                                            <p:cond delay="0"/>
-                                          </p:stCondLst>
-                                        </p:cTn>
-                                        <p:tgtEl>
-                                          <p:spTgt spid="9"/>
-                                        </p:tgtEl>
-                                        <p:attrNameLst>
-                                          <p:attrName>style.visibility</p:attrName>
-                                        </p:attrNameLst>
-                                      </p:cBhvr>
-                                      <p:to>
-                                        <p:strVal val="visible"/>
-                                      </p:to>
-                                    </p:set>
-                                  </p:childTnLst>
-                                </p:cTn>
-                              </p:par>
-                            </p:childTnLst>
-                          </p:cTn>
-                        </p:par>
-                      </p:childTnLst>
-                    </p:cTn>
-                  </p:par>
-                </p:childTnLst>
-              </p:cTn>
-              <p:prevCondLst>
-                <p:cond evt="onPrev" delay="0">
-                  <p:tgtEl>
-                    <p:sldTgt/>
-                  </p:tgtEl>
-                </p:cond>
-              </p:prevCondLst>
-              <p:nextCondLst>
-                <p:cond evt="onNext" delay="0">
-                  <p:tgtEl>
-                    <p:sldTgt/>
-                  </p:tgtEl>
-                </p:cond>
-              </p:nextCondLst>
-            </p:seq>
-          </p:childTnLst>
-        </p:cTn>
-      </p:par>
-    </p:tnLst>
-    <p:bldLst>
-      <p:bldP spid="4" grpId="0" animBg="1"/>
-      <p:bldP spid="6" grpId="0" animBg="1"/>
-      <p:bldP spid="7" grpId="0" animBg="1"/>
-      <p:bldP spid="8" grpId="0" animBg="1"/>
-      <p:bldP spid="9" grpId="0" animBg="1"/>
-    </p:bldLst>
-  </p:timing>
 </p:sld>
 </file>
 
@@ -7061,107 +7258,113 @@
           <a:chExt cx="0" cy="0"/>
         </a:xfrm>
       </p:grpSpPr>
-      <p:sp>
-        <p:nvSpPr>
-          <p:cNvPr id="2" name="Title 1">
+      <p:pic>
+        <p:nvPicPr>
+          <p:cNvPr id="2058" name="Picture 10" descr="Image result for city clouds">
             <a:extLst>
               <a:ext uri="{FF2B5EF4-FFF2-40B4-BE49-F238E27FC236}">
-                <a16:creationId xmlns:a16="http://schemas.microsoft.com/office/drawing/2014/main" xmlns="" id="{EC141857-66C9-415F-B819-409BAF6639E0}"/>
+                <a16:creationId xmlns:a16="http://schemas.microsoft.com/office/drawing/2014/main" id="{BA256DD9-A04B-4DE7-928B-CAB705405A0A}"/>
               </a:ext>
             </a:extLst>
           </p:cNvPr>
-          <p:cNvSpPr>
-            <a:spLocks noGrp="1"/>
-          </p:cNvSpPr>
-          <p:nvPr>
-            <p:ph type="title"/>
-          </p:nvPr>
-        </p:nvSpPr>
-        <p:spPr/>
-        <p:txBody>
-          <a:bodyPr/>
-          <a:lstStyle/>
-          <a:p>
-            <a:r>
-              <a:rPr lang="en-GB" b="1" dirty="0" err="1"/>
-              <a:t>Dapr</a:t>
-            </a:r>
-            <a:endParaRPr lang="en-GB" dirty="0"/>
-          </a:p>
-        </p:txBody>
-      </p:sp>
-      <p:sp>
-        <p:nvSpPr>
-          <p:cNvPr id="3" name="Content Placeholder 2">
+          <p:cNvPicPr>
+            <a:picLocks noChangeAspect="1" noChangeArrowheads="1"/>
+          </p:cNvPicPr>
+          <p:nvPr/>
+        </p:nvPicPr>
+        <p:blipFill>
+          <a:blip r:embed="rId4">
+            <a:extLst>
+              <a:ext uri="{28A0092B-C50C-407E-A947-70E740481C1C}">
+                <a14:useLocalDpi xmlns:a14="http://schemas.microsoft.com/office/drawing/2010/main" val="0"/>
+              </a:ext>
+            </a:extLst>
+          </a:blip>
+          <a:srcRect/>
+          <a:stretch>
+            <a:fillRect/>
+          </a:stretch>
+        </p:blipFill>
+        <p:spPr bwMode="auto">
+          <a:xfrm>
+            <a:off x="0" y="0"/>
+            <a:ext cx="12192000" cy="6858000"/>
+          </a:xfrm>
+          <a:prstGeom prst="rect">
+            <a:avLst/>
+          </a:prstGeom>
+          <a:noFill/>
+          <a:extLst>
+            <a:ext uri="{909E8E84-426E-40DD-AFC4-6F175D3DCCD1}">
+              <a14:hiddenFill xmlns:a14="http://schemas.microsoft.com/office/drawing/2010/main">
+                <a:solidFill>
+                  <a:srgbClr val="FFFFFF"/>
+                </a:solidFill>
+              </a14:hiddenFill>
+            </a:ext>
+          </a:extLst>
+        </p:spPr>
+      </p:pic>
+      <p:pic>
+        <p:nvPicPr>
+          <p:cNvPr id="2050" name="Picture 2" descr="Image result for azure logo">
             <a:extLst>
               <a:ext uri="{FF2B5EF4-FFF2-40B4-BE49-F238E27FC236}">
-                <a16:creationId xmlns:a16="http://schemas.microsoft.com/office/drawing/2014/main" xmlns="" id="{CFF694B7-EAA9-49CD-9345-D9C713EFF66A}"/>
+                <a16:creationId xmlns:a16="http://schemas.microsoft.com/office/drawing/2014/main" id="{90999FFF-F9C3-4117-B676-E27383799111}"/>
               </a:ext>
             </a:extLst>
           </p:cNvPr>
-          <p:cNvSpPr>
-            <a:spLocks noGrp="1"/>
-          </p:cNvSpPr>
-          <p:nvPr>
-            <p:ph idx="1"/>
-          </p:nvPr>
-        </p:nvSpPr>
-        <p:spPr/>
-        <p:txBody>
-          <a:bodyPr/>
-          <a:lstStyle/>
-          <a:p>
-            <a:r>
-              <a:rPr lang="en-GB" dirty="0"/>
-              <a:t>An event-driven, portable runtime for building microservices on cloud and edge.</a:t>
-            </a:r>
-          </a:p>
-          <a:p>
-            <a:r>
-              <a:rPr lang="en-GB" dirty="0"/>
-              <a:t>Powerful Building Blocks</a:t>
-            </a:r>
-          </a:p>
-          <a:p>
-            <a:r>
-              <a:rPr lang="en-GB" dirty="0"/>
-              <a:t>Open API</a:t>
-            </a:r>
-          </a:p>
-          <a:p>
-            <a:r>
-              <a:rPr lang="en-GB" dirty="0"/>
-              <a:t>Works with any programming language</a:t>
-            </a:r>
-          </a:p>
-          <a:p>
-            <a:r>
-              <a:rPr lang="en-GB" dirty="0"/>
-              <a:t>Open Source</a:t>
-            </a:r>
-          </a:p>
-        </p:txBody>
-      </p:sp>
+          <p:cNvPicPr>
+            <a:picLocks noChangeAspect="1" noChangeArrowheads="1"/>
+          </p:cNvPicPr>
+          <p:nvPr/>
+        </p:nvPicPr>
+        <p:blipFill>
+          <a:blip r:embed="rId5">
+            <a:extLst>
+              <a:ext uri="{28A0092B-C50C-407E-A947-70E740481C1C}">
+                <a14:useLocalDpi xmlns:a14="http://schemas.microsoft.com/office/drawing/2010/main" val="0"/>
+              </a:ext>
+            </a:extLst>
+          </a:blip>
+          <a:srcRect/>
+          <a:stretch>
+            <a:fillRect/>
+          </a:stretch>
+        </p:blipFill>
+        <p:spPr bwMode="auto">
+          <a:xfrm>
+            <a:off x="3607247" y="866978"/>
+            <a:ext cx="4977505" cy="3865863"/>
+          </a:xfrm>
+          <a:prstGeom prst="rect">
+            <a:avLst/>
+          </a:prstGeom>
+          <a:noFill/>
+          <a:extLst>
+            <a:ext uri="{909E8E84-426E-40DD-AFC4-6F175D3DCCD1}">
+              <a14:hiddenFill xmlns:a14="http://schemas.microsoft.com/office/drawing/2010/main">
+                <a:solidFill>
+                  <a:srgbClr val="FFFFFF"/>
+                </a:solidFill>
+              </a14:hiddenFill>
+            </a:ext>
+          </a:extLst>
+        </p:spPr>
+      </p:pic>
     </p:spTree>
     <p:custDataLst>
       <p:tags r:id="rId1"/>
     </p:custDataLst>
     <p:extLst>
       <p:ext uri="{BB962C8B-B14F-4D97-AF65-F5344CB8AC3E}">
-        <p14:creationId xmlns:p14="http://schemas.microsoft.com/office/powerpoint/2010/main" val="773853187"/>
+        <p14:creationId xmlns:p14="http://schemas.microsoft.com/office/powerpoint/2010/main" val="1349923330"/>
       </p:ext>
     </p:extLst>
   </p:cSld>
   <p:clrMapOvr>
     <a:masterClrMapping/>
   </p:clrMapOvr>
-  <p:timing>
-    <p:tnLst>
-      <p:par>
-        <p:cTn id="1" dur="indefinite" restart="never" nodeType="tmRoot"/>
-      </p:par>
-    </p:tnLst>
-  </p:timing>
 </p:sld>
 </file>
 
@@ -7182,50 +7385,19 @@
           <a:chExt cx="0" cy="0"/>
         </a:xfrm>
       </p:grpSpPr>
-      <p:sp>
-        <p:nvSpPr>
-          <p:cNvPr id="2" name="Title 1">
-            <a:extLst>
-              <a:ext uri="{FF2B5EF4-FFF2-40B4-BE49-F238E27FC236}">
-                <a16:creationId xmlns:a16="http://schemas.microsoft.com/office/drawing/2014/main" xmlns="" id="{345E58CE-DAFA-49B1-8F27-32D423105422}"/>
-              </a:ext>
-            </a:extLst>
-          </p:cNvPr>
-          <p:cNvSpPr>
-            <a:spLocks noGrp="1"/>
-          </p:cNvSpPr>
-          <p:nvPr>
-            <p:ph type="title"/>
-          </p:nvPr>
-        </p:nvSpPr>
-        <p:spPr/>
-        <p:txBody>
-          <a:bodyPr/>
-          <a:lstStyle/>
-          <a:p>
-            <a:r>
-              <a:rPr lang="en-GB" dirty="0" err="1"/>
-              <a:t>Dapr</a:t>
-            </a:r>
-            <a:endParaRPr lang="en-GB" dirty="0"/>
-          </a:p>
-        </p:txBody>
-      </p:sp>
       <p:pic>
         <p:nvPicPr>
-          <p:cNvPr id="8" name="Picture 2">
+          <p:cNvPr id="2058" name="Picture 10" descr="Image result for city clouds">
             <a:extLst>
               <a:ext uri="{FF2B5EF4-FFF2-40B4-BE49-F238E27FC236}">
-                <a16:creationId xmlns:a16="http://schemas.microsoft.com/office/drawing/2014/main" xmlns="" id="{BCE758E2-D99F-40D0-BF2A-C2DE318E4C44}"/>
+                <a16:creationId xmlns:a16="http://schemas.microsoft.com/office/drawing/2014/main" id="{BA256DD9-A04B-4DE7-928B-CAB705405A0A}"/>
               </a:ext>
             </a:extLst>
           </p:cNvPr>
           <p:cNvPicPr>
-            <a:picLocks noGrp="1" noChangeAspect="1" noChangeArrowheads="1"/>
+            <a:picLocks noChangeAspect="1" noChangeArrowheads="1"/>
           </p:cNvPicPr>
-          <p:nvPr>
-            <p:ph idx="1"/>
-          </p:nvPr>
+          <p:nvPr/>
         </p:nvPicPr>
         <p:blipFill>
           <a:blip r:embed="rId4">
@@ -7242,8 +7414,454 @@
         </p:blipFill>
         <p:spPr bwMode="auto">
           <a:xfrm>
-            <a:off x="722600" y="1527786"/>
-            <a:ext cx="9372263" cy="4452203"/>
+            <a:off x="0" y="0"/>
+            <a:ext cx="12192000" cy="6858000"/>
+          </a:xfrm>
+          <a:prstGeom prst="rect">
+            <a:avLst/>
+          </a:prstGeom>
+          <a:noFill/>
+          <a:extLst>
+            <a:ext uri="{909E8E84-426E-40DD-AFC4-6F175D3DCCD1}">
+              <a14:hiddenFill xmlns:a14="http://schemas.microsoft.com/office/drawing/2010/main">
+                <a:solidFill>
+                  <a:srgbClr val="FFFFFF"/>
+                </a:solidFill>
+              </a14:hiddenFill>
+            </a:ext>
+          </a:extLst>
+        </p:spPr>
+      </p:pic>
+      <p:pic>
+        <p:nvPicPr>
+          <p:cNvPr id="2050" name="Picture 2" descr="Image result for azure logo">
+            <a:extLst>
+              <a:ext uri="{FF2B5EF4-FFF2-40B4-BE49-F238E27FC236}">
+                <a16:creationId xmlns:a16="http://schemas.microsoft.com/office/drawing/2014/main" id="{90999FFF-F9C3-4117-B676-E27383799111}"/>
+              </a:ext>
+            </a:extLst>
+          </p:cNvPr>
+          <p:cNvPicPr>
+            <a:picLocks noChangeAspect="1" noChangeArrowheads="1"/>
+          </p:cNvPicPr>
+          <p:nvPr/>
+        </p:nvPicPr>
+        <p:blipFill>
+          <a:blip r:embed="rId5">
+            <a:extLst>
+              <a:ext uri="{28A0092B-C50C-407E-A947-70E740481C1C}">
+                <a14:useLocalDpi xmlns:a14="http://schemas.microsoft.com/office/drawing/2010/main" val="0"/>
+              </a:ext>
+            </a:extLst>
+          </a:blip>
+          <a:srcRect/>
+          <a:stretch>
+            <a:fillRect/>
+          </a:stretch>
+        </p:blipFill>
+        <p:spPr bwMode="auto">
+          <a:xfrm>
+            <a:off x="2182465" y="1624814"/>
+            <a:ext cx="3215050" cy="2497023"/>
+          </a:xfrm>
+          <a:prstGeom prst="rect">
+            <a:avLst/>
+          </a:prstGeom>
+          <a:noFill/>
+          <a:extLst>
+            <a:ext uri="{909E8E84-426E-40DD-AFC4-6F175D3DCCD1}">
+              <a14:hiddenFill xmlns:a14="http://schemas.microsoft.com/office/drawing/2010/main">
+                <a:solidFill>
+                  <a:srgbClr val="FFFFFF"/>
+                </a:solidFill>
+              </a14:hiddenFill>
+            </a:ext>
+          </a:extLst>
+        </p:spPr>
+      </p:pic>
+      <p:pic>
+        <p:nvPicPr>
+          <p:cNvPr id="2054" name="Picture 6" descr="Image result for gcplogo">
+            <a:extLst>
+              <a:ext uri="{FF2B5EF4-FFF2-40B4-BE49-F238E27FC236}">
+                <a16:creationId xmlns:a16="http://schemas.microsoft.com/office/drawing/2014/main" id="{27B58AC5-342A-4FDF-80DF-5DCDD533C349}"/>
+              </a:ext>
+            </a:extLst>
+          </p:cNvPr>
+          <p:cNvPicPr>
+            <a:picLocks noChangeAspect="1" noChangeArrowheads="1"/>
+          </p:cNvPicPr>
+          <p:nvPr/>
+        </p:nvPicPr>
+        <p:blipFill>
+          <a:blip r:embed="rId6">
+            <a:extLst>
+              <a:ext uri="{28A0092B-C50C-407E-A947-70E740481C1C}">
+                <a14:useLocalDpi xmlns:a14="http://schemas.microsoft.com/office/drawing/2010/main" val="0"/>
+              </a:ext>
+            </a:extLst>
+          </a:blip>
+          <a:srcRect/>
+          <a:stretch>
+            <a:fillRect/>
+          </a:stretch>
+        </p:blipFill>
+        <p:spPr bwMode="auto">
+          <a:xfrm>
+            <a:off x="4789024" y="2873326"/>
+            <a:ext cx="7436617" cy="3904224"/>
+          </a:xfrm>
+          <a:prstGeom prst="rect">
+            <a:avLst/>
+          </a:prstGeom>
+          <a:noFill/>
+          <a:extLst>
+            <a:ext uri="{909E8E84-426E-40DD-AFC4-6F175D3DCCD1}">
+              <a14:hiddenFill xmlns:a14="http://schemas.microsoft.com/office/drawing/2010/main">
+                <a:solidFill>
+                  <a:srgbClr val="FFFFFF"/>
+                </a:solidFill>
+              </a14:hiddenFill>
+            </a:ext>
+          </a:extLst>
+        </p:spPr>
+      </p:pic>
+      <p:pic>
+        <p:nvPicPr>
+          <p:cNvPr id="2060" name="Picture 12" descr="Image result for aws logo">
+            <a:extLst>
+              <a:ext uri="{FF2B5EF4-FFF2-40B4-BE49-F238E27FC236}">
+                <a16:creationId xmlns:a16="http://schemas.microsoft.com/office/drawing/2014/main" id="{0BE85731-A501-4CE7-B916-498C03ADE9C4}"/>
+              </a:ext>
+            </a:extLst>
+          </p:cNvPr>
+          <p:cNvPicPr>
+            <a:picLocks noChangeAspect="1" noChangeArrowheads="1"/>
+          </p:cNvPicPr>
+          <p:nvPr/>
+        </p:nvPicPr>
+        <p:blipFill>
+          <a:blip r:embed="rId7">
+            <a:extLst>
+              <a:ext uri="{28A0092B-C50C-407E-A947-70E740481C1C}">
+                <a14:useLocalDpi xmlns:a14="http://schemas.microsoft.com/office/drawing/2010/main" val="0"/>
+              </a:ext>
+            </a:extLst>
+          </a:blip>
+          <a:srcRect/>
+          <a:stretch>
+            <a:fillRect/>
+          </a:stretch>
+        </p:blipFill>
+        <p:spPr bwMode="auto">
+          <a:xfrm>
+            <a:off x="6794486" y="742143"/>
+            <a:ext cx="3425694" cy="2050733"/>
+          </a:xfrm>
+          <a:prstGeom prst="rect">
+            <a:avLst/>
+          </a:prstGeom>
+          <a:noFill/>
+          <a:extLst>
+            <a:ext uri="{909E8E84-426E-40DD-AFC4-6F175D3DCCD1}">
+              <a14:hiddenFill xmlns:a14="http://schemas.microsoft.com/office/drawing/2010/main">
+                <a:solidFill>
+                  <a:srgbClr val="FFFFFF"/>
+                </a:solidFill>
+              </a14:hiddenFill>
+            </a:ext>
+          </a:extLst>
+        </p:spPr>
+      </p:pic>
+    </p:spTree>
+    <p:custDataLst>
+      <p:tags r:id="rId1"/>
+    </p:custDataLst>
+    <p:extLst>
+      <p:ext uri="{BB962C8B-B14F-4D97-AF65-F5344CB8AC3E}">
+        <p14:creationId xmlns:p14="http://schemas.microsoft.com/office/powerpoint/2010/main" val="2999994294"/>
+      </p:ext>
+    </p:extLst>
+  </p:cSld>
+  <p:clrMapOvr>
+    <a:masterClrMapping/>
+  </p:clrMapOvr>
+</p:sld>
+</file>
+
+<file path=ppt/slides/slide6.xml><?xml version="1.0" encoding="utf-8"?>
+<p:sld xmlns:a="http://schemas.openxmlformats.org/drawingml/2006/main" xmlns:r="http://schemas.openxmlformats.org/officeDocument/2006/relationships" xmlns:p="http://schemas.openxmlformats.org/presentationml/2006/main">
+  <p:cSld>
+    <p:spTree>
+      <p:nvGrpSpPr>
+        <p:cNvPr id="1" name=""/>
+        <p:cNvGrpSpPr/>
+        <p:nvPr/>
+      </p:nvGrpSpPr>
+      <p:grpSpPr>
+        <a:xfrm>
+          <a:off x="0" y="0"/>
+          <a:ext cx="0" cy="0"/>
+          <a:chOff x="0" y="0"/>
+          <a:chExt cx="0" cy="0"/>
+        </a:xfrm>
+      </p:grpSpPr>
+      <p:pic>
+        <p:nvPicPr>
+          <p:cNvPr id="1026" name="Picture 2" descr="Image result for chain mesh lock">
+            <a:extLst>
+              <a:ext uri="{FF2B5EF4-FFF2-40B4-BE49-F238E27FC236}">
+                <a16:creationId xmlns:a16="http://schemas.microsoft.com/office/drawing/2014/main" id="{64E4D746-B859-4B0E-80B3-E42606FC518B}"/>
+              </a:ext>
+            </a:extLst>
+          </p:cNvPr>
+          <p:cNvPicPr>
+            <a:picLocks noChangeAspect="1" noChangeArrowheads="1"/>
+          </p:cNvPicPr>
+          <p:nvPr/>
+        </p:nvPicPr>
+        <p:blipFill>
+          <a:blip r:embed="rId4">
+            <a:extLst>
+              <a:ext uri="{28A0092B-C50C-407E-A947-70E740481C1C}">
+                <a14:useLocalDpi xmlns:a14="http://schemas.microsoft.com/office/drawing/2010/main" val="0"/>
+              </a:ext>
+            </a:extLst>
+          </a:blip>
+          <a:srcRect/>
+          <a:stretch>
+            <a:fillRect/>
+          </a:stretch>
+        </p:blipFill>
+        <p:spPr bwMode="auto">
+          <a:xfrm>
+            <a:off x="0" y="-506437"/>
+            <a:ext cx="12192000" cy="8128000"/>
+          </a:xfrm>
+          <a:prstGeom prst="rect">
+            <a:avLst/>
+          </a:prstGeom>
+          <a:noFill/>
+          <a:extLst>
+            <a:ext uri="{909E8E84-426E-40DD-AFC4-6F175D3DCCD1}">
+              <a14:hiddenFill xmlns:a14="http://schemas.microsoft.com/office/drawing/2010/main">
+                <a:solidFill>
+                  <a:srgbClr val="FFFFFF"/>
+                </a:solidFill>
+              </a14:hiddenFill>
+            </a:ext>
+          </a:extLst>
+        </p:spPr>
+      </p:pic>
+    </p:spTree>
+    <p:custDataLst>
+      <p:tags r:id="rId1"/>
+    </p:custDataLst>
+    <p:extLst>
+      <p:ext uri="{BB962C8B-B14F-4D97-AF65-F5344CB8AC3E}">
+        <p14:creationId xmlns:p14="http://schemas.microsoft.com/office/powerpoint/2010/main" val="1863854439"/>
+      </p:ext>
+    </p:extLst>
+  </p:cSld>
+  <p:clrMapOvr>
+    <a:masterClrMapping/>
+  </p:clrMapOvr>
+</p:sld>
+</file>
+
+<file path=ppt/slides/slide7.xml><?xml version="1.0" encoding="utf-8"?>
+<p:sld xmlns:a="http://schemas.openxmlformats.org/drawingml/2006/main" xmlns:r="http://schemas.openxmlformats.org/officeDocument/2006/relationships" xmlns:p="http://schemas.openxmlformats.org/presentationml/2006/main">
+  <p:cSld>
+    <p:spTree>
+      <p:nvGrpSpPr>
+        <p:cNvPr id="1" name=""/>
+        <p:cNvGrpSpPr/>
+        <p:nvPr/>
+      </p:nvGrpSpPr>
+      <p:grpSpPr>
+        <a:xfrm>
+          <a:off x="0" y="0"/>
+          <a:ext cx="0" cy="0"/>
+          <a:chOff x="0" y="0"/>
+          <a:chExt cx="0" cy="0"/>
+        </a:xfrm>
+      </p:grpSpPr>
+      <p:sp>
+        <p:nvSpPr>
+          <p:cNvPr id="2" name="Title 1">
+            <a:extLst>
+              <a:ext uri="{FF2B5EF4-FFF2-40B4-BE49-F238E27FC236}">
+                <a16:creationId xmlns:a16="http://schemas.microsoft.com/office/drawing/2014/main" id="{EC141857-66C9-415F-B819-409BAF6639E0}"/>
+              </a:ext>
+            </a:extLst>
+          </p:cNvPr>
+          <p:cNvSpPr>
+            <a:spLocks noGrp="1"/>
+          </p:cNvSpPr>
+          <p:nvPr>
+            <p:ph type="title"/>
+          </p:nvPr>
+        </p:nvSpPr>
+        <p:spPr/>
+        <p:txBody>
+          <a:bodyPr/>
+          <a:lstStyle/>
+          <a:p>
+            <a:r>
+              <a:rPr lang="en-GB" b="1" dirty="0" err="1"/>
+              <a:t>Dapr</a:t>
+            </a:r>
+            <a:endParaRPr lang="en-GB" dirty="0"/>
+          </a:p>
+        </p:txBody>
+      </p:sp>
+      <p:sp>
+        <p:nvSpPr>
+          <p:cNvPr id="3" name="Content Placeholder 2">
+            <a:extLst>
+              <a:ext uri="{FF2B5EF4-FFF2-40B4-BE49-F238E27FC236}">
+                <a16:creationId xmlns:a16="http://schemas.microsoft.com/office/drawing/2014/main" id="{CFF694B7-EAA9-49CD-9345-D9C713EFF66A}"/>
+              </a:ext>
+            </a:extLst>
+          </p:cNvPr>
+          <p:cNvSpPr>
+            <a:spLocks noGrp="1"/>
+          </p:cNvSpPr>
+          <p:nvPr>
+            <p:ph idx="1"/>
+          </p:nvPr>
+        </p:nvSpPr>
+        <p:spPr/>
+        <p:txBody>
+          <a:bodyPr/>
+          <a:lstStyle/>
+          <a:p>
+            <a:r>
+              <a:rPr lang="en-GB" dirty="0"/>
+              <a:t>An event-driven, portable runtime for building microservices on cloud and edge.</a:t>
+            </a:r>
+          </a:p>
+          <a:p>
+            <a:r>
+              <a:rPr lang="en-GB" dirty="0"/>
+              <a:t>Powerful Building Blocks</a:t>
+            </a:r>
+          </a:p>
+          <a:p>
+            <a:r>
+              <a:rPr lang="en-GB" dirty="0"/>
+              <a:t>Open API</a:t>
+            </a:r>
+          </a:p>
+          <a:p>
+            <a:r>
+              <a:rPr lang="en-GB" dirty="0"/>
+              <a:t>Works with any programming language</a:t>
+            </a:r>
+          </a:p>
+          <a:p>
+            <a:r>
+              <a:rPr lang="en-GB" dirty="0"/>
+              <a:t>Open Source</a:t>
+            </a:r>
+          </a:p>
+        </p:txBody>
+      </p:sp>
+    </p:spTree>
+    <p:custDataLst>
+      <p:tags r:id="rId1"/>
+    </p:custDataLst>
+    <p:extLst>
+      <p:ext uri="{BB962C8B-B14F-4D97-AF65-F5344CB8AC3E}">
+        <p14:creationId xmlns:p14="http://schemas.microsoft.com/office/powerpoint/2010/main" val="773853187"/>
+      </p:ext>
+    </p:extLst>
+  </p:cSld>
+  <p:clrMapOvr>
+    <a:masterClrMapping/>
+  </p:clrMapOvr>
+</p:sld>
+</file>
+
+<file path=ppt/slides/slide8.xml><?xml version="1.0" encoding="utf-8"?>
+<p:sld xmlns:a="http://schemas.openxmlformats.org/drawingml/2006/main" xmlns:r="http://schemas.openxmlformats.org/officeDocument/2006/relationships" xmlns:p="http://schemas.openxmlformats.org/presentationml/2006/main">
+  <p:cSld>
+    <p:spTree>
+      <p:nvGrpSpPr>
+        <p:cNvPr id="1" name=""/>
+        <p:cNvGrpSpPr/>
+        <p:nvPr/>
+      </p:nvGrpSpPr>
+      <p:grpSpPr>
+        <a:xfrm>
+          <a:off x="0" y="0"/>
+          <a:ext cx="0" cy="0"/>
+          <a:chOff x="0" y="0"/>
+          <a:chExt cx="0" cy="0"/>
+        </a:xfrm>
+      </p:grpSpPr>
+      <p:sp>
+        <p:nvSpPr>
+          <p:cNvPr id="2" name="Title 1">
+            <a:extLst>
+              <a:ext uri="{FF2B5EF4-FFF2-40B4-BE49-F238E27FC236}">
+                <a16:creationId xmlns:a16="http://schemas.microsoft.com/office/drawing/2014/main" id="{345E58CE-DAFA-49B1-8F27-32D423105422}"/>
+              </a:ext>
+            </a:extLst>
+          </p:cNvPr>
+          <p:cNvSpPr>
+            <a:spLocks noGrp="1"/>
+          </p:cNvSpPr>
+          <p:nvPr>
+            <p:ph type="title"/>
+          </p:nvPr>
+        </p:nvSpPr>
+        <p:spPr/>
+        <p:txBody>
+          <a:bodyPr/>
+          <a:lstStyle/>
+          <a:p>
+            <a:r>
+              <a:rPr lang="en-GB" dirty="0" err="1"/>
+              <a:t>Dapr</a:t>
+            </a:r>
+            <a:endParaRPr lang="en-GB" dirty="0"/>
+          </a:p>
+        </p:txBody>
+      </p:sp>
+      <p:pic>
+        <p:nvPicPr>
+          <p:cNvPr id="3074" name="Picture 2">
+            <a:extLst>
+              <a:ext uri="{FF2B5EF4-FFF2-40B4-BE49-F238E27FC236}">
+                <a16:creationId xmlns:a16="http://schemas.microsoft.com/office/drawing/2014/main" id="{EE47B005-AC33-42AA-9F0F-286932D05241}"/>
+              </a:ext>
+            </a:extLst>
+          </p:cNvPr>
+          <p:cNvPicPr>
+            <a:picLocks noGrp="1" noChangeAspect="1" noChangeArrowheads="1"/>
+          </p:cNvPicPr>
+          <p:nvPr>
+            <p:ph idx="1"/>
+          </p:nvPr>
+        </p:nvPicPr>
+        <p:blipFill>
+          <a:blip r:embed="rId4">
+            <a:extLst>
+              <a:ext uri="{28A0092B-C50C-407E-A947-70E740481C1C}">
+                <a14:useLocalDpi xmlns:a14="http://schemas.microsoft.com/office/drawing/2010/main" val="0"/>
+              </a:ext>
+            </a:extLst>
+          </a:blip>
+          <a:srcRect/>
+          <a:stretch>
+            <a:fillRect/>
+          </a:stretch>
+        </p:blipFill>
+        <p:spPr bwMode="auto">
+          <a:xfrm>
+            <a:off x="1282891" y="1197821"/>
+            <a:ext cx="9450610" cy="4462358"/>
           </a:xfrm>
           <a:prstGeom prst="rect">
             <a:avLst/>
@@ -7273,17 +7891,10 @@
   <p:clrMapOvr>
     <a:masterClrMapping/>
   </p:clrMapOvr>
-  <p:timing>
-    <p:tnLst>
-      <p:par>
-        <p:cTn id="1" dur="indefinite" restart="never" nodeType="tmRoot"/>
-      </p:par>
-    </p:tnLst>
-  </p:timing>
 </p:sld>
 </file>
 
-<file path=ppt/slides/slide6.xml><?xml version="1.0" encoding="utf-8"?>
+<file path=ppt/slides/slide9.xml><?xml version="1.0" encoding="utf-8"?>
 <p:sld xmlns:a="http://schemas.openxmlformats.org/drawingml/2006/main" xmlns:r="http://schemas.openxmlformats.org/officeDocument/2006/relationships" xmlns:p="http://schemas.openxmlformats.org/presentationml/2006/main">
   <p:cSld>
     <p:spTree>
@@ -7305,122 +7916,7 @@
           <p:cNvPr id="2" name="Title 1">
             <a:extLst>
               <a:ext uri="{FF2B5EF4-FFF2-40B4-BE49-F238E27FC236}">
-                <a16:creationId xmlns:a16="http://schemas.microsoft.com/office/drawing/2014/main" xmlns="" id="{345E58CE-DAFA-49B1-8F27-32D423105422}"/>
-              </a:ext>
-            </a:extLst>
-          </p:cNvPr>
-          <p:cNvSpPr>
-            <a:spLocks noGrp="1"/>
-          </p:cNvSpPr>
-          <p:nvPr>
-            <p:ph type="title"/>
-          </p:nvPr>
-        </p:nvSpPr>
-        <p:spPr/>
-        <p:txBody>
-          <a:bodyPr/>
-          <a:lstStyle/>
-          <a:p>
-            <a:r>
-              <a:rPr lang="en-GB" b="1" dirty="0"/>
-              <a:t>Sidecar architecture</a:t>
-            </a:r>
-          </a:p>
-        </p:txBody>
-      </p:sp>
-      <p:pic>
-        <p:nvPicPr>
-          <p:cNvPr id="8" name="Picture 2" descr="Dapr overview">
-            <a:extLst>
-              <a:ext uri="{FF2B5EF4-FFF2-40B4-BE49-F238E27FC236}">
-                <a16:creationId xmlns:a16="http://schemas.microsoft.com/office/drawing/2014/main" xmlns="" id="{C588EC07-4ADE-4C15-845E-BCBE3A310436}"/>
-              </a:ext>
-            </a:extLst>
-          </p:cNvPr>
-          <p:cNvPicPr>
-            <a:picLocks noChangeAspect="1" noChangeArrowheads="1"/>
-          </p:cNvPicPr>
-          <p:nvPr/>
-        </p:nvPicPr>
-        <p:blipFill>
-          <a:blip r:embed="rId4">
-            <a:extLst>
-              <a:ext uri="{28A0092B-C50C-407E-A947-70E740481C1C}">
-                <a14:useLocalDpi xmlns:a14="http://schemas.microsoft.com/office/drawing/2010/main" val="0"/>
-              </a:ext>
-            </a:extLst>
-          </a:blip>
-          <a:srcRect/>
-          <a:stretch>
-            <a:fillRect/>
-          </a:stretch>
-        </p:blipFill>
-        <p:spPr bwMode="auto">
-          <a:xfrm>
-            <a:off x="581365" y="1567543"/>
-            <a:ext cx="9784582" cy="3918857"/>
-          </a:xfrm>
-          <a:prstGeom prst="rect">
-            <a:avLst/>
-          </a:prstGeom>
-          <a:noFill/>
-          <a:extLst>
-            <a:ext uri="{909E8E84-426E-40DD-AFC4-6F175D3DCCD1}">
-              <a14:hiddenFill xmlns:a14="http://schemas.microsoft.com/office/drawing/2010/main">
-                <a:solidFill>
-                  <a:srgbClr val="FFFFFF"/>
-                </a:solidFill>
-              </a14:hiddenFill>
-            </a:ext>
-          </a:extLst>
-        </p:spPr>
-      </p:pic>
-    </p:spTree>
-    <p:custDataLst>
-      <p:tags r:id="rId1"/>
-    </p:custDataLst>
-    <p:extLst>
-      <p:ext uri="{BB962C8B-B14F-4D97-AF65-F5344CB8AC3E}">
-        <p14:creationId xmlns:p14="http://schemas.microsoft.com/office/powerpoint/2010/main" val="110594640"/>
-      </p:ext>
-    </p:extLst>
-  </p:cSld>
-  <p:clrMapOvr>
-    <a:masterClrMapping/>
-  </p:clrMapOvr>
-  <p:timing>
-    <p:tnLst>
-      <p:par>
-        <p:cTn id="1" dur="indefinite" restart="never" nodeType="tmRoot"/>
-      </p:par>
-    </p:tnLst>
-  </p:timing>
-</p:sld>
-</file>
-
-<file path=ppt/slides/slide7.xml><?xml version="1.0" encoding="utf-8"?>
-<p:sld xmlns:a="http://schemas.openxmlformats.org/drawingml/2006/main" xmlns:r="http://schemas.openxmlformats.org/officeDocument/2006/relationships" xmlns:p="http://schemas.openxmlformats.org/presentationml/2006/main">
-  <p:cSld>
-    <p:spTree>
-      <p:nvGrpSpPr>
-        <p:cNvPr id="1" name=""/>
-        <p:cNvGrpSpPr/>
-        <p:nvPr/>
-      </p:nvGrpSpPr>
-      <p:grpSpPr>
-        <a:xfrm>
-          <a:off x="0" y="0"/>
-          <a:ext cx="0" cy="0"/>
-          <a:chOff x="0" y="0"/>
-          <a:chExt cx="0" cy="0"/>
-        </a:xfrm>
-      </p:grpSpPr>
-      <p:sp>
-        <p:nvSpPr>
-          <p:cNvPr id="2" name="Title 1">
-            <a:extLst>
-              <a:ext uri="{FF2B5EF4-FFF2-40B4-BE49-F238E27FC236}">
-                <a16:creationId xmlns:a16="http://schemas.microsoft.com/office/drawing/2014/main" xmlns="" id="{345E58CE-DAFA-49B1-8F27-32D423105422}"/>
+                <a16:creationId xmlns:a16="http://schemas.microsoft.com/office/drawing/2014/main" id="{345E58CE-DAFA-49B1-8F27-32D423105422}"/>
               </a:ext>
             </a:extLst>
           </p:cNvPr>
@@ -7448,7 +7944,7 @@
           <p:cNvPr id="3076" name="Picture 4">
             <a:extLst>
               <a:ext uri="{FF2B5EF4-FFF2-40B4-BE49-F238E27FC236}">
-                <a16:creationId xmlns:a16="http://schemas.microsoft.com/office/drawing/2014/main" xmlns="" id="{645D4F23-79B0-41FD-B815-B7B2E81012DC}"/>
+                <a16:creationId xmlns:a16="http://schemas.microsoft.com/office/drawing/2014/main" id="{645D4F23-79B0-41FD-B815-B7B2E81012DC}"/>
               </a:ext>
             </a:extLst>
           </p:cNvPr>
@@ -7503,251 +7999,6 @@
   <p:clrMapOvr>
     <a:masterClrMapping/>
   </p:clrMapOvr>
-  <p:timing>
-    <p:tnLst>
-      <p:par>
-        <p:cTn id="1" dur="indefinite" restart="never" nodeType="tmRoot"/>
-      </p:par>
-    </p:tnLst>
-  </p:timing>
-</p:sld>
-</file>
-
-<file path=ppt/slides/slide8.xml><?xml version="1.0" encoding="utf-8"?>
-<p:sld xmlns:a="http://schemas.openxmlformats.org/drawingml/2006/main" xmlns:r="http://schemas.openxmlformats.org/officeDocument/2006/relationships" xmlns:p="http://schemas.openxmlformats.org/presentationml/2006/main">
-  <p:cSld>
-    <p:spTree>
-      <p:nvGrpSpPr>
-        <p:cNvPr id="1" name=""/>
-        <p:cNvGrpSpPr/>
-        <p:nvPr/>
-      </p:nvGrpSpPr>
-      <p:grpSpPr>
-        <a:xfrm>
-          <a:off x="0" y="0"/>
-          <a:ext cx="0" cy="0"/>
-          <a:chOff x="0" y="0"/>
-          <a:chExt cx="0" cy="0"/>
-        </a:xfrm>
-      </p:grpSpPr>
-      <p:sp>
-        <p:nvSpPr>
-          <p:cNvPr id="2" name="Title 1">
-            <a:extLst>
-              <a:ext uri="{FF2B5EF4-FFF2-40B4-BE49-F238E27FC236}">
-                <a16:creationId xmlns:a16="http://schemas.microsoft.com/office/drawing/2014/main" xmlns="" id="{345E58CE-DAFA-49B1-8F27-32D423105422}"/>
-              </a:ext>
-            </a:extLst>
-          </p:cNvPr>
-          <p:cNvSpPr>
-            <a:spLocks noGrp="1"/>
-          </p:cNvSpPr>
-          <p:nvPr>
-            <p:ph type="title"/>
-          </p:nvPr>
-        </p:nvSpPr>
-        <p:spPr/>
-        <p:txBody>
-          <a:bodyPr/>
-          <a:lstStyle/>
-          <a:p>
-            <a:r>
-              <a:rPr lang="en-GB" b="1" dirty="0" err="1"/>
-              <a:t>Dapr</a:t>
-            </a:r>
-            <a:r>
-              <a:rPr lang="en-GB" b="1" dirty="0"/>
-              <a:t> on a local developer machine in Standalone mode</a:t>
-            </a:r>
-          </a:p>
-        </p:txBody>
-      </p:sp>
-      <p:pic>
-        <p:nvPicPr>
-          <p:cNvPr id="5122" name="Picture 2" descr="Dapr overview">
-            <a:extLst>
-              <a:ext uri="{FF2B5EF4-FFF2-40B4-BE49-F238E27FC236}">
-                <a16:creationId xmlns:a16="http://schemas.microsoft.com/office/drawing/2014/main" xmlns="" id="{426F8996-E494-421F-BFED-D184FADA456B}"/>
-              </a:ext>
-            </a:extLst>
-          </p:cNvPr>
-          <p:cNvPicPr>
-            <a:picLocks noChangeAspect="1" noChangeArrowheads="1"/>
-          </p:cNvPicPr>
-          <p:nvPr/>
-        </p:nvPicPr>
-        <p:blipFill>
-          <a:blip r:embed="rId4">
-            <a:extLst>
-              <a:ext uri="{28A0092B-C50C-407E-A947-70E740481C1C}">
-                <a14:useLocalDpi xmlns:a14="http://schemas.microsoft.com/office/drawing/2010/main" val="0"/>
-              </a:ext>
-            </a:extLst>
-          </a:blip>
-          <a:srcRect/>
-          <a:stretch>
-            <a:fillRect/>
-          </a:stretch>
-        </p:blipFill>
-        <p:spPr bwMode="auto">
-          <a:xfrm>
-            <a:off x="1313679" y="1298053"/>
-            <a:ext cx="8814925" cy="4864909"/>
-          </a:xfrm>
-          <a:prstGeom prst="rect">
-            <a:avLst/>
-          </a:prstGeom>
-          <a:noFill/>
-          <a:extLst>
-            <a:ext uri="{909E8E84-426E-40DD-AFC4-6F175D3DCCD1}">
-              <a14:hiddenFill xmlns:a14="http://schemas.microsoft.com/office/drawing/2010/main">
-                <a:solidFill>
-                  <a:srgbClr val="FFFFFF"/>
-                </a:solidFill>
-              </a14:hiddenFill>
-            </a:ext>
-          </a:extLst>
-        </p:spPr>
-      </p:pic>
-    </p:spTree>
-    <p:custDataLst>
-      <p:tags r:id="rId1"/>
-    </p:custDataLst>
-    <p:extLst>
-      <p:ext uri="{BB962C8B-B14F-4D97-AF65-F5344CB8AC3E}">
-        <p14:creationId xmlns:p14="http://schemas.microsoft.com/office/powerpoint/2010/main" val="3512933969"/>
-      </p:ext>
-    </p:extLst>
-  </p:cSld>
-  <p:clrMapOvr>
-    <a:masterClrMapping/>
-  </p:clrMapOvr>
-  <p:timing>
-    <p:tnLst>
-      <p:par>
-        <p:cTn id="1" dur="indefinite" restart="never" nodeType="tmRoot"/>
-      </p:par>
-    </p:tnLst>
-  </p:timing>
-</p:sld>
-</file>
-
-<file path=ppt/slides/slide9.xml><?xml version="1.0" encoding="utf-8"?>
-<p:sld xmlns:a="http://schemas.openxmlformats.org/drawingml/2006/main" xmlns:r="http://schemas.openxmlformats.org/officeDocument/2006/relationships" xmlns:p="http://schemas.openxmlformats.org/presentationml/2006/main">
-  <p:cSld>
-    <p:spTree>
-      <p:nvGrpSpPr>
-        <p:cNvPr id="1" name=""/>
-        <p:cNvGrpSpPr/>
-        <p:nvPr/>
-      </p:nvGrpSpPr>
-      <p:grpSpPr>
-        <a:xfrm>
-          <a:off x="0" y="0"/>
-          <a:ext cx="0" cy="0"/>
-          <a:chOff x="0" y="0"/>
-          <a:chExt cx="0" cy="0"/>
-        </a:xfrm>
-      </p:grpSpPr>
-      <p:sp>
-        <p:nvSpPr>
-          <p:cNvPr id="2" name="Title 1">
-            <a:extLst>
-              <a:ext uri="{FF2B5EF4-FFF2-40B4-BE49-F238E27FC236}">
-                <a16:creationId xmlns:a16="http://schemas.microsoft.com/office/drawing/2014/main" xmlns="" id="{345E58CE-DAFA-49B1-8F27-32D423105422}"/>
-              </a:ext>
-            </a:extLst>
-          </p:cNvPr>
-          <p:cNvSpPr>
-            <a:spLocks noGrp="1"/>
-          </p:cNvSpPr>
-          <p:nvPr>
-            <p:ph type="title"/>
-          </p:nvPr>
-        </p:nvSpPr>
-        <p:spPr/>
-        <p:txBody>
-          <a:bodyPr/>
-          <a:lstStyle/>
-          <a:p>
-            <a:r>
-              <a:rPr lang="en-GB" b="1" dirty="0" err="1"/>
-              <a:t>Dapr</a:t>
-            </a:r>
-            <a:r>
-              <a:rPr lang="en-GB" b="1" dirty="0"/>
-              <a:t> in Kubernetes mode</a:t>
-            </a:r>
-          </a:p>
-        </p:txBody>
-      </p:sp>
-      <p:pic>
-        <p:nvPicPr>
-          <p:cNvPr id="4098" name="Picture 2" descr="Dapr overview">
-            <a:extLst>
-              <a:ext uri="{FF2B5EF4-FFF2-40B4-BE49-F238E27FC236}">
-                <a16:creationId xmlns:a16="http://schemas.microsoft.com/office/drawing/2014/main" xmlns="" id="{ED716BAF-70BA-41D4-9510-7FF776C76035}"/>
-              </a:ext>
-            </a:extLst>
-          </p:cNvPr>
-          <p:cNvPicPr>
-            <a:picLocks noChangeAspect="1" noChangeArrowheads="1"/>
-          </p:cNvPicPr>
-          <p:nvPr/>
-        </p:nvPicPr>
-        <p:blipFill>
-          <a:blip r:embed="rId4">
-            <a:extLst>
-              <a:ext uri="{28A0092B-C50C-407E-A947-70E740481C1C}">
-                <a14:useLocalDpi xmlns:a14="http://schemas.microsoft.com/office/drawing/2010/main" val="0"/>
-              </a:ext>
-            </a:extLst>
-          </a:blip>
-          <a:srcRect/>
-          <a:stretch>
-            <a:fillRect/>
-          </a:stretch>
-        </p:blipFill>
-        <p:spPr bwMode="auto">
-          <a:xfrm>
-            <a:off x="1152154" y="1167008"/>
-            <a:ext cx="9081201" cy="5125111"/>
-          </a:xfrm>
-          <a:prstGeom prst="rect">
-            <a:avLst/>
-          </a:prstGeom>
-          <a:noFill/>
-          <a:extLst>
-            <a:ext uri="{909E8E84-426E-40DD-AFC4-6F175D3DCCD1}">
-              <a14:hiddenFill xmlns:a14="http://schemas.microsoft.com/office/drawing/2010/main">
-                <a:solidFill>
-                  <a:srgbClr val="FFFFFF"/>
-                </a:solidFill>
-              </a14:hiddenFill>
-            </a:ext>
-          </a:extLst>
-        </p:spPr>
-      </p:pic>
-    </p:spTree>
-    <p:custDataLst>
-      <p:tags r:id="rId1"/>
-    </p:custDataLst>
-    <p:extLst>
-      <p:ext uri="{BB962C8B-B14F-4D97-AF65-F5344CB8AC3E}">
-        <p14:creationId xmlns:p14="http://schemas.microsoft.com/office/powerpoint/2010/main" val="3246018215"/>
-      </p:ext>
-    </p:extLst>
-  </p:cSld>
-  <p:clrMapOvr>
-    <a:masterClrMapping/>
-  </p:clrMapOvr>
-  <p:timing>
-    <p:tnLst>
-      <p:par>
-        <p:cTn id="1" dur="indefinite" restart="never" nodeType="tmRoot"/>
-      </p:par>
-    </p:tnLst>
-  </p:timing>
 </p:sld>
 </file>
 
@@ -7789,11 +8040,29 @@
 
 <file path=ppt/tags/tag15.xml><?xml version="1.0" encoding="utf-8"?>
 <p:tagLst xmlns:a="http://schemas.openxmlformats.org/drawingml/2006/main" xmlns:r="http://schemas.openxmlformats.org/officeDocument/2006/relationships" xmlns:p="http://schemas.openxmlformats.org/presentationml/2006/main">
+  <p:tag name="__MICROSOFT_TRANSLATOR_CLM_SLIDEINFO" val="{&quot;Guid&quot;:&quot;cfbb7246-a6bd-4d49-8a0e-f489067c1e4c&quot;,&quot;TimeStamp&quot;:&quot;2020-01-16T20:41:12.7883657+01:00&quot;}"/>
+</p:tagLst>
+</file>
+
+<file path=ppt/tags/tag16.xml><?xml version="1.0" encoding="utf-8"?>
+<p:tagLst xmlns:a="http://schemas.openxmlformats.org/drawingml/2006/main" xmlns:r="http://schemas.openxmlformats.org/officeDocument/2006/relationships" xmlns:p="http://schemas.openxmlformats.org/presentationml/2006/main">
+  <p:tag name="__MICROSOFT_TRANSLATOR_CLM_SLIDEINFO" val="{&quot;Guid&quot;:&quot;cfbb7246-a6bd-4d49-8a0e-f489067c1e4c&quot;,&quot;TimeStamp&quot;:&quot;2020-01-16T20:41:12.7883657+01:00&quot;}"/>
+</p:tagLst>
+</file>
+
+<file path=ppt/tags/tag17.xml><?xml version="1.0" encoding="utf-8"?>
+<p:tagLst xmlns:a="http://schemas.openxmlformats.org/drawingml/2006/main" xmlns:r="http://schemas.openxmlformats.org/officeDocument/2006/relationships" xmlns:p="http://schemas.openxmlformats.org/presentationml/2006/main">
+  <p:tag name="__MICROSOFT_TRANSLATOR_CLM_SLIDEINFO" val="{&quot;Guid&quot;:&quot;cfbb7246-a6bd-4d49-8a0e-f489067c1e4c&quot;,&quot;TimeStamp&quot;:&quot;2020-01-16T20:41:12.7883657+01:00&quot;}"/>
+</p:tagLst>
+</file>
+
+<file path=ppt/tags/tag18.xml><?xml version="1.0" encoding="utf-8"?>
+<p:tagLst xmlns:a="http://schemas.openxmlformats.org/drawingml/2006/main" xmlns:r="http://schemas.openxmlformats.org/officeDocument/2006/relationships" xmlns:p="http://schemas.openxmlformats.org/presentationml/2006/main">
   <p:tag name="__MICROSOFT_TRANSLATOR_CLM_SLIDEINFO" val="{&quot;Guid&quot;:&quot;250528d0-7947-4bcd-aa4a-558b38fc3d12&quot;,&quot;TimeStamp&quot;:&quot;2020-01-16T20:41:12.7105202+01:00&quot;}"/>
 </p:tagLst>
 </file>
 
-<file path=ppt/tags/tag16.xml><?xml version="1.0" encoding="utf-8"?>
+<file path=ppt/tags/tag19.xml><?xml version="1.0" encoding="utf-8"?>
 <p:tagLst xmlns:a="http://schemas.openxmlformats.org/drawingml/2006/main" xmlns:r="http://schemas.openxmlformats.org/officeDocument/2006/relationships" xmlns:p="http://schemas.openxmlformats.org/presentationml/2006/main">
   <p:tag name="__MICROSOFT_TRANSLATOR_CLM_SLIDEINFO" val="{&quot;Guid&quot;:&quot;250528d0-7947-4bcd-aa4a-558b38fc3d12&quot;,&quot;TimeStamp&quot;:&quot;2020-01-16T20:41:12.7105202+01:00&quot;}"/>
 </p:tagLst>
@@ -7819,25 +8088,25 @@
 
 <file path=ppt/tags/tag5.xml><?xml version="1.0" encoding="utf-8"?>
 <p:tagLst xmlns:a="http://schemas.openxmlformats.org/drawingml/2006/main" xmlns:r="http://schemas.openxmlformats.org/officeDocument/2006/relationships" xmlns:p="http://schemas.openxmlformats.org/presentationml/2006/main">
-  <p:tag name="__MICROSOFT_TRANSLATOR_CLM_SLIDEINFO" val="{&quot;Guid&quot;:&quot;cc726f99-4a94-4cca-9836-24f344c1f743&quot;,&quot;TimeStamp&quot;:&quot;2020-01-16T20:41:12.7912306+01:00&quot;}"/>
+  <p:tag name="__MICROSOFT_TRANSLATOR_CLM_SLIDEINFO" val="{&quot;Guid&quot;:&quot;56eeff3e-7afa-4b32-8ada-0a04ed07709c&quot;,&quot;TimeStamp&quot;:&quot;2020-01-16T20:41:12.7902346+01:00&quot;}"/>
 </p:tagLst>
 </file>
 
 <file path=ppt/tags/tag6.xml><?xml version="1.0" encoding="utf-8"?>
 <p:tagLst xmlns:a="http://schemas.openxmlformats.org/drawingml/2006/main" xmlns:r="http://schemas.openxmlformats.org/officeDocument/2006/relationships" xmlns:p="http://schemas.openxmlformats.org/presentationml/2006/main">
-  <p:tag name="__MICROSOFT_TRANSLATOR_CLM_SLIDEINFO" val="{&quot;Guid&quot;:&quot;cfbb7246-a6bd-4d49-8a0e-f489067c1e4c&quot;,&quot;TimeStamp&quot;:&quot;2020-01-16T20:41:12.7883657+01:00&quot;}"/>
+  <p:tag name="__MICROSOFT_TRANSLATOR_CLM_SLIDEINFO" val="{&quot;Guid&quot;:&quot;56eeff3e-7afa-4b32-8ada-0a04ed07709c&quot;,&quot;TimeStamp&quot;:&quot;2020-01-16T20:41:12.7902346+01:00&quot;}"/>
 </p:tagLst>
 </file>
 
 <file path=ppt/tags/tag7.xml><?xml version="1.0" encoding="utf-8"?>
 <p:tagLst xmlns:a="http://schemas.openxmlformats.org/drawingml/2006/main" xmlns:r="http://schemas.openxmlformats.org/officeDocument/2006/relationships" xmlns:p="http://schemas.openxmlformats.org/presentationml/2006/main">
-  <p:tag name="__MICROSOFT_TRANSLATOR_CLM_SLIDEINFO" val="{&quot;Guid&quot;:&quot;cfbb7246-a6bd-4d49-8a0e-f489067c1e4c&quot;,&quot;TimeStamp&quot;:&quot;2020-01-16T20:41:12.7883657+01:00&quot;}"/>
+  <p:tag name="__MICROSOFT_TRANSLATOR_CLM_SLIDEINFO" val="{&quot;Guid&quot;:&quot;56eeff3e-7afa-4b32-8ada-0a04ed07709c&quot;,&quot;TimeStamp&quot;:&quot;2020-01-16T20:41:12.7902346+01:00&quot;}"/>
 </p:tagLst>
 </file>
 
 <file path=ppt/tags/tag8.xml><?xml version="1.0" encoding="utf-8"?>
 <p:tagLst xmlns:a="http://schemas.openxmlformats.org/drawingml/2006/main" xmlns:r="http://schemas.openxmlformats.org/officeDocument/2006/relationships" xmlns:p="http://schemas.openxmlformats.org/presentationml/2006/main">
-  <p:tag name="__MICROSOFT_TRANSLATOR_CLM_SLIDEINFO" val="{&quot;Guid&quot;:&quot;cfbb7246-a6bd-4d49-8a0e-f489067c1e4c&quot;,&quot;TimeStamp&quot;:&quot;2020-01-16T20:41:12.7883657+01:00&quot;}"/>
+  <p:tag name="__MICROSOFT_TRANSLATOR_CLM_SLIDEINFO" val="{&quot;Guid&quot;:&quot;cc726f99-4a94-4cca-9836-24f344c1f743&quot;,&quot;TimeStamp&quot;:&quot;2020-01-16T20:41:12.7912306+01:00&quot;}"/>
 </p:tagLst>
 </file>
 

--- a/slides/Dapr.pptx
+++ b/slides/Dapr.pptx
@@ -5,32 +5,34 @@
     <p:sldMasterId id="2147483648" r:id="rId1"/>
   </p:sldMasterIdLst>
   <p:notesMasterIdLst>
-    <p:notesMasterId r:id="rId20"/>
+    <p:notesMasterId r:id="rId22"/>
   </p:notesMasterIdLst>
   <p:sldIdLst>
     <p:sldId id="256" r:id="rId2"/>
     <p:sldId id="258" r:id="rId3"/>
-    <p:sldId id="1623" r:id="rId4"/>
-    <p:sldId id="1644" r:id="rId5"/>
-    <p:sldId id="1645" r:id="rId6"/>
-    <p:sldId id="1643" r:id="rId7"/>
-    <p:sldId id="293" r:id="rId8"/>
-    <p:sldId id="1611" r:id="rId9"/>
-    <p:sldId id="1633" r:id="rId10"/>
-    <p:sldId id="1634" r:id="rId11"/>
-    <p:sldId id="1635" r:id="rId12"/>
-    <p:sldId id="1646" r:id="rId13"/>
-    <p:sldId id="1637" r:id="rId14"/>
-    <p:sldId id="1638" r:id="rId15"/>
-    <p:sldId id="1639" r:id="rId16"/>
-    <p:sldId id="1636" r:id="rId17"/>
-    <p:sldId id="1642" r:id="rId18"/>
-    <p:sldId id="1641" r:id="rId19"/>
+    <p:sldId id="1647" r:id="rId4"/>
+    <p:sldId id="1623" r:id="rId5"/>
+    <p:sldId id="1644" r:id="rId6"/>
+    <p:sldId id="1645" r:id="rId7"/>
+    <p:sldId id="1643" r:id="rId8"/>
+    <p:sldId id="293" r:id="rId9"/>
+    <p:sldId id="1611" r:id="rId10"/>
+    <p:sldId id="1633" r:id="rId11"/>
+    <p:sldId id="1634" r:id="rId12"/>
+    <p:sldId id="1635" r:id="rId13"/>
+    <p:sldId id="1646" r:id="rId14"/>
+    <p:sldId id="1637" r:id="rId15"/>
+    <p:sldId id="1638" r:id="rId16"/>
+    <p:sldId id="1639" r:id="rId17"/>
+    <p:sldId id="1636" r:id="rId18"/>
+    <p:sldId id="1648" r:id="rId19"/>
+    <p:sldId id="1642" r:id="rId20"/>
+    <p:sldId id="1641" r:id="rId21"/>
   </p:sldIdLst>
   <p:sldSz cx="12192000" cy="6858000"/>
   <p:notesSz cx="6858000" cy="9144000"/>
   <p:custDataLst>
-    <p:tags r:id="rId21"/>
+    <p:tags r:id="rId23"/>
   </p:custDataLst>
   <p:defaultTextStyle>
     <a:defPPr>
@@ -134,6 +136,7 @@
           <p14:sldIdLst>
             <p14:sldId id="256"/>
             <p14:sldId id="258"/>
+            <p14:sldId id="1647"/>
             <p14:sldId id="1623"/>
             <p14:sldId id="1644"/>
             <p14:sldId id="1645"/>
@@ -148,6 +151,7 @@
             <p14:sldId id="1638"/>
             <p14:sldId id="1639"/>
             <p14:sldId id="1636"/>
+            <p14:sldId id="1648"/>
             <p14:sldId id="1642"/>
             <p14:sldId id="1641"/>
           </p14:sldIdLst>
@@ -675,7 +679,7 @@
     </p:spTree>
     <p:extLst>
       <p:ext uri="{BB962C8B-B14F-4D97-AF65-F5344CB8AC3E}">
-        <p14:creationId xmlns:p14="http://schemas.microsoft.com/office/powerpoint/2010/main" val="772525237"/>
+        <p14:creationId xmlns:p14="http://schemas.microsoft.com/office/powerpoint/2010/main" val="2443131593"/>
       </p:ext>
     </p:extLst>
   </p:cSld>
@@ -765,7 +769,7 @@
     </p:spTree>
     <p:extLst>
       <p:ext uri="{BB962C8B-B14F-4D97-AF65-F5344CB8AC3E}">
-        <p14:creationId xmlns:p14="http://schemas.microsoft.com/office/powerpoint/2010/main" val="315044629"/>
+        <p14:creationId xmlns:p14="http://schemas.microsoft.com/office/powerpoint/2010/main" val="772525237"/>
       </p:ext>
     </p:extLst>
   </p:cSld>
@@ -823,7 +827,7 @@
               <a:rPr lang="en-GB" dirty="0">
                 <a:hlinkClick r:id="rId3"/>
               </a:rPr>
-              <a:t>https://github.com/dapr/docs/blob/master/concepts/README.md</a:t>
+              <a:t>https://github.com/dapr/docs/blob/master/overview.md#running-dapr-on-a-local-developer-machine-in-standalone-mode</a:t>
             </a:r>
             <a:endParaRPr lang="es-ES" baseline="0" dirty="0"/>
           </a:p>
@@ -855,7 +859,7 @@
     </p:spTree>
     <p:extLst>
       <p:ext uri="{BB962C8B-B14F-4D97-AF65-F5344CB8AC3E}">
-        <p14:creationId xmlns:p14="http://schemas.microsoft.com/office/powerpoint/2010/main" val="3451604413"/>
+        <p14:creationId xmlns:p14="http://schemas.microsoft.com/office/powerpoint/2010/main" val="315044629"/>
       </p:ext>
     </p:extLst>
   </p:cSld>
@@ -945,7 +949,7 @@
     </p:spTree>
     <p:extLst>
       <p:ext uri="{BB962C8B-B14F-4D97-AF65-F5344CB8AC3E}">
-        <p14:creationId xmlns:p14="http://schemas.microsoft.com/office/powerpoint/2010/main" val="3806300065"/>
+        <p14:creationId xmlns:p14="http://schemas.microsoft.com/office/powerpoint/2010/main" val="3451604413"/>
       </p:ext>
     </p:extLst>
   </p:cSld>
@@ -1035,7 +1039,7 @@
     </p:spTree>
     <p:extLst>
       <p:ext uri="{BB962C8B-B14F-4D97-AF65-F5344CB8AC3E}">
-        <p14:creationId xmlns:p14="http://schemas.microsoft.com/office/powerpoint/2010/main" val="3167811937"/>
+        <p14:creationId xmlns:p14="http://schemas.microsoft.com/office/powerpoint/2010/main" val="3806300065"/>
       </p:ext>
     </p:extLst>
   </p:cSld>
@@ -1125,7 +1129,7 @@
     </p:spTree>
     <p:extLst>
       <p:ext uri="{BB962C8B-B14F-4D97-AF65-F5344CB8AC3E}">
-        <p14:creationId xmlns:p14="http://schemas.microsoft.com/office/powerpoint/2010/main" val="49950196"/>
+        <p14:creationId xmlns:p14="http://schemas.microsoft.com/office/powerpoint/2010/main" val="3167811937"/>
       </p:ext>
     </p:extLst>
   </p:cSld>
@@ -1183,7 +1187,7 @@
               <a:rPr lang="en-GB" dirty="0">
                 <a:hlinkClick r:id="rId3"/>
               </a:rPr>
-              <a:t>https://github.com/dapr/docs/blob/master/getting-started/environment-setup.md#prerequisites</a:t>
+              <a:t>https://github.com/dapr/docs/blob/master/concepts/README.md</a:t>
             </a:r>
             <a:endParaRPr lang="es-ES" baseline="0" dirty="0"/>
           </a:p>
@@ -1207,6 +1211,96 @@
             <a:fld id="{5201BD0E-354B-C440-9698-83F7F74945AC}" type="slidenum">
               <a:rPr lang="es-ES_tradnl" smtClean="0"/>
               <a:t>16</a:t>
+            </a:fld>
+            <a:endParaRPr lang="es-ES_tradnl"/>
+          </a:p>
+        </p:txBody>
+      </p:sp>
+    </p:spTree>
+    <p:extLst>
+      <p:ext uri="{BB962C8B-B14F-4D97-AF65-F5344CB8AC3E}">
+        <p14:creationId xmlns:p14="http://schemas.microsoft.com/office/powerpoint/2010/main" val="49950196"/>
+      </p:ext>
+    </p:extLst>
+  </p:cSld>
+  <p:clrMapOvr>
+    <a:masterClrMapping/>
+  </p:clrMapOvr>
+</p:notes>
+</file>
+
+<file path=ppt/notesSlides/notesSlide17.xml><?xml version="1.0" encoding="utf-8"?>
+<p:notes xmlns:a="http://schemas.openxmlformats.org/drawingml/2006/main" xmlns:r="http://schemas.openxmlformats.org/officeDocument/2006/relationships" xmlns:p="http://schemas.openxmlformats.org/presentationml/2006/main">
+  <p:cSld>
+    <p:spTree>
+      <p:nvGrpSpPr>
+        <p:cNvPr id="1" name=""/>
+        <p:cNvGrpSpPr/>
+        <p:nvPr/>
+      </p:nvGrpSpPr>
+      <p:grpSpPr>
+        <a:xfrm>
+          <a:off x="0" y="0"/>
+          <a:ext cx="0" cy="0"/>
+          <a:chOff x="0" y="0"/>
+          <a:chExt cx="0" cy="0"/>
+        </a:xfrm>
+      </p:grpSpPr>
+      <p:sp>
+        <p:nvSpPr>
+          <p:cNvPr id="2" name="Slide Image Placeholder 1"/>
+          <p:cNvSpPr>
+            <a:spLocks noGrp="1" noRot="1" noChangeAspect="1"/>
+          </p:cNvSpPr>
+          <p:nvPr>
+            <p:ph type="sldImg"/>
+          </p:nvPr>
+        </p:nvSpPr>
+        <p:spPr/>
+      </p:sp>
+      <p:sp>
+        <p:nvSpPr>
+          <p:cNvPr id="3" name="Notes Placeholder 2"/>
+          <p:cNvSpPr>
+            <a:spLocks noGrp="1"/>
+          </p:cNvSpPr>
+          <p:nvPr>
+            <p:ph type="body" idx="1"/>
+          </p:nvPr>
+        </p:nvSpPr>
+        <p:spPr/>
+        <p:txBody>
+          <a:bodyPr/>
+          <a:lstStyle/>
+          <a:p>
+            <a:r>
+              <a:rPr lang="en-GB" dirty="0">
+                <a:hlinkClick r:id="rId3"/>
+              </a:rPr>
+              <a:t>https://github.com/dapr/docs/blob/master/getting-started/environment-setup.md#prerequisites</a:t>
+            </a:r>
+            <a:endParaRPr lang="es-ES" baseline="0" dirty="0"/>
+          </a:p>
+        </p:txBody>
+      </p:sp>
+      <p:sp>
+        <p:nvSpPr>
+          <p:cNvPr id="4" name="Slide Number Placeholder 3"/>
+          <p:cNvSpPr>
+            <a:spLocks noGrp="1"/>
+          </p:cNvSpPr>
+          <p:nvPr>
+            <p:ph type="sldNum" sz="quarter" idx="10"/>
+          </p:nvPr>
+        </p:nvSpPr>
+        <p:spPr/>
+        <p:txBody>
+          <a:bodyPr/>
+          <a:lstStyle/>
+          <a:p>
+            <a:fld id="{5201BD0E-354B-C440-9698-83F7F74945AC}" type="slidenum">
+              <a:rPr lang="es-ES_tradnl" smtClean="0"/>
+              <a:t>17</a:t>
             </a:fld>
             <a:endParaRPr lang="es-ES_tradnl"/>
           </a:p>
@@ -1225,7 +1319,97 @@
 </p:notes>
 </file>
 
-<file path=ppt/notesSlides/notesSlide17.xml><?xml version="1.0" encoding="utf-8"?>
+<file path=ppt/notesSlides/notesSlide18.xml><?xml version="1.0" encoding="utf-8"?>
+<p:notes xmlns:a="http://schemas.openxmlformats.org/drawingml/2006/main" xmlns:r="http://schemas.openxmlformats.org/officeDocument/2006/relationships" xmlns:p="http://schemas.openxmlformats.org/presentationml/2006/main">
+  <p:cSld>
+    <p:spTree>
+      <p:nvGrpSpPr>
+        <p:cNvPr id="1" name=""/>
+        <p:cNvGrpSpPr/>
+        <p:nvPr/>
+      </p:nvGrpSpPr>
+      <p:grpSpPr>
+        <a:xfrm>
+          <a:off x="0" y="0"/>
+          <a:ext cx="0" cy="0"/>
+          <a:chOff x="0" y="0"/>
+          <a:chExt cx="0" cy="0"/>
+        </a:xfrm>
+      </p:grpSpPr>
+      <p:sp>
+        <p:nvSpPr>
+          <p:cNvPr id="2" name="Slide Image Placeholder 1"/>
+          <p:cNvSpPr>
+            <a:spLocks noGrp="1" noRot="1" noChangeAspect="1"/>
+          </p:cNvSpPr>
+          <p:nvPr>
+            <p:ph type="sldImg"/>
+          </p:nvPr>
+        </p:nvSpPr>
+        <p:spPr/>
+      </p:sp>
+      <p:sp>
+        <p:nvSpPr>
+          <p:cNvPr id="3" name="Notes Placeholder 2"/>
+          <p:cNvSpPr>
+            <a:spLocks noGrp="1"/>
+          </p:cNvSpPr>
+          <p:nvPr>
+            <p:ph type="body" idx="1"/>
+          </p:nvPr>
+        </p:nvSpPr>
+        <p:spPr/>
+        <p:txBody>
+          <a:bodyPr/>
+          <a:lstStyle/>
+          <a:p>
+            <a:r>
+              <a:rPr lang="en-GB" dirty="0">
+                <a:hlinkClick r:id="rId3"/>
+              </a:rPr>
+              <a:t>https://github.com/dapr/docs/blob/master/getting-started/environment-setup.md#prerequisites</a:t>
+            </a:r>
+            <a:endParaRPr lang="es-ES" baseline="0" dirty="0"/>
+          </a:p>
+        </p:txBody>
+      </p:sp>
+      <p:sp>
+        <p:nvSpPr>
+          <p:cNvPr id="4" name="Slide Number Placeholder 3"/>
+          <p:cNvSpPr>
+            <a:spLocks noGrp="1"/>
+          </p:cNvSpPr>
+          <p:nvPr>
+            <p:ph type="sldNum" sz="quarter" idx="10"/>
+          </p:nvPr>
+        </p:nvSpPr>
+        <p:spPr/>
+        <p:txBody>
+          <a:bodyPr/>
+          <a:lstStyle/>
+          <a:p>
+            <a:fld id="{5201BD0E-354B-C440-9698-83F7F74945AC}" type="slidenum">
+              <a:rPr lang="es-ES_tradnl" smtClean="0"/>
+              <a:t>18</a:t>
+            </a:fld>
+            <a:endParaRPr lang="es-ES_tradnl"/>
+          </a:p>
+        </p:txBody>
+      </p:sp>
+    </p:spTree>
+    <p:extLst>
+      <p:ext uri="{BB962C8B-B14F-4D97-AF65-F5344CB8AC3E}">
+        <p14:creationId xmlns:p14="http://schemas.microsoft.com/office/powerpoint/2010/main" val="977763252"/>
+      </p:ext>
+    </p:extLst>
+  </p:cSld>
+  <p:clrMapOvr>
+    <a:masterClrMapping/>
+  </p:clrMapOvr>
+</p:notes>
+</file>
+
+<file path=ppt/notesSlides/notesSlide19.xml><?xml version="1.0" encoding="utf-8"?>
 <p:notes xmlns:a="http://schemas.openxmlformats.org/drawingml/2006/main" xmlns:r="http://schemas.openxmlformats.org/officeDocument/2006/relationships" xmlns:p="http://schemas.openxmlformats.org/presentationml/2006/main">
   <p:cSld>
     <p:spTree>
@@ -1337,7 +1521,7 @@
                 <a:tabLst/>
                 <a:defRPr/>
               </a:pPr>
-              <a:t>17</a:t>
+              <a:t>19</a:t>
             </a:fld>
             <a:endParaRPr kumimoji="0" lang="es-ES_tradnl" sz="1200" b="0" i="0" u="none" strike="noStrike" kern="1200" cap="none" spc="0" normalizeH="0" baseline="0" noProof="0">
               <a:ln>
@@ -1369,7 +1553,98 @@
 </p:notes>
 </file>
 
-<file path=ppt/notesSlides/notesSlide18.xml><?xml version="1.0" encoding="utf-8"?>
+<file path=ppt/notesSlides/notesSlide2.xml><?xml version="1.0" encoding="utf-8"?>
+<p:notes xmlns:a="http://schemas.openxmlformats.org/drawingml/2006/main" xmlns:r="http://schemas.openxmlformats.org/officeDocument/2006/relationships" xmlns:p="http://schemas.openxmlformats.org/presentationml/2006/main">
+  <p:cSld>
+    <p:spTree>
+      <p:nvGrpSpPr>
+        <p:cNvPr id="1" name=""/>
+        <p:cNvGrpSpPr/>
+        <p:nvPr/>
+      </p:nvGrpSpPr>
+      <p:grpSpPr>
+        <a:xfrm>
+          <a:off x="0" y="0"/>
+          <a:ext cx="0" cy="0"/>
+          <a:chOff x="0" y="0"/>
+          <a:chExt cx="0" cy="0"/>
+        </a:xfrm>
+      </p:grpSpPr>
+      <p:sp>
+        <p:nvSpPr>
+          <p:cNvPr id="2" name="Slide Image Placeholder 1"/>
+          <p:cNvSpPr>
+            <a:spLocks noGrp="1" noRot="1" noChangeAspect="1"/>
+          </p:cNvSpPr>
+          <p:nvPr>
+            <p:ph type="sldImg"/>
+          </p:nvPr>
+        </p:nvSpPr>
+        <p:spPr/>
+      </p:sp>
+      <p:sp>
+        <p:nvSpPr>
+          <p:cNvPr id="3" name="Notes Placeholder 2"/>
+          <p:cNvSpPr>
+            <a:spLocks noGrp="1"/>
+          </p:cNvSpPr>
+          <p:nvPr>
+            <p:ph type="body" idx="1"/>
+          </p:nvPr>
+        </p:nvSpPr>
+        <p:spPr/>
+        <p:txBody>
+          <a:bodyPr/>
+          <a:lstStyle/>
+          <a:p>
+            <a:r>
+              <a:rPr lang="es-ES" dirty="0"/>
+              <a:t>QUE</a:t>
+            </a:r>
+            <a:r>
+              <a:rPr lang="es-ES" baseline="0" dirty="0"/>
+              <a:t> QUIERO QUE CONSIGAMOS HOY? </a:t>
+            </a:r>
+          </a:p>
+        </p:txBody>
+      </p:sp>
+      <p:sp>
+        <p:nvSpPr>
+          <p:cNvPr id="4" name="Slide Number Placeholder 3"/>
+          <p:cNvSpPr>
+            <a:spLocks noGrp="1"/>
+          </p:cNvSpPr>
+          <p:nvPr>
+            <p:ph type="sldNum" sz="quarter" idx="10"/>
+          </p:nvPr>
+        </p:nvSpPr>
+        <p:spPr/>
+        <p:txBody>
+          <a:bodyPr/>
+          <a:lstStyle/>
+          <a:p>
+            <a:fld id="{5201BD0E-354B-C440-9698-83F7F74945AC}" type="slidenum">
+              <a:rPr lang="es-ES_tradnl" smtClean="0"/>
+              <a:t>2</a:t>
+            </a:fld>
+            <a:endParaRPr lang="es-ES_tradnl"/>
+          </a:p>
+        </p:txBody>
+      </p:sp>
+    </p:spTree>
+    <p:extLst>
+      <p:ext uri="{BB962C8B-B14F-4D97-AF65-F5344CB8AC3E}">
+        <p14:creationId xmlns:p14="http://schemas.microsoft.com/office/powerpoint/2010/main" val="359893761"/>
+      </p:ext>
+    </p:extLst>
+  </p:cSld>
+  <p:clrMapOvr>
+    <a:masterClrMapping/>
+  </p:clrMapOvr>
+</p:notes>
+</file>
+
+<file path=ppt/notesSlides/notesSlide20.xml><?xml version="1.0" encoding="utf-8"?>
 <p:notes xmlns:a="http://schemas.openxmlformats.org/drawingml/2006/main" xmlns:r="http://schemas.openxmlformats.org/officeDocument/2006/relationships" xmlns:p="http://schemas.openxmlformats.org/presentationml/2006/main">
   <p:cSld>
     <p:spTree>
@@ -1481,7 +1756,7 @@
                 <a:tabLst/>
                 <a:defRPr/>
               </a:pPr>
-              <a:t>18</a:t>
+              <a:t>20</a:t>
             </a:fld>
             <a:endParaRPr kumimoji="0" lang="es-ES_tradnl" sz="1200" b="0" i="0" u="none" strike="noStrike" kern="1200" cap="none" spc="0" normalizeH="0" baseline="0" noProof="0">
               <a:ln>
@@ -1504,97 +1779,6 @@
     <p:extLst>
       <p:ext uri="{BB962C8B-B14F-4D97-AF65-F5344CB8AC3E}">
         <p14:creationId xmlns:p14="http://schemas.microsoft.com/office/powerpoint/2010/main" val="696631600"/>
-      </p:ext>
-    </p:extLst>
-  </p:cSld>
-  <p:clrMapOvr>
-    <a:masterClrMapping/>
-  </p:clrMapOvr>
-</p:notes>
-</file>
-
-<file path=ppt/notesSlides/notesSlide2.xml><?xml version="1.0" encoding="utf-8"?>
-<p:notes xmlns:a="http://schemas.openxmlformats.org/drawingml/2006/main" xmlns:r="http://schemas.openxmlformats.org/officeDocument/2006/relationships" xmlns:p="http://schemas.openxmlformats.org/presentationml/2006/main">
-  <p:cSld>
-    <p:spTree>
-      <p:nvGrpSpPr>
-        <p:cNvPr id="1" name=""/>
-        <p:cNvGrpSpPr/>
-        <p:nvPr/>
-      </p:nvGrpSpPr>
-      <p:grpSpPr>
-        <a:xfrm>
-          <a:off x="0" y="0"/>
-          <a:ext cx="0" cy="0"/>
-          <a:chOff x="0" y="0"/>
-          <a:chExt cx="0" cy="0"/>
-        </a:xfrm>
-      </p:grpSpPr>
-      <p:sp>
-        <p:nvSpPr>
-          <p:cNvPr id="2" name="Slide Image Placeholder 1"/>
-          <p:cNvSpPr>
-            <a:spLocks noGrp="1" noRot="1" noChangeAspect="1"/>
-          </p:cNvSpPr>
-          <p:nvPr>
-            <p:ph type="sldImg"/>
-          </p:nvPr>
-        </p:nvSpPr>
-        <p:spPr/>
-      </p:sp>
-      <p:sp>
-        <p:nvSpPr>
-          <p:cNvPr id="3" name="Notes Placeholder 2"/>
-          <p:cNvSpPr>
-            <a:spLocks noGrp="1"/>
-          </p:cNvSpPr>
-          <p:nvPr>
-            <p:ph type="body" idx="1"/>
-          </p:nvPr>
-        </p:nvSpPr>
-        <p:spPr/>
-        <p:txBody>
-          <a:bodyPr/>
-          <a:lstStyle/>
-          <a:p>
-            <a:r>
-              <a:rPr lang="es-ES" dirty="0"/>
-              <a:t>QUE</a:t>
-            </a:r>
-            <a:r>
-              <a:rPr lang="es-ES" baseline="0" dirty="0"/>
-              <a:t> QUIERO QUE CONSIGAMOS HOY? </a:t>
-            </a:r>
-          </a:p>
-        </p:txBody>
-      </p:sp>
-      <p:sp>
-        <p:nvSpPr>
-          <p:cNvPr id="4" name="Slide Number Placeholder 3"/>
-          <p:cNvSpPr>
-            <a:spLocks noGrp="1"/>
-          </p:cNvSpPr>
-          <p:nvPr>
-            <p:ph type="sldNum" sz="quarter" idx="10"/>
-          </p:nvPr>
-        </p:nvSpPr>
-        <p:spPr/>
-        <p:txBody>
-          <a:bodyPr/>
-          <a:lstStyle/>
-          <a:p>
-            <a:fld id="{5201BD0E-354B-C440-9698-83F7F74945AC}" type="slidenum">
-              <a:rPr lang="es-ES_tradnl" smtClean="0"/>
-              <a:t>2</a:t>
-            </a:fld>
-            <a:endParaRPr lang="es-ES_tradnl"/>
-          </a:p>
-        </p:txBody>
-      </p:sp>
-    </p:spTree>
-    <p:extLst>
-      <p:ext uri="{BB962C8B-B14F-4D97-AF65-F5344CB8AC3E}">
-        <p14:creationId xmlns:p14="http://schemas.microsoft.com/office/powerpoint/2010/main" val="359893761"/>
       </p:ext>
     </p:extLst>
   </p:cSld>
@@ -1649,57 +1833,13 @@
           <a:lstStyle/>
           <a:p>
             <a:r>
-              <a:rPr lang="en-GB" dirty="0"/>
-              <a:t>AHORA VAMOS</a:t>
-            </a:r>
-            <a:r>
-              <a:rPr lang="en-GB" baseline="0" dirty="0"/>
-              <a:t> A VER LO QUE SUCEDE EN EL MUNDILLO DE LOS PALABROS COMO MICROSERVICIOS Y CONTENEDORES. </a:t>
-            </a:r>
-          </a:p>
-          <a:p>
-            <a:endParaRPr lang="en-GB" baseline="0" dirty="0"/>
-          </a:p>
-          <a:p>
-            <a:r>
-              <a:rPr lang="en-GB" baseline="0" dirty="0"/>
-              <a:t>LAS SOLUCIONES BASADAS DIRECTAMENTE EN EL KEYVAULT SECRET MANAGER ACOPLAN DIRECTAMENTE NUESTAR APLICACION CON ESA SOLUCION Y CON AZURE</a:t>
-            </a:r>
-          </a:p>
-          <a:p>
-            <a:endParaRPr lang="en-GB" baseline="0" dirty="0"/>
-          </a:p>
-          <a:p>
-            <a:r>
-              <a:rPr lang="en-GB" baseline="0" dirty="0"/>
-              <a:t>LO QUE IMPLICA QUE NO CUMPLIMOS CON UNOS DE LOS FACTORES DE APOSTAR POR LA NEUTRALIDAD RESPECTO AL VENDOR. </a:t>
-            </a:r>
-          </a:p>
-          <a:p>
-            <a:endParaRPr lang="en-GB" baseline="0" dirty="0"/>
-          </a:p>
-          <a:p>
-            <a:r>
-              <a:rPr lang="en-GB" baseline="0" dirty="0"/>
-              <a:t>Y CREEDME MUCHOS DE MIS CLIENTES SE PREOCUPAN POR ESTO.</a:t>
-            </a:r>
-            <a:endParaRPr lang="en-GB" dirty="0">
-              <a:hlinkClick r:id="" action="ppaction://noaction"/>
-            </a:endParaRPr>
-          </a:p>
-          <a:p>
-            <a:endParaRPr lang="en-GB" dirty="0">
-              <a:hlinkClick r:id="" action="ppaction://noaction"/>
-            </a:endParaRPr>
-          </a:p>
-          <a:p>
-            <a:r>
-              <a:rPr lang="en-GB" dirty="0">
-                <a:hlinkClick r:id="" action="ppaction://noaction"/>
-              </a:rPr>
-              <a:t>https://openmicroservices.org/</a:t>
-            </a:r>
-            <a:endParaRPr lang="en-GB" dirty="0"/>
+              <a:rPr lang="es-ES" dirty="0"/>
+              <a:t>QUE</a:t>
+            </a:r>
+            <a:r>
+              <a:rPr lang="es-ES" baseline="0" dirty="0"/>
+              <a:t> QUIERO QUE CONSIGAMOS HOY? </a:t>
+            </a:r>
           </a:p>
         </p:txBody>
       </p:sp>
@@ -1710,7 +1850,7 @@
             <a:spLocks noGrp="1"/>
           </p:cNvSpPr>
           <p:nvPr>
-            <p:ph type="sldNum" sz="quarter" idx="5"/>
+            <p:ph type="sldNum" sz="quarter" idx="10"/>
           </p:nvPr>
         </p:nvSpPr>
         <p:spPr/>
@@ -1718,18 +1858,18 @@
           <a:bodyPr/>
           <a:lstStyle/>
           <a:p>
-            <a:fld id="{1AB6DC15-436E-46C0-AF4D-477E904930C5}" type="slidenum">
-              <a:rPr lang="en-GB" smtClean="0"/>
+            <a:fld id="{5201BD0E-354B-C440-9698-83F7F74945AC}" type="slidenum">
+              <a:rPr lang="es-ES_tradnl" smtClean="0"/>
               <a:t>3</a:t>
             </a:fld>
-            <a:endParaRPr lang="en-GB"/>
+            <a:endParaRPr lang="es-ES_tradnl"/>
           </a:p>
         </p:txBody>
       </p:sp>
     </p:spTree>
     <p:extLst>
       <p:ext uri="{BB962C8B-B14F-4D97-AF65-F5344CB8AC3E}">
-        <p14:creationId xmlns:p14="http://schemas.microsoft.com/office/powerpoint/2010/main" val="1141136014"/>
+        <p14:creationId xmlns:p14="http://schemas.microsoft.com/office/powerpoint/2010/main" val="2137743525"/>
       </p:ext>
     </p:extLst>
   </p:cSld>
@@ -1864,7 +2004,7 @@
     </p:spTree>
     <p:extLst>
       <p:ext uri="{BB962C8B-B14F-4D97-AF65-F5344CB8AC3E}">
-        <p14:creationId xmlns:p14="http://schemas.microsoft.com/office/powerpoint/2010/main" val="2480619968"/>
+        <p14:creationId xmlns:p14="http://schemas.microsoft.com/office/powerpoint/2010/main" val="1141136014"/>
       </p:ext>
     </p:extLst>
   </p:cSld>
@@ -1999,7 +2139,7 @@
     </p:spTree>
     <p:extLst>
       <p:ext uri="{BB962C8B-B14F-4D97-AF65-F5344CB8AC3E}">
-        <p14:creationId xmlns:p14="http://schemas.microsoft.com/office/powerpoint/2010/main" val="100842094"/>
+        <p14:creationId xmlns:p14="http://schemas.microsoft.com/office/powerpoint/2010/main" val="2480619968"/>
       </p:ext>
     </p:extLst>
   </p:cSld>
@@ -2134,7 +2274,7 @@
     </p:spTree>
     <p:extLst>
       <p:ext uri="{BB962C8B-B14F-4D97-AF65-F5344CB8AC3E}">
-        <p14:creationId xmlns:p14="http://schemas.microsoft.com/office/powerpoint/2010/main" val="1431983015"/>
+        <p14:creationId xmlns:p14="http://schemas.microsoft.com/office/powerpoint/2010/main" val="100842094"/>
       </p:ext>
     </p:extLst>
   </p:cSld>
@@ -2188,7 +2328,58 @@
           <a:bodyPr/>
           <a:lstStyle/>
           <a:p>
-            <a:endParaRPr lang="es-ES" dirty="0"/>
+            <a:r>
+              <a:rPr lang="en-GB" dirty="0"/>
+              <a:t>AHORA VAMOS</a:t>
+            </a:r>
+            <a:r>
+              <a:rPr lang="en-GB" baseline="0" dirty="0"/>
+              <a:t> A VER LO QUE SUCEDE EN EL MUNDILLO DE LOS PALABROS COMO MICROSERVICIOS Y CONTENEDORES. </a:t>
+            </a:r>
+          </a:p>
+          <a:p>
+            <a:endParaRPr lang="en-GB" baseline="0" dirty="0"/>
+          </a:p>
+          <a:p>
+            <a:r>
+              <a:rPr lang="en-GB" baseline="0" dirty="0"/>
+              <a:t>LAS SOLUCIONES BASADAS DIRECTAMENTE EN EL KEYVAULT SECRET MANAGER ACOPLAN DIRECTAMENTE NUESTAR APLICACION CON ESA SOLUCION Y CON AZURE</a:t>
+            </a:r>
+          </a:p>
+          <a:p>
+            <a:endParaRPr lang="en-GB" baseline="0" dirty="0"/>
+          </a:p>
+          <a:p>
+            <a:r>
+              <a:rPr lang="en-GB" baseline="0" dirty="0"/>
+              <a:t>LO QUE IMPLICA QUE NO CUMPLIMOS CON UNOS DE LOS FACTORES DE APOSTAR POR LA NEUTRALIDAD RESPECTO AL VENDOR. </a:t>
+            </a:r>
+          </a:p>
+          <a:p>
+            <a:endParaRPr lang="en-GB" baseline="0" dirty="0"/>
+          </a:p>
+          <a:p>
+            <a:r>
+              <a:rPr lang="en-GB" baseline="0" dirty="0"/>
+              <a:t>Y CREEDME MUCHOS DE MIS CLIENTES SE PREOCUPAN POR ESTO.</a:t>
+            </a:r>
+            <a:endParaRPr lang="en-GB" dirty="0">
+              <a:hlinkClick r:id="" action="ppaction://noaction"/>
+            </a:endParaRPr>
+          </a:p>
+          <a:p>
+            <a:endParaRPr lang="en-GB" dirty="0">
+              <a:hlinkClick r:id="" action="ppaction://noaction"/>
+            </a:endParaRPr>
+          </a:p>
+          <a:p>
+            <a:r>
+              <a:rPr lang="en-GB" dirty="0">
+                <a:hlinkClick r:id="" action="ppaction://noaction"/>
+              </a:rPr>
+              <a:t>https://openmicroservices.org/</a:t>
+            </a:r>
+            <a:endParaRPr lang="en-GB" dirty="0"/>
           </a:p>
         </p:txBody>
       </p:sp>
@@ -2199,7 +2390,7 @@
             <a:spLocks noGrp="1"/>
           </p:cNvSpPr>
           <p:nvPr>
-            <p:ph type="sldNum" sz="quarter" idx="10"/>
+            <p:ph type="sldNum" sz="quarter" idx="5"/>
           </p:nvPr>
         </p:nvSpPr>
         <p:spPr/>
@@ -2207,18 +2398,18 @@
           <a:bodyPr/>
           <a:lstStyle/>
           <a:p>
-            <a:fld id="{5201BD0E-354B-C440-9698-83F7F74945AC}" type="slidenum">
-              <a:rPr lang="es-ES_tradnl" smtClean="0"/>
+            <a:fld id="{1AB6DC15-436E-46C0-AF4D-477E904930C5}" type="slidenum">
+              <a:rPr lang="en-GB" smtClean="0"/>
               <a:t>7</a:t>
             </a:fld>
-            <a:endParaRPr lang="es-ES_tradnl"/>
+            <a:endParaRPr lang="en-GB"/>
           </a:p>
         </p:txBody>
       </p:sp>
     </p:spTree>
     <p:extLst>
       <p:ext uri="{BB962C8B-B14F-4D97-AF65-F5344CB8AC3E}">
-        <p14:creationId xmlns:p14="http://schemas.microsoft.com/office/powerpoint/2010/main" val="2538567942"/>
+        <p14:creationId xmlns:p14="http://schemas.microsoft.com/office/powerpoint/2010/main" val="1431983015"/>
       </p:ext>
     </p:extLst>
   </p:cSld>
@@ -2272,13 +2463,7 @@
           <a:bodyPr/>
           <a:lstStyle/>
           <a:p>
-            <a:r>
-              <a:rPr lang="en-GB" dirty="0">
-                <a:hlinkClick r:id="rId3"/>
-              </a:rPr>
-              <a:t>https://github.com/dapr/docs/blob/master/overview.md#running-dapr-on-a-local-developer-machine-in-standalone-mode</a:t>
-            </a:r>
-            <a:endParaRPr lang="es-ES" baseline="0" dirty="0"/>
+            <a:endParaRPr lang="es-ES" dirty="0"/>
           </a:p>
         </p:txBody>
       </p:sp>
@@ -2308,7 +2493,7 @@
     </p:spTree>
     <p:extLst>
       <p:ext uri="{BB962C8B-B14F-4D97-AF65-F5344CB8AC3E}">
-        <p14:creationId xmlns:p14="http://schemas.microsoft.com/office/powerpoint/2010/main" val="797578264"/>
+        <p14:creationId xmlns:p14="http://schemas.microsoft.com/office/powerpoint/2010/main" val="2538567942"/>
       </p:ext>
     </p:extLst>
   </p:cSld>
@@ -2398,7 +2583,7 @@
     </p:spTree>
     <p:extLst>
       <p:ext uri="{BB962C8B-B14F-4D97-AF65-F5344CB8AC3E}">
-        <p14:creationId xmlns:p14="http://schemas.microsoft.com/office/powerpoint/2010/main" val="2443131593"/>
+        <p14:creationId xmlns:p14="http://schemas.microsoft.com/office/powerpoint/2010/main" val="797578264"/>
       </p:ext>
     </p:extLst>
   </p:cSld>
@@ -5498,6 +5683,114 @@
           <a:lstStyle/>
           <a:p>
             <a:r>
+              <a:rPr lang="en-GB" b="1" dirty="0"/>
+              <a:t>Sidecar architecture</a:t>
+            </a:r>
+          </a:p>
+        </p:txBody>
+      </p:sp>
+      <p:pic>
+        <p:nvPicPr>
+          <p:cNvPr id="3076" name="Picture 4">
+            <a:extLst>
+              <a:ext uri="{FF2B5EF4-FFF2-40B4-BE49-F238E27FC236}">
+                <a16:creationId xmlns:a16="http://schemas.microsoft.com/office/drawing/2014/main" id="{645D4F23-79B0-41FD-B815-B7B2E81012DC}"/>
+              </a:ext>
+            </a:extLst>
+          </p:cNvPr>
+          <p:cNvPicPr>
+            <a:picLocks noChangeAspect="1" noChangeArrowheads="1"/>
+          </p:cNvPicPr>
+          <p:nvPr/>
+        </p:nvPicPr>
+        <p:blipFill>
+          <a:blip r:embed="rId4">
+            <a:extLst>
+              <a:ext uri="{28A0092B-C50C-407E-A947-70E740481C1C}">
+                <a14:useLocalDpi xmlns:a14="http://schemas.microsoft.com/office/drawing/2010/main" val="0"/>
+              </a:ext>
+            </a:extLst>
+          </a:blip>
+          <a:srcRect/>
+          <a:stretch>
+            <a:fillRect/>
+          </a:stretch>
+        </p:blipFill>
+        <p:spPr bwMode="auto">
+          <a:xfrm>
+            <a:off x="314325" y="1232275"/>
+            <a:ext cx="10039409" cy="4416017"/>
+          </a:xfrm>
+          <a:prstGeom prst="rect">
+            <a:avLst/>
+          </a:prstGeom>
+          <a:noFill/>
+          <a:extLst>
+            <a:ext uri="{909E8E84-426E-40DD-AFC4-6F175D3DCCD1}">
+              <a14:hiddenFill xmlns:a14="http://schemas.microsoft.com/office/drawing/2010/main">
+                <a:solidFill>
+                  <a:srgbClr val="FFFFFF"/>
+                </a:solidFill>
+              </a14:hiddenFill>
+            </a:ext>
+          </a:extLst>
+        </p:spPr>
+      </p:pic>
+    </p:spTree>
+    <p:custDataLst>
+      <p:tags r:id="rId1"/>
+    </p:custDataLst>
+    <p:extLst>
+      <p:ext uri="{BB962C8B-B14F-4D97-AF65-F5344CB8AC3E}">
+        <p14:creationId xmlns:p14="http://schemas.microsoft.com/office/powerpoint/2010/main" val="2161949460"/>
+      </p:ext>
+    </p:extLst>
+  </p:cSld>
+  <p:clrMapOvr>
+    <a:masterClrMapping/>
+  </p:clrMapOvr>
+</p:sld>
+</file>
+
+<file path=ppt/slides/slide11.xml><?xml version="1.0" encoding="utf-8"?>
+<p:sld xmlns:a="http://schemas.openxmlformats.org/drawingml/2006/main" xmlns:r="http://schemas.openxmlformats.org/officeDocument/2006/relationships" xmlns:p="http://schemas.openxmlformats.org/presentationml/2006/main">
+  <p:cSld>
+    <p:spTree>
+      <p:nvGrpSpPr>
+        <p:cNvPr id="1" name=""/>
+        <p:cNvGrpSpPr/>
+        <p:nvPr/>
+      </p:nvGrpSpPr>
+      <p:grpSpPr>
+        <a:xfrm>
+          <a:off x="0" y="0"/>
+          <a:ext cx="0" cy="0"/>
+          <a:chOff x="0" y="0"/>
+          <a:chExt cx="0" cy="0"/>
+        </a:xfrm>
+      </p:grpSpPr>
+      <p:sp>
+        <p:nvSpPr>
+          <p:cNvPr id="2" name="Title 1">
+            <a:extLst>
+              <a:ext uri="{FF2B5EF4-FFF2-40B4-BE49-F238E27FC236}">
+                <a16:creationId xmlns:a16="http://schemas.microsoft.com/office/drawing/2014/main" id="{345E58CE-DAFA-49B1-8F27-32D423105422}"/>
+              </a:ext>
+            </a:extLst>
+          </p:cNvPr>
+          <p:cNvSpPr>
+            <a:spLocks noGrp="1"/>
+          </p:cNvSpPr>
+          <p:nvPr>
+            <p:ph type="title"/>
+          </p:nvPr>
+        </p:nvSpPr>
+        <p:spPr/>
+        <p:txBody>
+          <a:bodyPr/>
+          <a:lstStyle/>
+          <a:p>
+            <a:r>
               <a:rPr lang="en-GB" b="1" dirty="0" err="1"/>
               <a:t>Dapr</a:t>
             </a:r>
@@ -5571,7 +5864,7 @@
 </p:sld>
 </file>
 
-<file path=ppt/slides/slide11.xml><?xml version="1.0" encoding="utf-8"?>
+<file path=ppt/slides/slide12.xml><?xml version="1.0" encoding="utf-8"?>
 <p:sld xmlns:a="http://schemas.openxmlformats.org/drawingml/2006/main" xmlns:r="http://schemas.openxmlformats.org/officeDocument/2006/relationships" xmlns:p="http://schemas.openxmlformats.org/presentationml/2006/main">
   <p:cSld>
     <p:spTree>
@@ -5683,7 +5976,7 @@
 </p:sld>
 </file>
 
-<file path=ppt/slides/slide12.xml><?xml version="1.0" encoding="utf-8"?>
+<file path=ppt/slides/slide13.xml><?xml version="1.0" encoding="utf-8"?>
 <p:sld xmlns:a="http://schemas.openxmlformats.org/drawingml/2006/main" xmlns:r="http://schemas.openxmlformats.org/officeDocument/2006/relationships" xmlns:p="http://schemas.openxmlformats.org/presentationml/2006/main">
   <p:cSld>
     <p:spTree>
@@ -5798,7 +6091,7 @@
 </p:sld>
 </file>
 
-<file path=ppt/slides/slide13.xml><?xml version="1.0" encoding="utf-8"?>
+<file path=ppt/slides/slide14.xml><?xml version="1.0" encoding="utf-8"?>
 <p:sld xmlns:a="http://schemas.openxmlformats.org/drawingml/2006/main" xmlns:r="http://schemas.openxmlformats.org/officeDocument/2006/relationships" xmlns:p="http://schemas.openxmlformats.org/presentationml/2006/main">
   <p:cSld>
     <p:spTree>
@@ -5910,168 +6203,6 @@
 </p:sld>
 </file>
 
-<file path=ppt/slides/slide14.xml><?xml version="1.0" encoding="utf-8"?>
-<p:sld xmlns:a="http://schemas.openxmlformats.org/drawingml/2006/main" xmlns:r="http://schemas.openxmlformats.org/officeDocument/2006/relationships" xmlns:p="http://schemas.openxmlformats.org/presentationml/2006/main">
-  <p:cSld>
-    <p:spTree>
-      <p:nvGrpSpPr>
-        <p:cNvPr id="1" name=""/>
-        <p:cNvGrpSpPr/>
-        <p:nvPr/>
-      </p:nvGrpSpPr>
-      <p:grpSpPr>
-        <a:xfrm>
-          <a:off x="0" y="0"/>
-          <a:ext cx="0" cy="0"/>
-          <a:chOff x="0" y="0"/>
-          <a:chExt cx="0" cy="0"/>
-        </a:xfrm>
-      </p:grpSpPr>
-      <p:sp>
-        <p:nvSpPr>
-          <p:cNvPr id="2" name="Title 1">
-            <a:extLst>
-              <a:ext uri="{FF2B5EF4-FFF2-40B4-BE49-F238E27FC236}">
-                <a16:creationId xmlns:a16="http://schemas.microsoft.com/office/drawing/2014/main" id="{345E58CE-DAFA-49B1-8F27-32D423105422}"/>
-              </a:ext>
-            </a:extLst>
-          </p:cNvPr>
-          <p:cNvSpPr>
-            <a:spLocks noGrp="1"/>
-          </p:cNvSpPr>
-          <p:nvPr>
-            <p:ph type="title"/>
-          </p:nvPr>
-        </p:nvSpPr>
-        <p:spPr/>
-        <p:txBody>
-          <a:bodyPr/>
-          <a:lstStyle/>
-          <a:p>
-            <a:r>
-              <a:rPr lang="en-GB" b="1" dirty="0" err="1"/>
-              <a:t>Dapr</a:t>
-            </a:r>
-            <a:r>
-              <a:rPr lang="en-GB" b="1" dirty="0"/>
-              <a:t> Building Blocks	</a:t>
-            </a:r>
-          </a:p>
-        </p:txBody>
-      </p:sp>
-      <p:sp>
-        <p:nvSpPr>
-          <p:cNvPr id="3" name="Content Placeholder 2">
-            <a:extLst>
-              <a:ext uri="{FF2B5EF4-FFF2-40B4-BE49-F238E27FC236}">
-                <a16:creationId xmlns:a16="http://schemas.microsoft.com/office/drawing/2014/main" id="{95716270-532A-49F9-A19D-2A391FF340F0}"/>
-              </a:ext>
-            </a:extLst>
-          </p:cNvPr>
-          <p:cNvSpPr>
-            <a:spLocks noGrp="1"/>
-          </p:cNvSpPr>
-          <p:nvPr>
-            <p:ph idx="1"/>
-          </p:nvPr>
-        </p:nvSpPr>
-        <p:spPr/>
-        <p:txBody>
-          <a:bodyPr>
-            <a:normAutofit/>
-          </a:bodyPr>
-          <a:lstStyle/>
-          <a:p>
-            <a:r>
-              <a:rPr lang="en-GB" sz="2900" b="1" dirty="0"/>
-              <a:t>Resource Bindings:</a:t>
-            </a:r>
-            <a:r>
-              <a:rPr lang="en-GB" b="1" dirty="0"/>
-              <a:t> </a:t>
-            </a:r>
-            <a:r>
-              <a:rPr lang="en-GB" dirty="0"/>
-              <a:t>a binding provides a bi-directional connection to an external cloud/on-premise service or system. </a:t>
-            </a:r>
-          </a:p>
-          <a:p>
-            <a:r>
-              <a:rPr lang="en-GB" sz="2900" b="1" dirty="0"/>
-              <a:t>Distributed Tracing: </a:t>
-            </a:r>
-            <a:r>
-              <a:rPr lang="en-GB" dirty="0"/>
-              <a:t>distributed tracing collects and aggregates trace events, metrics and performance numbers between</a:t>
-            </a:r>
-          </a:p>
-          <a:p>
-            <a:r>
-              <a:rPr lang="en-GB" sz="2900" b="1" dirty="0"/>
-              <a:t>Publish/Subscribe: </a:t>
-            </a:r>
-            <a:r>
-              <a:rPr lang="en-GB" sz="2900" dirty="0"/>
-              <a:t>Messaging Service Invocation</a:t>
-            </a:r>
-          </a:p>
-          <a:p>
-            <a:r>
-              <a:rPr lang="en-GB" b="1" dirty="0"/>
-              <a:t>Service invocation: </a:t>
-            </a:r>
-            <a:r>
-              <a:rPr lang="en-GB" dirty="0"/>
-              <a:t>http or </a:t>
-            </a:r>
-            <a:r>
-              <a:rPr lang="en-GB" dirty="0" err="1"/>
-              <a:t>gRPC</a:t>
-            </a:r>
-            <a:r>
-              <a:rPr lang="en-GB" dirty="0"/>
-              <a:t> </a:t>
-            </a:r>
-          </a:p>
-          <a:p>
-            <a:r>
-              <a:rPr lang="en-GB" sz="2900" b="1" dirty="0"/>
-              <a:t>State Management: </a:t>
-            </a:r>
-            <a:r>
-              <a:rPr lang="en-GB" dirty="0"/>
-              <a:t>key/value-based state API</a:t>
-            </a:r>
-          </a:p>
-          <a:p>
-            <a:r>
-              <a:rPr lang="en-GB" sz="2900" b="1" dirty="0"/>
-              <a:t>Actors: </a:t>
-            </a:r>
-            <a:r>
-              <a:rPr lang="en-GB" sz="2900" dirty="0"/>
-              <a:t>virtual Actor pattern </a:t>
-            </a:r>
-            <a:endParaRPr lang="en-GB" dirty="0"/>
-          </a:p>
-        </p:txBody>
-      </p:sp>
-    </p:spTree>
-    <p:custDataLst>
-      <p:tags r:id="rId1"/>
-    </p:custDataLst>
-    <p:extLst>
-      <p:ext uri="{BB962C8B-B14F-4D97-AF65-F5344CB8AC3E}">
-        <p14:creationId xmlns:p14="http://schemas.microsoft.com/office/powerpoint/2010/main" val="1635950251"/>
-      </p:ext>
-    </p:extLst>
-  </p:cSld>
-  <p:clrMapOvr>
-    <a:masterClrMapping/>
-  </p:clrMapOvr>
-</p:sld>
-</file>
-
 <file path=ppt/slides/slide15.xml><?xml version="1.0" encoding="utf-8"?>
 <p:sld xmlns:a="http://schemas.openxmlformats.org/drawingml/2006/main" xmlns:r="http://schemas.openxmlformats.org/officeDocument/2006/relationships" xmlns:p="http://schemas.openxmlformats.org/presentationml/2006/main">
   <p:cSld>
@@ -6116,7 +6247,7 @@
             </a:r>
             <a:r>
               <a:rPr lang="en-GB" b="1" dirty="0"/>
-              <a:t> Components	</a:t>
+              <a:t> Building Blocks	</a:t>
             </a:r>
           </a:p>
         </p:txBody>
@@ -6145,69 +6276,76 @@
           <a:lstStyle/>
           <a:p>
             <a:r>
+              <a:rPr lang="en-GB" sz="2900" b="1" dirty="0"/>
+              <a:t>Resource Bindings:</a:t>
+            </a:r>
+            <a:r>
+              <a:rPr lang="en-GB" b="1" dirty="0"/>
+              <a:t> </a:t>
+            </a:r>
+            <a:r>
               <a:rPr lang="en-GB" dirty="0"/>
-              <a:t>Bindings (i.e. </a:t>
+              <a:t>a binding provides a bi-directional connection to an external cloud/on-premise service or system. </a:t>
+            </a:r>
+          </a:p>
+          <a:p>
+            <a:r>
+              <a:rPr lang="en-GB" sz="2900" b="1" dirty="0"/>
+              <a:t>Distributed Tracing: </a:t>
+            </a:r>
+            <a:r>
+              <a:rPr lang="en-GB" dirty="0"/>
+              <a:t>distributed tracing collects and aggregates trace events, metrics and performance numbers between</a:t>
+            </a:r>
+          </a:p>
+          <a:p>
+            <a:r>
+              <a:rPr lang="en-GB" sz="2900" b="1" dirty="0"/>
+              <a:t>Publish/Subscribe: </a:t>
+            </a:r>
+            <a:r>
+              <a:rPr lang="en-GB" sz="2900" dirty="0"/>
+              <a:t>Messaging Service Invocation</a:t>
+            </a:r>
+          </a:p>
+          <a:p>
+            <a:r>
+              <a:rPr lang="en-GB" b="1" dirty="0"/>
+              <a:t>Service invocation: </a:t>
+            </a:r>
+            <a:r>
+              <a:rPr lang="en-GB" dirty="0"/>
+              <a:t>http or </a:t>
             </a:r>
             <a:r>
               <a:rPr lang="en-GB" dirty="0" err="1"/>
-              <a:t>twillio</a:t>
+              <a:t>gRPC</a:t>
             </a:r>
             <a:r>
               <a:rPr lang="en-GB" dirty="0"/>
-              <a:t>, </a:t>
-            </a:r>
-            <a:r>
-              <a:rPr lang="en-GB" dirty="0" err="1"/>
-              <a:t>signalr</a:t>
+              <a:t> </a:t>
+            </a:r>
+          </a:p>
+          <a:p>
+            <a:r>
+              <a:rPr lang="en-GB" sz="2900" b="1" dirty="0"/>
+              <a:t>State Management: </a:t>
             </a:r>
             <a:r>
               <a:rPr lang="en-GB" dirty="0"/>
-              <a:t>)</a:t>
-            </a:r>
-          </a:p>
-          <a:p>
-            <a:r>
-              <a:rPr lang="en-GB" dirty="0"/>
-              <a:t>Tracing exporters</a:t>
-            </a:r>
-          </a:p>
-          <a:p>
-            <a:r>
-              <a:rPr lang="en-GB" dirty="0"/>
-              <a:t>Middleware</a:t>
-            </a:r>
-          </a:p>
-          <a:p>
-            <a:r>
-              <a:rPr lang="en-GB" dirty="0"/>
-              <a:t>Pub/sub (i.e. Azure Service Bus)</a:t>
-            </a:r>
-          </a:p>
-          <a:p>
-            <a:r>
-              <a:rPr lang="en-GB" dirty="0"/>
-              <a:t>Secret store (i.e. Azure Key Vault)</a:t>
-            </a:r>
-          </a:p>
-          <a:p>
-            <a:r>
-              <a:rPr lang="en-GB" dirty="0"/>
-              <a:t>Service discovery (i.e. k8s)</a:t>
-            </a:r>
-          </a:p>
-          <a:p>
-            <a:r>
-              <a:rPr lang="en-GB" dirty="0"/>
-              <a:t>State (i.e. </a:t>
-            </a:r>
-            <a:r>
-              <a:rPr lang="en-GB" dirty="0" err="1"/>
-              <a:t>redis</a:t>
-            </a:r>
-            <a:r>
-              <a:rPr lang="en-GB" dirty="0"/>
-              <a:t>)</a:t>
-            </a:r>
+              <a:t>key/value-based state API</a:t>
+            </a:r>
+          </a:p>
+          <a:p>
+            <a:r>
+              <a:rPr lang="en-GB" sz="2900" b="1" dirty="0"/>
+              <a:t>Actors: </a:t>
+            </a:r>
+            <a:r>
+              <a:rPr lang="en-GB" sz="2900" dirty="0"/>
+              <a:t>virtual Actor pattern </a:t>
+            </a:r>
+            <a:endParaRPr lang="en-GB" dirty="0"/>
           </a:p>
         </p:txBody>
       </p:sp>
@@ -6217,7 +6355,7 @@
     </p:custDataLst>
     <p:extLst>
       <p:ext uri="{BB962C8B-B14F-4D97-AF65-F5344CB8AC3E}">
-        <p14:creationId xmlns:p14="http://schemas.microsoft.com/office/powerpoint/2010/main" val="1593881390"/>
+        <p14:creationId xmlns:p14="http://schemas.microsoft.com/office/powerpoint/2010/main" val="1635950251"/>
       </p:ext>
     </p:extLst>
   </p:cSld>
@@ -6266,14 +6404,13 @@
           <a:lstStyle/>
           <a:p>
             <a:r>
-              <a:rPr lang="en-GB" b="1" dirty="0"/>
-              <a:t>Installing </a:t>
-            </a:r>
-            <a:r>
               <a:rPr lang="en-GB" b="1" dirty="0" err="1"/>
               <a:t>Dapr</a:t>
             </a:r>
-            <a:endParaRPr lang="en-GB" b="1" dirty="0"/>
+            <a:r>
+              <a:rPr lang="en-GB" b="1" dirty="0"/>
+              <a:t> Components	</a:t>
+            </a:r>
           </a:p>
         </p:txBody>
       </p:sp>
@@ -6282,7 +6419,7 @@
           <p:cNvPr id="3" name="Content Placeholder 2">
             <a:extLst>
               <a:ext uri="{FF2B5EF4-FFF2-40B4-BE49-F238E27FC236}">
-                <a16:creationId xmlns:a16="http://schemas.microsoft.com/office/drawing/2014/main" id="{560BE56F-446E-4B89-BDC3-5F759F76E6C8}"/>
+                <a16:creationId xmlns:a16="http://schemas.microsoft.com/office/drawing/2014/main" id="{95716270-532A-49F9-A19D-2A391FF340F0}"/>
               </a:ext>
             </a:extLst>
           </p:cNvPr>
@@ -6291,6 +6428,129 @@
           </p:cNvSpPr>
           <p:nvPr>
             <p:ph idx="1"/>
+          </p:nvPr>
+        </p:nvSpPr>
+        <p:spPr/>
+        <p:txBody>
+          <a:bodyPr>
+            <a:normAutofit/>
+          </a:bodyPr>
+          <a:lstStyle/>
+          <a:p>
+            <a:r>
+              <a:rPr lang="en-GB" dirty="0"/>
+              <a:t>Bindings (i.e. </a:t>
+            </a:r>
+            <a:r>
+              <a:rPr lang="en-GB" dirty="0" err="1"/>
+              <a:t>twillio</a:t>
+            </a:r>
+            <a:r>
+              <a:rPr lang="en-GB" dirty="0"/>
+              <a:t>, </a:t>
+            </a:r>
+            <a:r>
+              <a:rPr lang="en-GB" dirty="0" err="1"/>
+              <a:t>signalr</a:t>
+            </a:r>
+            <a:r>
+              <a:rPr lang="en-GB" dirty="0"/>
+              <a:t>)</a:t>
+            </a:r>
+          </a:p>
+          <a:p>
+            <a:r>
+              <a:rPr lang="en-GB" dirty="0"/>
+              <a:t>Tracing exporters</a:t>
+            </a:r>
+          </a:p>
+          <a:p>
+            <a:r>
+              <a:rPr lang="en-GB" dirty="0"/>
+              <a:t>Middleware</a:t>
+            </a:r>
+          </a:p>
+          <a:p>
+            <a:r>
+              <a:rPr lang="en-GB" dirty="0"/>
+              <a:t>Pub/sub (i.e. Azure Service Bus)</a:t>
+            </a:r>
+          </a:p>
+          <a:p>
+            <a:r>
+              <a:rPr lang="en-GB" dirty="0"/>
+              <a:t>Secret store (i.e. Azure Key Vault)</a:t>
+            </a:r>
+          </a:p>
+          <a:p>
+            <a:r>
+              <a:rPr lang="en-GB" dirty="0"/>
+              <a:t>Service discovery (i.e. k8s)</a:t>
+            </a:r>
+          </a:p>
+          <a:p>
+            <a:r>
+              <a:rPr lang="en-GB" dirty="0"/>
+              <a:t>State (i.e. </a:t>
+            </a:r>
+            <a:r>
+              <a:rPr lang="en-GB" dirty="0" err="1"/>
+              <a:t>redis</a:t>
+            </a:r>
+            <a:r>
+              <a:rPr lang="en-GB" dirty="0"/>
+              <a:t>)</a:t>
+            </a:r>
+          </a:p>
+        </p:txBody>
+      </p:sp>
+    </p:spTree>
+    <p:custDataLst>
+      <p:tags r:id="rId1"/>
+    </p:custDataLst>
+    <p:extLst>
+      <p:ext uri="{BB962C8B-B14F-4D97-AF65-F5344CB8AC3E}">
+        <p14:creationId xmlns:p14="http://schemas.microsoft.com/office/powerpoint/2010/main" val="1593881390"/>
+      </p:ext>
+    </p:extLst>
+  </p:cSld>
+  <p:clrMapOvr>
+    <a:masterClrMapping/>
+  </p:clrMapOvr>
+</p:sld>
+</file>
+
+<file path=ppt/slides/slide17.xml><?xml version="1.0" encoding="utf-8"?>
+<p:sld xmlns:a="http://schemas.openxmlformats.org/drawingml/2006/main" xmlns:r="http://schemas.openxmlformats.org/officeDocument/2006/relationships" xmlns:p="http://schemas.openxmlformats.org/presentationml/2006/main">
+  <p:cSld>
+    <p:spTree>
+      <p:nvGrpSpPr>
+        <p:cNvPr id="1" name=""/>
+        <p:cNvGrpSpPr/>
+        <p:nvPr/>
+      </p:nvGrpSpPr>
+      <p:grpSpPr>
+        <a:xfrm>
+          <a:off x="0" y="0"/>
+          <a:ext cx="0" cy="0"/>
+          <a:chOff x="0" y="0"/>
+          <a:chExt cx="0" cy="0"/>
+        </a:xfrm>
+      </p:grpSpPr>
+      <p:sp>
+        <p:nvSpPr>
+          <p:cNvPr id="2" name="Title 1">
+            <a:extLst>
+              <a:ext uri="{FF2B5EF4-FFF2-40B4-BE49-F238E27FC236}">
+                <a16:creationId xmlns:a16="http://schemas.microsoft.com/office/drawing/2014/main" id="{345E58CE-DAFA-49B1-8F27-32D423105422}"/>
+              </a:ext>
+            </a:extLst>
+          </p:cNvPr>
+          <p:cNvSpPr>
+            <a:spLocks noGrp="1"/>
+          </p:cNvSpPr>
+          <p:nvPr>
+            <p:ph type="title"/>
           </p:nvPr>
         </p:nvSpPr>
         <p:spPr/>
@@ -6299,147 +6559,47 @@
           <a:lstStyle/>
           <a:p>
             <a:r>
-              <a:rPr lang="en-GB" dirty="0"/>
-              <a:t>Prerequisites</a:t>
-            </a:r>
-          </a:p>
-          <a:p>
-            <a:pPr lvl="1"/>
-            <a:r>
-              <a:rPr lang="en-GB" dirty="0"/>
-              <a:t>Docker</a:t>
-            </a:r>
-          </a:p>
-          <a:p>
-            <a:r>
-              <a:rPr lang="en-GB" dirty="0"/>
-              <a:t>Install CLI</a:t>
-            </a:r>
-          </a:p>
-          <a:p>
-            <a:pPr lvl="1"/>
-            <a:r>
-              <a:rPr lang="en-GB" sz="1600" b="1" i="1" dirty="0" err="1"/>
-              <a:t>Powershell</a:t>
-            </a:r>
-            <a:r>
-              <a:rPr lang="en-GB" sz="1600" b="1" i="1" dirty="0"/>
-              <a:t> -Command "</a:t>
-            </a:r>
-            <a:r>
-              <a:rPr lang="en-GB" sz="1600" b="1" i="1" dirty="0" err="1"/>
-              <a:t>iwr</a:t>
-            </a:r>
-            <a:r>
-              <a:rPr lang="en-GB" sz="1600" b="1" i="1" dirty="0"/>
-              <a:t> -</a:t>
-            </a:r>
-            <a:r>
-              <a:rPr lang="en-GB" sz="1600" b="1" i="1" dirty="0" err="1"/>
-              <a:t>useb</a:t>
-            </a:r>
-            <a:r>
-              <a:rPr lang="en-GB" sz="1600" b="1" i="1" dirty="0"/>
-              <a:t> https://raw.githubusercontent.com/dapr/cli/master/install/install.ps1 | </a:t>
-            </a:r>
-            <a:r>
-              <a:rPr lang="en-GB" sz="1600" b="1" i="1" dirty="0" err="1"/>
-              <a:t>iex</a:t>
-            </a:r>
-            <a:r>
-              <a:rPr lang="en-GB" sz="1600" b="1" i="1" dirty="0"/>
-              <a:t>“</a:t>
-            </a:r>
-          </a:p>
-          <a:p>
-            <a:r>
-              <a:rPr lang="en-GB" dirty="0"/>
-              <a:t>Installing </a:t>
-            </a:r>
-            <a:r>
-              <a:rPr lang="en-GB" dirty="0" err="1"/>
+              <a:rPr lang="en-GB" b="1" dirty="0"/>
+              <a:t>Does Carlos believe in </a:t>
+            </a:r>
+            <a:r>
+              <a:rPr lang="en-GB" b="1" dirty="0" err="1"/>
               <a:t>Dapr</a:t>
             </a:r>
-            <a:r>
-              <a:rPr lang="en-GB" dirty="0"/>
-              <a:t> in standalone mode</a:t>
-            </a:r>
-          </a:p>
-          <a:p>
-            <a:pPr lvl="1"/>
-            <a:r>
-              <a:rPr lang="en-GB" sz="1600" b="1" i="1" dirty="0" err="1"/>
-              <a:t>dapr</a:t>
-            </a:r>
-            <a:r>
-              <a:rPr lang="en-GB" sz="1600" b="1" i="1" dirty="0"/>
-              <a:t> </a:t>
-            </a:r>
-            <a:r>
-              <a:rPr lang="en-GB" sz="1600" b="1" i="1" dirty="0" err="1"/>
-              <a:t>init</a:t>
-            </a:r>
-            <a:endParaRPr lang="en-GB" sz="1600" b="1" i="1" dirty="0"/>
-          </a:p>
-          <a:p>
-            <a:pPr lvl="1"/>
-            <a:r>
-              <a:rPr lang="en-GB" sz="1600" b="1" i="1" dirty="0"/>
-              <a:t>docker </a:t>
-            </a:r>
-            <a:r>
-              <a:rPr lang="en-GB" sz="1600" b="1" i="1" dirty="0" err="1"/>
-              <a:t>ps</a:t>
-            </a:r>
-            <a:endParaRPr lang="en-GB" sz="1600" b="1" i="1" dirty="0"/>
-          </a:p>
-          <a:p>
-            <a:r>
-              <a:rPr lang="en-GB" dirty="0"/>
-              <a:t>Installing </a:t>
-            </a:r>
-            <a:r>
-              <a:rPr lang="en-GB" dirty="0" err="1"/>
-              <a:t>Dapr</a:t>
-            </a:r>
-            <a:r>
-              <a:rPr lang="en-GB" dirty="0"/>
-              <a:t> on a Kubernetes cluster</a:t>
-            </a:r>
-          </a:p>
-          <a:p>
-            <a:pPr lvl="1"/>
-            <a:r>
-              <a:rPr lang="en-GB" sz="1600" b="1" i="1" dirty="0" err="1"/>
-              <a:t>dapr</a:t>
-            </a:r>
-            <a:r>
-              <a:rPr lang="en-GB" sz="1600" b="1" i="1" dirty="0"/>
-              <a:t> </a:t>
-            </a:r>
-            <a:r>
-              <a:rPr lang="en-GB" sz="1600" b="1" i="1" dirty="0" err="1"/>
-              <a:t>init</a:t>
-            </a:r>
-            <a:r>
-              <a:rPr lang="en-GB" sz="1600" b="1" i="1" dirty="0"/>
-              <a:t> –Kubernetes</a:t>
-            </a:r>
-          </a:p>
-          <a:p>
-            <a:pPr lvl="1"/>
-            <a:r>
-              <a:rPr lang="pl-PL" sz="1600" b="1" i="1" dirty="0"/>
-              <a:t>kubectl get pods -n dapr-system -w</a:t>
-            </a:r>
-            <a:endParaRPr lang="en-GB" sz="1600" b="1" i="1" dirty="0"/>
-          </a:p>
-          <a:p>
-            <a:pPr lvl="1"/>
-            <a:endParaRPr lang="en-GB" dirty="0"/>
-          </a:p>
-        </p:txBody>
-      </p:sp>
+            <a:endParaRPr lang="en-GB" b="1" dirty="0"/>
+          </a:p>
+        </p:txBody>
+      </p:sp>
+      <p:pic>
+        <p:nvPicPr>
+          <p:cNvPr id="6" name="Picture 5">
+            <a:extLst>
+              <a:ext uri="{FF2B5EF4-FFF2-40B4-BE49-F238E27FC236}">
+                <a16:creationId xmlns:a16="http://schemas.microsoft.com/office/drawing/2014/main" id="{281E5DF4-84FB-4600-8DB2-FDE75181F5EA}"/>
+              </a:ext>
+            </a:extLst>
+          </p:cNvPr>
+          <p:cNvPicPr>
+            <a:picLocks noChangeAspect="1"/>
+          </p:cNvPicPr>
+          <p:nvPr/>
+        </p:nvPicPr>
+        <p:blipFill>
+          <a:blip r:embed="rId4"/>
+          <a:stretch>
+            <a:fillRect/>
+          </a:stretch>
+        </p:blipFill>
+        <p:spPr>
+          <a:xfrm>
+            <a:off x="968884" y="1298053"/>
+            <a:ext cx="8618633" cy="4761454"/>
+          </a:xfrm>
+          <a:prstGeom prst="rect">
+            <a:avLst/>
+          </a:prstGeom>
+        </p:spPr>
+      </p:pic>
     </p:spTree>
     <p:custDataLst>
       <p:tags r:id="rId1"/>
@@ -6456,7 +6616,236 @@
 </p:sld>
 </file>
 
-<file path=ppt/slides/slide17.xml><?xml version="1.0" encoding="utf-8"?>
+<file path=ppt/slides/slide18.xml><?xml version="1.0" encoding="utf-8"?>
+<p:sld xmlns:a="http://schemas.openxmlformats.org/drawingml/2006/main" xmlns:r="http://schemas.openxmlformats.org/officeDocument/2006/relationships" xmlns:p="http://schemas.openxmlformats.org/presentationml/2006/main">
+  <p:cSld>
+    <p:spTree>
+      <p:nvGrpSpPr>
+        <p:cNvPr id="1" name=""/>
+        <p:cNvGrpSpPr/>
+        <p:nvPr/>
+      </p:nvGrpSpPr>
+      <p:grpSpPr>
+        <a:xfrm>
+          <a:off x="0" y="0"/>
+          <a:ext cx="0" cy="0"/>
+          <a:chOff x="0" y="0"/>
+          <a:chExt cx="0" cy="0"/>
+        </a:xfrm>
+      </p:grpSpPr>
+      <p:sp>
+        <p:nvSpPr>
+          <p:cNvPr id="2" name="Title 1">
+            <a:extLst>
+              <a:ext uri="{FF2B5EF4-FFF2-40B4-BE49-F238E27FC236}">
+                <a16:creationId xmlns:a16="http://schemas.microsoft.com/office/drawing/2014/main" id="{345E58CE-DAFA-49B1-8F27-32D423105422}"/>
+              </a:ext>
+            </a:extLst>
+          </p:cNvPr>
+          <p:cNvSpPr>
+            <a:spLocks noGrp="1"/>
+          </p:cNvSpPr>
+          <p:nvPr>
+            <p:ph type="title"/>
+          </p:nvPr>
+        </p:nvSpPr>
+        <p:spPr/>
+        <p:txBody>
+          <a:bodyPr/>
+          <a:lstStyle/>
+          <a:p>
+            <a:r>
+              <a:rPr lang="en-GB" b="1" dirty="0"/>
+              <a:t>Installing </a:t>
+            </a:r>
+            <a:r>
+              <a:rPr lang="en-GB" b="1" dirty="0" err="1"/>
+              <a:t>Dapr</a:t>
+            </a:r>
+            <a:endParaRPr lang="en-GB" b="1" dirty="0"/>
+          </a:p>
+        </p:txBody>
+      </p:sp>
+      <p:sp>
+        <p:nvSpPr>
+          <p:cNvPr id="3" name="Content Placeholder 2">
+            <a:extLst>
+              <a:ext uri="{FF2B5EF4-FFF2-40B4-BE49-F238E27FC236}">
+                <a16:creationId xmlns:a16="http://schemas.microsoft.com/office/drawing/2014/main" id="{560BE56F-446E-4B89-BDC3-5F759F76E6C8}"/>
+              </a:ext>
+            </a:extLst>
+          </p:cNvPr>
+          <p:cNvSpPr>
+            <a:spLocks noGrp="1"/>
+          </p:cNvSpPr>
+          <p:nvPr>
+            <p:ph idx="1"/>
+          </p:nvPr>
+        </p:nvSpPr>
+        <p:spPr/>
+        <p:txBody>
+          <a:bodyPr/>
+          <a:lstStyle/>
+          <a:p>
+            <a:r>
+              <a:rPr lang="en-GB" dirty="0"/>
+              <a:t>Prerequisites</a:t>
+            </a:r>
+          </a:p>
+          <a:p>
+            <a:pPr lvl="1"/>
+            <a:r>
+              <a:rPr lang="en-GB" dirty="0"/>
+              <a:t>Docker</a:t>
+            </a:r>
+          </a:p>
+          <a:p>
+            <a:r>
+              <a:rPr lang="en-GB" dirty="0"/>
+              <a:t>Install CLI</a:t>
+            </a:r>
+          </a:p>
+          <a:p>
+            <a:pPr lvl="1"/>
+            <a:r>
+              <a:rPr lang="en-GB" sz="1600" b="1" i="1" dirty="0" err="1"/>
+              <a:t>Powershell</a:t>
+            </a:r>
+            <a:r>
+              <a:rPr lang="en-GB" sz="1600" b="1" i="1" dirty="0"/>
+              <a:t> -Command "</a:t>
+            </a:r>
+            <a:r>
+              <a:rPr lang="en-GB" sz="1600" b="1" i="1" dirty="0" err="1"/>
+              <a:t>iwr</a:t>
+            </a:r>
+            <a:r>
+              <a:rPr lang="en-GB" sz="1600" b="1" i="1" dirty="0"/>
+              <a:t> -</a:t>
+            </a:r>
+            <a:r>
+              <a:rPr lang="en-GB" sz="1600" b="1" i="1" dirty="0" err="1"/>
+              <a:t>useb</a:t>
+            </a:r>
+            <a:r>
+              <a:rPr lang="en-GB" sz="1600" b="1" i="1" dirty="0"/>
+              <a:t> https://raw.githubusercontent.com/dapr/cli/master/install/install.ps1 | </a:t>
+            </a:r>
+            <a:r>
+              <a:rPr lang="en-GB" sz="1600" b="1" i="1" dirty="0" err="1"/>
+              <a:t>iex</a:t>
+            </a:r>
+            <a:r>
+              <a:rPr lang="en-GB" sz="1600" b="1" i="1" dirty="0"/>
+              <a:t>“</a:t>
+            </a:r>
+          </a:p>
+          <a:p>
+            <a:r>
+              <a:rPr lang="en-GB" dirty="0"/>
+              <a:t>Installing </a:t>
+            </a:r>
+            <a:r>
+              <a:rPr lang="en-GB" dirty="0" err="1"/>
+              <a:t>Dapr</a:t>
+            </a:r>
+            <a:r>
+              <a:rPr lang="en-GB" dirty="0"/>
+              <a:t> in standalone mode</a:t>
+            </a:r>
+          </a:p>
+          <a:p>
+            <a:pPr lvl="1"/>
+            <a:r>
+              <a:rPr lang="en-GB" sz="1600" b="1" i="1" dirty="0" err="1"/>
+              <a:t>dapr</a:t>
+            </a:r>
+            <a:r>
+              <a:rPr lang="en-GB" sz="1600" b="1" i="1" dirty="0"/>
+              <a:t> </a:t>
+            </a:r>
+            <a:r>
+              <a:rPr lang="en-GB" sz="1600" b="1" i="1" dirty="0" err="1"/>
+              <a:t>init</a:t>
+            </a:r>
+            <a:endParaRPr lang="en-GB" sz="1600" b="1" i="1" dirty="0"/>
+          </a:p>
+          <a:p>
+            <a:pPr lvl="1"/>
+            <a:r>
+              <a:rPr lang="en-GB" sz="1600" b="1" i="1" dirty="0"/>
+              <a:t>docker </a:t>
+            </a:r>
+            <a:r>
+              <a:rPr lang="en-GB" sz="1600" b="1" i="1" dirty="0" err="1"/>
+              <a:t>ps</a:t>
+            </a:r>
+            <a:endParaRPr lang="en-GB" sz="1600" b="1" i="1" dirty="0"/>
+          </a:p>
+          <a:p>
+            <a:r>
+              <a:rPr lang="en-GB" dirty="0"/>
+              <a:t>Installing </a:t>
+            </a:r>
+            <a:r>
+              <a:rPr lang="en-GB" dirty="0" err="1"/>
+              <a:t>Dapr</a:t>
+            </a:r>
+            <a:r>
+              <a:rPr lang="en-GB" dirty="0"/>
+              <a:t> on a Kubernetes cluster</a:t>
+            </a:r>
+          </a:p>
+          <a:p>
+            <a:pPr lvl="1"/>
+            <a:r>
+              <a:rPr lang="en-GB" sz="1600" b="1" i="1" dirty="0" err="1"/>
+              <a:t>dapr</a:t>
+            </a:r>
+            <a:r>
+              <a:rPr lang="en-GB" sz="1600" b="1" i="1" dirty="0"/>
+              <a:t> </a:t>
+            </a:r>
+            <a:r>
+              <a:rPr lang="en-GB" sz="1600" b="1" i="1" dirty="0" err="1"/>
+              <a:t>init</a:t>
+            </a:r>
+            <a:r>
+              <a:rPr lang="en-GB" sz="1600" b="1" i="1" dirty="0"/>
+              <a:t> –Kubernetes</a:t>
+            </a:r>
+          </a:p>
+          <a:p>
+            <a:pPr lvl="1"/>
+            <a:r>
+              <a:rPr lang="pl-PL" sz="1600" b="1" i="1" dirty="0"/>
+              <a:t>kubectl get pods -n dapr-system -w</a:t>
+            </a:r>
+            <a:endParaRPr lang="en-GB" sz="1600" b="1" i="1" dirty="0"/>
+          </a:p>
+          <a:p>
+            <a:pPr lvl="1"/>
+            <a:endParaRPr lang="en-GB" dirty="0"/>
+          </a:p>
+        </p:txBody>
+      </p:sp>
+    </p:spTree>
+    <p:custDataLst>
+      <p:tags r:id="rId1"/>
+    </p:custDataLst>
+    <p:extLst>
+      <p:ext uri="{BB962C8B-B14F-4D97-AF65-F5344CB8AC3E}">
+        <p14:creationId xmlns:p14="http://schemas.microsoft.com/office/powerpoint/2010/main" val="1448748600"/>
+      </p:ext>
+    </p:extLst>
+  </p:cSld>
+  <p:clrMapOvr>
+    <a:masterClrMapping/>
+  </p:clrMapOvr>
+</p:sld>
+</file>
+
+<file path=ppt/slides/slide19.xml><?xml version="1.0" encoding="utf-8"?>
 <p:sld xmlns:a="http://schemas.openxmlformats.org/drawingml/2006/main" xmlns:r="http://schemas.openxmlformats.org/officeDocument/2006/relationships" xmlns:p="http://schemas.openxmlformats.org/presentationml/2006/main">
   <p:cSld>
     <p:bg>
@@ -6727,7 +7116,134 @@
 </p:sld>
 </file>
 
-<file path=ppt/slides/slide18.xml><?xml version="1.0" encoding="utf-8"?>
+<file path=ppt/slides/slide2.xml><?xml version="1.0" encoding="utf-8"?>
+<p:sld xmlns:a="http://schemas.openxmlformats.org/drawingml/2006/main" xmlns:r="http://schemas.openxmlformats.org/officeDocument/2006/relationships" xmlns:p="http://schemas.openxmlformats.org/presentationml/2006/main">
+  <p:cSld>
+    <p:spTree>
+      <p:nvGrpSpPr>
+        <p:cNvPr id="1" name=""/>
+        <p:cNvGrpSpPr/>
+        <p:nvPr/>
+      </p:nvGrpSpPr>
+      <p:grpSpPr>
+        <a:xfrm>
+          <a:off x="0" y="0"/>
+          <a:ext cx="0" cy="0"/>
+          <a:chOff x="0" y="0"/>
+          <a:chExt cx="0" cy="0"/>
+        </a:xfrm>
+      </p:grpSpPr>
+      <p:sp>
+        <p:nvSpPr>
+          <p:cNvPr id="2" name="Title 1">
+            <a:extLst>
+              <a:ext uri="{FF2B5EF4-FFF2-40B4-BE49-F238E27FC236}">
+                <a16:creationId xmlns:a16="http://schemas.microsoft.com/office/drawing/2014/main" id="{345E58CE-DAFA-49B1-8F27-32D423105422}"/>
+              </a:ext>
+            </a:extLst>
+          </p:cNvPr>
+          <p:cNvSpPr>
+            <a:spLocks noGrp="1"/>
+          </p:cNvSpPr>
+          <p:nvPr>
+            <p:ph type="title"/>
+          </p:nvPr>
+        </p:nvSpPr>
+        <p:spPr/>
+        <p:txBody>
+          <a:bodyPr/>
+          <a:lstStyle/>
+          <a:p>
+            <a:r>
+              <a:rPr lang="en-GB" dirty="0"/>
+              <a:t>GOALS</a:t>
+            </a:r>
+          </a:p>
+        </p:txBody>
+      </p:sp>
+      <p:sp>
+        <p:nvSpPr>
+          <p:cNvPr id="3" name="Content Placeholder 2">
+            <a:extLst>
+              <a:ext uri="{FF2B5EF4-FFF2-40B4-BE49-F238E27FC236}">
+                <a16:creationId xmlns:a16="http://schemas.microsoft.com/office/drawing/2014/main" id="{DEA89AAF-E755-4671-B97F-AE69456E4EEA}"/>
+              </a:ext>
+            </a:extLst>
+          </p:cNvPr>
+          <p:cNvSpPr>
+            <a:spLocks noGrp="1"/>
+          </p:cNvSpPr>
+          <p:nvPr>
+            <p:ph idx="1"/>
+          </p:nvPr>
+        </p:nvSpPr>
+        <p:spPr/>
+        <p:txBody>
+          <a:bodyPr>
+            <a:normAutofit/>
+          </a:bodyPr>
+          <a:lstStyle/>
+          <a:p>
+            <a:r>
+              <a:rPr lang="en-GB" dirty="0"/>
+              <a:t>Understand What is </a:t>
+            </a:r>
+            <a:r>
+              <a:rPr lang="en-GB" dirty="0" err="1"/>
+              <a:t>Dapr</a:t>
+            </a:r>
+            <a:endParaRPr lang="en-GB" dirty="0"/>
+          </a:p>
+          <a:p>
+            <a:r>
+              <a:rPr lang="en-GB" dirty="0"/>
+              <a:t>Understand how </a:t>
+            </a:r>
+            <a:r>
+              <a:rPr lang="en-GB" dirty="0" err="1"/>
+              <a:t>Dapr</a:t>
+            </a:r>
+            <a:r>
+              <a:rPr lang="en-GB" dirty="0"/>
+              <a:t> works</a:t>
+            </a:r>
+          </a:p>
+          <a:p>
+            <a:r>
+              <a:rPr lang="en-GB" dirty="0"/>
+              <a:t>Understand basic </a:t>
+            </a:r>
+            <a:r>
+              <a:rPr lang="en-GB" dirty="0" err="1"/>
+              <a:t>Dapr</a:t>
+            </a:r>
+            <a:r>
+              <a:rPr lang="en-GB" dirty="0"/>
+              <a:t> samples</a:t>
+            </a:r>
+          </a:p>
+          <a:p>
+            <a:endParaRPr lang="en-GB" dirty="0"/>
+          </a:p>
+        </p:txBody>
+      </p:sp>
+    </p:spTree>
+    <p:custDataLst>
+      <p:tags r:id="rId1"/>
+    </p:custDataLst>
+    <p:extLst>
+      <p:ext uri="{BB962C8B-B14F-4D97-AF65-F5344CB8AC3E}">
+        <p14:creationId xmlns:p14="http://schemas.microsoft.com/office/powerpoint/2010/main" val="2199524994"/>
+      </p:ext>
+    </p:extLst>
+  </p:cSld>
+  <p:clrMapOvr>
+    <a:masterClrMapping/>
+  </p:clrMapOvr>
+</p:sld>
+</file>
+
+<file path=ppt/slides/slide20.xml><?xml version="1.0" encoding="utf-8"?>
 <p:sld xmlns:a="http://schemas.openxmlformats.org/drawingml/2006/main" xmlns:r="http://schemas.openxmlformats.org/officeDocument/2006/relationships" xmlns:p="http://schemas.openxmlformats.org/presentationml/2006/main">
   <p:cSld>
     <p:bg>
@@ -7001,7 +7517,7 @@
 </p:sld>
 </file>
 
-<file path=ppt/slides/slide2.xml><?xml version="1.0" encoding="utf-8"?>
+<file path=ppt/slides/slide3.xml><?xml version="1.0" encoding="utf-8"?>
 <p:sld xmlns:a="http://schemas.openxmlformats.org/drawingml/2006/main" xmlns:r="http://schemas.openxmlformats.org/officeDocument/2006/relationships" xmlns:p="http://schemas.openxmlformats.org/presentationml/2006/main">
   <p:cSld>
     <p:spTree>
@@ -7018,6 +7534,53 @@
           <a:chExt cx="0" cy="0"/>
         </a:xfrm>
       </p:grpSpPr>
+      <p:pic>
+        <p:nvPicPr>
+          <p:cNvPr id="6146" name="Picture 2" descr="Image result for goma espuma ingles">
+            <a:extLst>
+              <a:ext uri="{FF2B5EF4-FFF2-40B4-BE49-F238E27FC236}">
+                <a16:creationId xmlns:a16="http://schemas.microsoft.com/office/drawing/2014/main" id="{85711394-42D2-4D0D-895E-58E01A228FE5}"/>
+              </a:ext>
+            </a:extLst>
+          </p:cNvPr>
+          <p:cNvPicPr>
+            <a:picLocks noChangeAspect="1" noChangeArrowheads="1"/>
+          </p:cNvPicPr>
+          <p:nvPr/>
+        </p:nvPicPr>
+        <p:blipFill>
+          <a:blip r:embed="rId4">
+            <a:extLst>
+              <a:ext uri="{28A0092B-C50C-407E-A947-70E740481C1C}">
+                <a14:useLocalDpi xmlns:a14="http://schemas.microsoft.com/office/drawing/2010/main" val="0"/>
+              </a:ext>
+            </a:extLst>
+          </a:blip>
+          <a:srcRect/>
+          <a:stretch>
+            <a:fillRect/>
+          </a:stretch>
+        </p:blipFill>
+        <p:spPr bwMode="auto">
+          <a:xfrm>
+            <a:off x="5012641" y="1027906"/>
+            <a:ext cx="7181630" cy="5379291"/>
+          </a:xfrm>
+          <a:prstGeom prst="rect">
+            <a:avLst/>
+          </a:prstGeom>
+          <a:noFill/>
+          <a:extLst>
+            <a:ext uri="{909E8E84-426E-40DD-AFC4-6F175D3DCCD1}">
+              <a14:hiddenFill xmlns:a14="http://schemas.microsoft.com/office/drawing/2010/main">
+                <a:solidFill>
+                  <a:srgbClr val="FFFFFF"/>
+                </a:solidFill>
+              </a14:hiddenFill>
+            </a:ext>
+          </a:extLst>
+        </p:spPr>
+      </p:pic>
       <p:sp>
         <p:nvSpPr>
           <p:cNvPr id="2" name="Title 1">
@@ -7041,7 +7604,7 @@
           <a:p>
             <a:r>
               <a:rPr lang="en-GB" dirty="0"/>
-              <a:t>GOALS</a:t>
+              <a:t>Repeat after me</a:t>
             </a:r>
           </a:p>
         </p:txBody>
@@ -7071,41 +7634,27 @@
           <a:p>
             <a:r>
               <a:rPr lang="en-GB" dirty="0"/>
-              <a:t>Understand What is </a:t>
-            </a:r>
+              <a:t>Git</a:t>
+            </a:r>
+          </a:p>
+          <a:p>
+            <a:r>
+              <a:rPr lang="en-GB" dirty="0"/>
+              <a:t>Kubernetes</a:t>
+            </a:r>
+          </a:p>
+          <a:p>
+            <a:r>
+              <a:rPr lang="en-GB" dirty="0"/>
+              <a:t>On-premises</a:t>
+            </a:r>
+          </a:p>
+          <a:p>
             <a:r>
               <a:rPr lang="en-GB" dirty="0" err="1"/>
               <a:t>Dapr</a:t>
             </a:r>
             <a:endParaRPr lang="en-GB" dirty="0"/>
-          </a:p>
-          <a:p>
-            <a:r>
-              <a:rPr lang="en-GB" dirty="0"/>
-              <a:t>Understand how </a:t>
-            </a:r>
-            <a:r>
-              <a:rPr lang="en-GB" dirty="0" err="1"/>
-              <a:t>Dapr</a:t>
-            </a:r>
-            <a:r>
-              <a:rPr lang="en-GB" dirty="0"/>
-              <a:t> works</a:t>
-            </a:r>
-          </a:p>
-          <a:p>
-            <a:r>
-              <a:rPr lang="en-GB" dirty="0"/>
-              <a:t>Understand basic </a:t>
-            </a:r>
-            <a:r>
-              <a:rPr lang="en-GB" dirty="0" err="1"/>
-              <a:t>Dapr</a:t>
-            </a:r>
-            <a:r>
-              <a:rPr lang="en-GB" dirty="0"/>
-              <a:t> samples</a:t>
-            </a:r>
           </a:p>
           <a:p>
             <a:endParaRPr lang="en-GB" dirty="0"/>
@@ -7118,7 +7667,7 @@
     </p:custDataLst>
     <p:extLst>
       <p:ext uri="{BB962C8B-B14F-4D97-AF65-F5344CB8AC3E}">
-        <p14:creationId xmlns:p14="http://schemas.microsoft.com/office/powerpoint/2010/main" val="2199524994"/>
+        <p14:creationId xmlns:p14="http://schemas.microsoft.com/office/powerpoint/2010/main" val="1202714776"/>
       </p:ext>
     </p:extLst>
   </p:cSld>
@@ -7128,7 +7677,7 @@
 </p:sld>
 </file>
 
-<file path=ppt/slides/slide3.xml><?xml version="1.0" encoding="utf-8"?>
+<file path=ppt/slides/slide4.xml><?xml version="1.0" encoding="utf-8"?>
 <p:sld xmlns:a="http://schemas.openxmlformats.org/drawingml/2006/main" xmlns:r="http://schemas.openxmlformats.org/officeDocument/2006/relationships" xmlns:p="http://schemas.openxmlformats.org/presentationml/2006/main">
   <p:cSld>
     <p:spTree>
@@ -7241,7 +7790,7 @@
 </p:sld>
 </file>
 
-<file path=ppt/slides/slide4.xml><?xml version="1.0" encoding="utf-8"?>
+<file path=ppt/slides/slide5.xml><?xml version="1.0" encoding="utf-8"?>
 <p:sld xmlns:a="http://schemas.openxmlformats.org/drawingml/2006/main" xmlns:r="http://schemas.openxmlformats.org/officeDocument/2006/relationships" xmlns:p="http://schemas.openxmlformats.org/presentationml/2006/main">
   <p:cSld>
     <p:spTree>
@@ -7368,7 +7917,7 @@
 </p:sld>
 </file>
 
-<file path=ppt/slides/slide5.xml><?xml version="1.0" encoding="utf-8"?>
+<file path=ppt/slides/slide6.xml><?xml version="1.0" encoding="utf-8"?>
 <p:sld xmlns:a="http://schemas.openxmlformats.org/drawingml/2006/main" xmlns:r="http://schemas.openxmlformats.org/officeDocument/2006/relationships" xmlns:p="http://schemas.openxmlformats.org/presentationml/2006/main">
   <p:cSld>
     <p:spTree>
@@ -7589,7 +8138,7 @@
 </p:sld>
 </file>
 
-<file path=ppt/slides/slide6.xml><?xml version="1.0" encoding="utf-8"?>
+<file path=ppt/slides/slide7.xml><?xml version="1.0" encoding="utf-8"?>
 <p:sld xmlns:a="http://schemas.openxmlformats.org/drawingml/2006/main" xmlns:r="http://schemas.openxmlformats.org/officeDocument/2006/relationships" xmlns:p="http://schemas.openxmlformats.org/presentationml/2006/main">
   <p:cSld>
     <p:spTree>
@@ -7669,7 +8218,7 @@
 </p:sld>
 </file>
 
-<file path=ppt/slides/slide7.xml><?xml version="1.0" encoding="utf-8"?>
+<file path=ppt/slides/slide8.xml><?xml version="1.0" encoding="utf-8"?>
 <p:sld xmlns:a="http://schemas.openxmlformats.org/drawingml/2006/main" xmlns:r="http://schemas.openxmlformats.org/officeDocument/2006/relationships" xmlns:p="http://schemas.openxmlformats.org/presentationml/2006/main">
   <p:cSld>
     <p:spTree>
@@ -7783,7 +8332,7 @@
 </p:sld>
 </file>
 
-<file path=ppt/slides/slide8.xml><?xml version="1.0" encoding="utf-8"?>
+<file path=ppt/slides/slide9.xml><?xml version="1.0" encoding="utf-8"?>
 <p:sld xmlns:a="http://schemas.openxmlformats.org/drawingml/2006/main" xmlns:r="http://schemas.openxmlformats.org/officeDocument/2006/relationships" xmlns:p="http://schemas.openxmlformats.org/presentationml/2006/main">
   <p:cSld>
     <p:spTree>
@@ -7885,114 +8434,6 @@
     <p:extLst>
       <p:ext uri="{BB962C8B-B14F-4D97-AF65-F5344CB8AC3E}">
         <p14:creationId xmlns:p14="http://schemas.microsoft.com/office/powerpoint/2010/main" val="3534149311"/>
-      </p:ext>
-    </p:extLst>
-  </p:cSld>
-  <p:clrMapOvr>
-    <a:masterClrMapping/>
-  </p:clrMapOvr>
-</p:sld>
-</file>
-
-<file path=ppt/slides/slide9.xml><?xml version="1.0" encoding="utf-8"?>
-<p:sld xmlns:a="http://schemas.openxmlformats.org/drawingml/2006/main" xmlns:r="http://schemas.openxmlformats.org/officeDocument/2006/relationships" xmlns:p="http://schemas.openxmlformats.org/presentationml/2006/main">
-  <p:cSld>
-    <p:spTree>
-      <p:nvGrpSpPr>
-        <p:cNvPr id="1" name=""/>
-        <p:cNvGrpSpPr/>
-        <p:nvPr/>
-      </p:nvGrpSpPr>
-      <p:grpSpPr>
-        <a:xfrm>
-          <a:off x="0" y="0"/>
-          <a:ext cx="0" cy="0"/>
-          <a:chOff x="0" y="0"/>
-          <a:chExt cx="0" cy="0"/>
-        </a:xfrm>
-      </p:grpSpPr>
-      <p:sp>
-        <p:nvSpPr>
-          <p:cNvPr id="2" name="Title 1">
-            <a:extLst>
-              <a:ext uri="{FF2B5EF4-FFF2-40B4-BE49-F238E27FC236}">
-                <a16:creationId xmlns:a16="http://schemas.microsoft.com/office/drawing/2014/main" id="{345E58CE-DAFA-49B1-8F27-32D423105422}"/>
-              </a:ext>
-            </a:extLst>
-          </p:cNvPr>
-          <p:cNvSpPr>
-            <a:spLocks noGrp="1"/>
-          </p:cNvSpPr>
-          <p:nvPr>
-            <p:ph type="title"/>
-          </p:nvPr>
-        </p:nvSpPr>
-        <p:spPr/>
-        <p:txBody>
-          <a:bodyPr/>
-          <a:lstStyle/>
-          <a:p>
-            <a:r>
-              <a:rPr lang="en-GB" b="1" dirty="0"/>
-              <a:t>Sidecar architecture</a:t>
-            </a:r>
-          </a:p>
-        </p:txBody>
-      </p:sp>
-      <p:pic>
-        <p:nvPicPr>
-          <p:cNvPr id="3076" name="Picture 4">
-            <a:extLst>
-              <a:ext uri="{FF2B5EF4-FFF2-40B4-BE49-F238E27FC236}">
-                <a16:creationId xmlns:a16="http://schemas.microsoft.com/office/drawing/2014/main" id="{645D4F23-79B0-41FD-B815-B7B2E81012DC}"/>
-              </a:ext>
-            </a:extLst>
-          </p:cNvPr>
-          <p:cNvPicPr>
-            <a:picLocks noChangeAspect="1" noChangeArrowheads="1"/>
-          </p:cNvPicPr>
-          <p:nvPr/>
-        </p:nvPicPr>
-        <p:blipFill>
-          <a:blip r:embed="rId4">
-            <a:extLst>
-              <a:ext uri="{28A0092B-C50C-407E-A947-70E740481C1C}">
-                <a14:useLocalDpi xmlns:a14="http://schemas.microsoft.com/office/drawing/2010/main" val="0"/>
-              </a:ext>
-            </a:extLst>
-          </a:blip>
-          <a:srcRect/>
-          <a:stretch>
-            <a:fillRect/>
-          </a:stretch>
-        </p:blipFill>
-        <p:spPr bwMode="auto">
-          <a:xfrm>
-            <a:off x="314325" y="1232275"/>
-            <a:ext cx="10039409" cy="4416017"/>
-          </a:xfrm>
-          <a:prstGeom prst="rect">
-            <a:avLst/>
-          </a:prstGeom>
-          <a:noFill/>
-          <a:extLst>
-            <a:ext uri="{909E8E84-426E-40DD-AFC4-6F175D3DCCD1}">
-              <a14:hiddenFill xmlns:a14="http://schemas.microsoft.com/office/drawing/2010/main">
-                <a:solidFill>
-                  <a:srgbClr val="FFFFFF"/>
-                </a:solidFill>
-              </a14:hiddenFill>
-            </a:ext>
-          </a:extLst>
-        </p:spPr>
-      </p:pic>
-    </p:spTree>
-    <p:custDataLst>
-      <p:tags r:id="rId1"/>
-    </p:custDataLst>
-    <p:extLst>
-      <p:ext uri="{BB962C8B-B14F-4D97-AF65-F5344CB8AC3E}">
-        <p14:creationId xmlns:p14="http://schemas.microsoft.com/office/powerpoint/2010/main" val="2161949460"/>
       </p:ext>
     </p:extLst>
   </p:cSld>
@@ -8058,17 +8499,29 @@
 
 <file path=ppt/tags/tag18.xml><?xml version="1.0" encoding="utf-8"?>
 <p:tagLst xmlns:a="http://schemas.openxmlformats.org/drawingml/2006/main" xmlns:r="http://schemas.openxmlformats.org/officeDocument/2006/relationships" xmlns:p="http://schemas.openxmlformats.org/presentationml/2006/main">
-  <p:tag name="__MICROSOFT_TRANSLATOR_CLM_SLIDEINFO" val="{&quot;Guid&quot;:&quot;250528d0-7947-4bcd-aa4a-558b38fc3d12&quot;,&quot;TimeStamp&quot;:&quot;2020-01-16T20:41:12.7105202+01:00&quot;}"/>
+  <p:tag name="__MICROSOFT_TRANSLATOR_CLM_SLIDEINFO" val="{&quot;Guid&quot;:&quot;cfbb7246-a6bd-4d49-8a0e-f489067c1e4c&quot;,&quot;TimeStamp&quot;:&quot;2020-01-16T20:41:12.7883657+01:00&quot;}"/>
 </p:tagLst>
 </file>
 
 <file path=ppt/tags/tag19.xml><?xml version="1.0" encoding="utf-8"?>
 <p:tagLst xmlns:a="http://schemas.openxmlformats.org/drawingml/2006/main" xmlns:r="http://schemas.openxmlformats.org/officeDocument/2006/relationships" xmlns:p="http://schemas.openxmlformats.org/presentationml/2006/main">
+  <p:tag name="__MICROSOFT_TRANSLATOR_CLM_SLIDEINFO" val="{&quot;Guid&quot;:&quot;cfbb7246-a6bd-4d49-8a0e-f489067c1e4c&quot;,&quot;TimeStamp&quot;:&quot;2020-01-16T20:41:12.7883657+01:00&quot;}"/>
+</p:tagLst>
+</file>
+
+<file path=ppt/tags/tag2.xml><?xml version="1.0" encoding="utf-8"?>
+<p:tagLst xmlns:a="http://schemas.openxmlformats.org/drawingml/2006/main" xmlns:r="http://schemas.openxmlformats.org/officeDocument/2006/relationships" xmlns:p="http://schemas.openxmlformats.org/presentationml/2006/main">
   <p:tag name="__MICROSOFT_TRANSLATOR_CLM_SLIDEINFO" val="{&quot;Guid&quot;:&quot;250528d0-7947-4bcd-aa4a-558b38fc3d12&quot;,&quot;TimeStamp&quot;:&quot;2020-01-16T20:41:12.7105202+01:00&quot;}"/>
 </p:tagLst>
 </file>
 
-<file path=ppt/tags/tag2.xml><?xml version="1.0" encoding="utf-8"?>
+<file path=ppt/tags/tag20.xml><?xml version="1.0" encoding="utf-8"?>
+<p:tagLst xmlns:a="http://schemas.openxmlformats.org/drawingml/2006/main" xmlns:r="http://schemas.openxmlformats.org/officeDocument/2006/relationships" xmlns:p="http://schemas.openxmlformats.org/presentationml/2006/main">
+  <p:tag name="__MICROSOFT_TRANSLATOR_CLM_SLIDEINFO" val="{&quot;Guid&quot;:&quot;250528d0-7947-4bcd-aa4a-558b38fc3d12&quot;,&quot;TimeStamp&quot;:&quot;2020-01-16T20:41:12.7105202+01:00&quot;}"/>
+</p:tagLst>
+</file>
+
+<file path=ppt/tags/tag21.xml><?xml version="1.0" encoding="utf-8"?>
 <p:tagLst xmlns:a="http://schemas.openxmlformats.org/drawingml/2006/main" xmlns:r="http://schemas.openxmlformats.org/officeDocument/2006/relationships" xmlns:p="http://schemas.openxmlformats.org/presentationml/2006/main">
   <p:tag name="__MICROSOFT_TRANSLATOR_CLM_SLIDEINFO" val="{&quot;Guid&quot;:&quot;250528d0-7947-4bcd-aa4a-558b38fc3d12&quot;,&quot;TimeStamp&quot;:&quot;2020-01-16T20:41:12.7105202+01:00&quot;}"/>
 </p:tagLst>
@@ -8082,7 +8535,7 @@
 
 <file path=ppt/tags/tag4.xml><?xml version="1.0" encoding="utf-8"?>
 <p:tagLst xmlns:a="http://schemas.openxmlformats.org/drawingml/2006/main" xmlns:r="http://schemas.openxmlformats.org/officeDocument/2006/relationships" xmlns:p="http://schemas.openxmlformats.org/presentationml/2006/main">
-  <p:tag name="__MICROSOFT_TRANSLATOR_CLM_SLIDEINFO" val="{&quot;Guid&quot;:&quot;56eeff3e-7afa-4b32-8ada-0a04ed07709c&quot;,&quot;TimeStamp&quot;:&quot;2020-01-16T20:41:12.7902346+01:00&quot;}"/>
+  <p:tag name="__MICROSOFT_TRANSLATOR_CLM_SLIDEINFO" val="{&quot;Guid&quot;:&quot;cfbb7246-a6bd-4d49-8a0e-f489067c1e4c&quot;,&quot;TimeStamp&quot;:&quot;2020-01-16T20:41:12.7883657+01:00&quot;}"/>
 </p:tagLst>
 </file>
 
@@ -8106,13 +8559,13 @@
 
 <file path=ppt/tags/tag8.xml><?xml version="1.0" encoding="utf-8"?>
 <p:tagLst xmlns:a="http://schemas.openxmlformats.org/drawingml/2006/main" xmlns:r="http://schemas.openxmlformats.org/officeDocument/2006/relationships" xmlns:p="http://schemas.openxmlformats.org/presentationml/2006/main">
-  <p:tag name="__MICROSOFT_TRANSLATOR_CLM_SLIDEINFO" val="{&quot;Guid&quot;:&quot;cc726f99-4a94-4cca-9836-24f344c1f743&quot;,&quot;TimeStamp&quot;:&quot;2020-01-16T20:41:12.7912306+01:00&quot;}"/>
+  <p:tag name="__MICROSOFT_TRANSLATOR_CLM_SLIDEINFO" val="{&quot;Guid&quot;:&quot;56eeff3e-7afa-4b32-8ada-0a04ed07709c&quot;,&quot;TimeStamp&quot;:&quot;2020-01-16T20:41:12.7902346+01:00&quot;}"/>
 </p:tagLst>
 </file>
 
 <file path=ppt/tags/tag9.xml><?xml version="1.0" encoding="utf-8"?>
 <p:tagLst xmlns:a="http://schemas.openxmlformats.org/drawingml/2006/main" xmlns:r="http://schemas.openxmlformats.org/officeDocument/2006/relationships" xmlns:p="http://schemas.openxmlformats.org/presentationml/2006/main">
-  <p:tag name="__MICROSOFT_TRANSLATOR_CLM_SLIDEINFO" val="{&quot;Guid&quot;:&quot;cfbb7246-a6bd-4d49-8a0e-f489067c1e4c&quot;,&quot;TimeStamp&quot;:&quot;2020-01-16T20:41:12.7883657+01:00&quot;}"/>
+  <p:tag name="__MICROSOFT_TRANSLATOR_CLM_SLIDEINFO" val="{&quot;Guid&quot;:&quot;cc726f99-4a94-4cca-9836-24f344c1f743&quot;,&quot;TimeStamp&quot;:&quot;2020-01-16T20:41:12.7912306+01:00&quot;}"/>
 </p:tagLst>
 </file>
 

--- a/slides/Dapr.pptx
+++ b/slides/Dapr.pptx
@@ -247,7 +247,7 @@
           <a:p>
             <a:fld id="{939FF663-7E36-284F-93AD-25D19950C905}" type="datetimeFigureOut">
               <a:rPr lang="es-ES_tradnl" smtClean="0"/>
-              <a:t>27/02/2020</a:t>
+              <a:t>28/02/2020</a:t>
             </a:fld>
             <a:endParaRPr lang="es-ES_tradnl"/>
           </a:p>
@@ -2740,7 +2740,7 @@
           <a:p>
             <a:fld id="{884406F1-D55D-4EF3-B6E5-F254E6012FCC}" type="datetimeFigureOut">
               <a:rPr lang="es-ES" smtClean="0"/>
-              <a:t>27/02/2020</a:t>
+              <a:t>28/02/2020</a:t>
             </a:fld>
             <a:endParaRPr lang="es-ES"/>
           </a:p>
@@ -2970,7 +2970,7 @@
             <a:fld id="{DC76426A-DF8C-4B33-AC87-8CA5E8B7F10A}" type="datetimeFigureOut">
               <a:rPr lang="es-ES" smtClean="0"/>
               <a:pPr/>
-              <a:t>27/02/2020</a:t>
+              <a:t>28/02/2020</a:t>
             </a:fld>
             <a:endParaRPr lang="es-ES" dirty="0"/>
           </a:p>
@@ -3391,7 +3391,7 @@
             <a:fld id="{DC76426A-DF8C-4B33-AC87-8CA5E8B7F10A}" type="datetimeFigureOut">
               <a:rPr lang="es-ES" smtClean="0"/>
               <a:pPr/>
-              <a:t>27/02/2020</a:t>
+              <a:t>28/02/2020</a:t>
             </a:fld>
             <a:endParaRPr lang="es-ES" dirty="0"/>
           </a:p>
@@ -3726,7 +3726,7 @@
           <a:p>
             <a:fld id="{884406F1-D55D-4EF3-B6E5-F254E6012FCC}" type="datetimeFigureOut">
               <a:rPr lang="es-ES" smtClean="0"/>
-              <a:t>27/02/2020</a:t>
+              <a:t>28/02/2020</a:t>
             </a:fld>
             <a:endParaRPr lang="es-ES"/>
           </a:p>
@@ -4658,7 +4658,7 @@
           <a:p>
             <a:fld id="{884406F1-D55D-4EF3-B6E5-F254E6012FCC}" type="datetimeFigureOut">
               <a:rPr lang="es-ES" smtClean="0"/>
-              <a:t>27/02/2020</a:t>
+              <a:t>28/02/2020</a:t>
             </a:fld>
             <a:endParaRPr lang="es-ES"/>
           </a:p>
@@ -6060,12 +6060,9 @@
           </a:p>
           <a:p>
             <a:r>
-              <a:rPr lang="en-GB" dirty="0">
-                <a:hlinkClick r:id="rId4"/>
-              </a:rPr>
+              <a:rPr lang="en-GB" dirty="0"/>
               <a:t>http://localhost:{DAPR_HTTP_PORT}/v1.0/secrets/&lt;secret_store&gt;/key</a:t>
             </a:r>
-            <a:endParaRPr lang="en-GB" dirty="0"/>
           </a:p>
           <a:p>
             <a:r>
